--- a/15_Ch02_JPA.pptx
+++ b/15_Ch02_JPA.pptx
@@ -5,7 +5,7 @@
     <p:sldMasterId id="2147483648" r:id="rId1"/>
   </p:sldMasterIdLst>
   <p:notesMasterIdLst>
-    <p:notesMasterId r:id="rId26"/>
+    <p:notesMasterId r:id="rId44"/>
   </p:notesMasterIdLst>
   <p:sldIdLst>
     <p:sldId id="256" r:id="rId2"/>
@@ -31,7 +31,25 @@
     <p:sldId id="279" r:id="rId22"/>
     <p:sldId id="280" r:id="rId23"/>
     <p:sldId id="281" r:id="rId24"/>
-    <p:sldId id="259" r:id="rId25"/>
+    <p:sldId id="283" r:id="rId25"/>
+    <p:sldId id="284" r:id="rId26"/>
+    <p:sldId id="285" r:id="rId27"/>
+    <p:sldId id="291" r:id="rId28"/>
+    <p:sldId id="292" r:id="rId29"/>
+    <p:sldId id="293" r:id="rId30"/>
+    <p:sldId id="294" r:id="rId31"/>
+    <p:sldId id="290" r:id="rId32"/>
+    <p:sldId id="286" r:id="rId33"/>
+    <p:sldId id="287" r:id="rId34"/>
+    <p:sldId id="288" r:id="rId35"/>
+    <p:sldId id="289" r:id="rId36"/>
+    <p:sldId id="295" r:id="rId37"/>
+    <p:sldId id="296" r:id="rId38"/>
+    <p:sldId id="298" r:id="rId39"/>
+    <p:sldId id="299" r:id="rId40"/>
+    <p:sldId id="300" r:id="rId41"/>
+    <p:sldId id="297" r:id="rId42"/>
+    <p:sldId id="259" r:id="rId43"/>
   </p:sldIdLst>
   <p:sldSz cx="9144000" cy="6858000" type="screen4x3"/>
   <p:notesSz cx="6858000" cy="9144000"/>
@@ -1302,6 +1320,88 @@
 </p:notes>
 </file>
 
+<file path=ppt/notesSlides/notesSlide19.xml><?xml version="1.0" encoding="utf-8"?>
+<p:notes xmlns:a="http://schemas.openxmlformats.org/drawingml/2006/main" xmlns:r="http://schemas.openxmlformats.org/officeDocument/2006/relationships" xmlns:p="http://schemas.openxmlformats.org/presentationml/2006/main">
+  <p:cSld>
+    <p:spTree>
+      <p:nvGrpSpPr>
+        <p:cNvPr id="1" name=""/>
+        <p:cNvGrpSpPr/>
+        <p:nvPr/>
+      </p:nvGrpSpPr>
+      <p:grpSpPr>
+        <a:xfrm>
+          <a:off x="0" y="0"/>
+          <a:ext cx="0" cy="0"/>
+          <a:chOff x="0" y="0"/>
+          <a:chExt cx="0" cy="0"/>
+        </a:xfrm>
+      </p:grpSpPr>
+      <p:sp>
+        <p:nvSpPr>
+          <p:cNvPr id="2" name="投影片圖像版面配置區 1"/>
+          <p:cNvSpPr>
+            <a:spLocks noGrp="1" noRot="1" noChangeAspect="1"/>
+          </p:cNvSpPr>
+          <p:nvPr>
+            <p:ph type="sldImg"/>
+          </p:nvPr>
+        </p:nvSpPr>
+        <p:spPr/>
+      </p:sp>
+      <p:sp>
+        <p:nvSpPr>
+          <p:cNvPr id="3" name="備忘稿版面配置區 2"/>
+          <p:cNvSpPr>
+            <a:spLocks noGrp="1"/>
+          </p:cNvSpPr>
+          <p:nvPr>
+            <p:ph type="body" idx="1"/>
+          </p:nvPr>
+        </p:nvSpPr>
+        <p:spPr/>
+        <p:txBody>
+          <a:bodyPr>
+            <a:normAutofit/>
+          </a:bodyPr>
+          <a:lstStyle/>
+          <a:p>
+            <a:endParaRPr lang="zh-TW" altLang="en-US" dirty="0"/>
+          </a:p>
+        </p:txBody>
+      </p:sp>
+      <p:sp>
+        <p:nvSpPr>
+          <p:cNvPr id="4" name="投影片編號版面配置區 3"/>
+          <p:cNvSpPr>
+            <a:spLocks noGrp="1"/>
+          </p:cNvSpPr>
+          <p:nvPr>
+            <p:ph type="sldNum" sz="quarter" idx="10"/>
+          </p:nvPr>
+        </p:nvSpPr>
+        <p:spPr/>
+        <p:txBody>
+          <a:bodyPr/>
+          <a:lstStyle/>
+          <a:p>
+            <a:fld id="{81FAA135-E01C-4A42-9760-5A137A0CA41F}" type="slidenum">
+              <a:rPr lang="zh-TW" altLang="en-US" smtClean="0"/>
+              <a:pPr/>
+              <a:t>25</a:t>
+            </a:fld>
+            <a:endParaRPr lang="zh-TW" altLang="en-US"/>
+          </a:p>
+        </p:txBody>
+      </p:sp>
+    </p:spTree>
+  </p:cSld>
+  <p:clrMapOvr>
+    <a:masterClrMapping/>
+  </p:clrMapOvr>
+</p:notes>
+</file>
+
 <file path=ppt/notesSlides/notesSlide2.xml><?xml version="1.0" encoding="utf-8"?>
 <p:notes xmlns:a="http://schemas.openxmlformats.org/drawingml/2006/main" xmlns:r="http://schemas.openxmlformats.org/officeDocument/2006/relationships" xmlns:p="http://schemas.openxmlformats.org/presentationml/2006/main">
   <p:cSld>
@@ -1371,6 +1471,826 @@
               <a:rPr lang="zh-TW" altLang="en-US" smtClean="0"/>
               <a:pPr/>
               <a:t>6</a:t>
+            </a:fld>
+            <a:endParaRPr lang="zh-TW" altLang="en-US"/>
+          </a:p>
+        </p:txBody>
+      </p:sp>
+    </p:spTree>
+  </p:cSld>
+  <p:clrMapOvr>
+    <a:masterClrMapping/>
+  </p:clrMapOvr>
+</p:notes>
+</file>
+
+<file path=ppt/notesSlides/notesSlide20.xml><?xml version="1.0" encoding="utf-8"?>
+<p:notes xmlns:a="http://schemas.openxmlformats.org/drawingml/2006/main" xmlns:r="http://schemas.openxmlformats.org/officeDocument/2006/relationships" xmlns:p="http://schemas.openxmlformats.org/presentationml/2006/main">
+  <p:cSld>
+    <p:spTree>
+      <p:nvGrpSpPr>
+        <p:cNvPr id="1" name=""/>
+        <p:cNvGrpSpPr/>
+        <p:nvPr/>
+      </p:nvGrpSpPr>
+      <p:grpSpPr>
+        <a:xfrm>
+          <a:off x="0" y="0"/>
+          <a:ext cx="0" cy="0"/>
+          <a:chOff x="0" y="0"/>
+          <a:chExt cx="0" cy="0"/>
+        </a:xfrm>
+      </p:grpSpPr>
+      <p:sp>
+        <p:nvSpPr>
+          <p:cNvPr id="2" name="投影片圖像版面配置區 1"/>
+          <p:cNvSpPr>
+            <a:spLocks noGrp="1" noRot="1" noChangeAspect="1"/>
+          </p:cNvSpPr>
+          <p:nvPr>
+            <p:ph type="sldImg"/>
+          </p:nvPr>
+        </p:nvSpPr>
+        <p:spPr/>
+      </p:sp>
+      <p:sp>
+        <p:nvSpPr>
+          <p:cNvPr id="3" name="備忘稿版面配置區 2"/>
+          <p:cNvSpPr>
+            <a:spLocks noGrp="1"/>
+          </p:cNvSpPr>
+          <p:nvPr>
+            <p:ph type="body" idx="1"/>
+          </p:nvPr>
+        </p:nvSpPr>
+        <p:spPr/>
+        <p:txBody>
+          <a:bodyPr>
+            <a:normAutofit/>
+          </a:bodyPr>
+          <a:lstStyle/>
+          <a:p>
+            <a:endParaRPr lang="zh-TW" altLang="en-US" dirty="0"/>
+          </a:p>
+        </p:txBody>
+      </p:sp>
+      <p:sp>
+        <p:nvSpPr>
+          <p:cNvPr id="4" name="投影片編號版面配置區 3"/>
+          <p:cNvSpPr>
+            <a:spLocks noGrp="1"/>
+          </p:cNvSpPr>
+          <p:nvPr>
+            <p:ph type="sldNum" sz="quarter" idx="10"/>
+          </p:nvPr>
+        </p:nvSpPr>
+        <p:spPr/>
+        <p:txBody>
+          <a:bodyPr/>
+          <a:lstStyle/>
+          <a:p>
+            <a:fld id="{81FAA135-E01C-4A42-9760-5A137A0CA41F}" type="slidenum">
+              <a:rPr lang="zh-TW" altLang="en-US" smtClean="0"/>
+              <a:pPr/>
+              <a:t>26</a:t>
+            </a:fld>
+            <a:endParaRPr lang="zh-TW" altLang="en-US"/>
+          </a:p>
+        </p:txBody>
+      </p:sp>
+    </p:spTree>
+  </p:cSld>
+  <p:clrMapOvr>
+    <a:masterClrMapping/>
+  </p:clrMapOvr>
+</p:notes>
+</file>
+
+<file path=ppt/notesSlides/notesSlide21.xml><?xml version="1.0" encoding="utf-8"?>
+<p:notes xmlns:a="http://schemas.openxmlformats.org/drawingml/2006/main" xmlns:r="http://schemas.openxmlformats.org/officeDocument/2006/relationships" xmlns:p="http://schemas.openxmlformats.org/presentationml/2006/main">
+  <p:cSld>
+    <p:spTree>
+      <p:nvGrpSpPr>
+        <p:cNvPr id="1" name=""/>
+        <p:cNvGrpSpPr/>
+        <p:nvPr/>
+      </p:nvGrpSpPr>
+      <p:grpSpPr>
+        <a:xfrm>
+          <a:off x="0" y="0"/>
+          <a:ext cx="0" cy="0"/>
+          <a:chOff x="0" y="0"/>
+          <a:chExt cx="0" cy="0"/>
+        </a:xfrm>
+      </p:grpSpPr>
+      <p:sp>
+        <p:nvSpPr>
+          <p:cNvPr id="2" name="投影片圖像版面配置區 1"/>
+          <p:cNvSpPr>
+            <a:spLocks noGrp="1" noRot="1" noChangeAspect="1"/>
+          </p:cNvSpPr>
+          <p:nvPr>
+            <p:ph type="sldImg"/>
+          </p:nvPr>
+        </p:nvSpPr>
+        <p:spPr/>
+      </p:sp>
+      <p:sp>
+        <p:nvSpPr>
+          <p:cNvPr id="3" name="備忘稿版面配置區 2"/>
+          <p:cNvSpPr>
+            <a:spLocks noGrp="1"/>
+          </p:cNvSpPr>
+          <p:nvPr>
+            <p:ph type="body" idx="1"/>
+          </p:nvPr>
+        </p:nvSpPr>
+        <p:spPr/>
+        <p:txBody>
+          <a:bodyPr>
+            <a:normAutofit/>
+          </a:bodyPr>
+          <a:lstStyle/>
+          <a:p>
+            <a:endParaRPr lang="zh-TW" altLang="en-US" dirty="0"/>
+          </a:p>
+        </p:txBody>
+      </p:sp>
+      <p:sp>
+        <p:nvSpPr>
+          <p:cNvPr id="4" name="投影片編號版面配置區 3"/>
+          <p:cNvSpPr>
+            <a:spLocks noGrp="1"/>
+          </p:cNvSpPr>
+          <p:nvPr>
+            <p:ph type="sldNum" sz="quarter" idx="10"/>
+          </p:nvPr>
+        </p:nvSpPr>
+        <p:spPr/>
+        <p:txBody>
+          <a:bodyPr/>
+          <a:lstStyle/>
+          <a:p>
+            <a:fld id="{81FAA135-E01C-4A42-9760-5A137A0CA41F}" type="slidenum">
+              <a:rPr lang="zh-TW" altLang="en-US" smtClean="0"/>
+              <a:pPr/>
+              <a:t>27</a:t>
+            </a:fld>
+            <a:endParaRPr lang="zh-TW" altLang="en-US"/>
+          </a:p>
+        </p:txBody>
+      </p:sp>
+    </p:spTree>
+  </p:cSld>
+  <p:clrMapOvr>
+    <a:masterClrMapping/>
+  </p:clrMapOvr>
+</p:notes>
+</file>
+
+<file path=ppt/notesSlides/notesSlide22.xml><?xml version="1.0" encoding="utf-8"?>
+<p:notes xmlns:a="http://schemas.openxmlformats.org/drawingml/2006/main" xmlns:r="http://schemas.openxmlformats.org/officeDocument/2006/relationships" xmlns:p="http://schemas.openxmlformats.org/presentationml/2006/main">
+  <p:cSld>
+    <p:spTree>
+      <p:nvGrpSpPr>
+        <p:cNvPr id="1" name=""/>
+        <p:cNvGrpSpPr/>
+        <p:nvPr/>
+      </p:nvGrpSpPr>
+      <p:grpSpPr>
+        <a:xfrm>
+          <a:off x="0" y="0"/>
+          <a:ext cx="0" cy="0"/>
+          <a:chOff x="0" y="0"/>
+          <a:chExt cx="0" cy="0"/>
+        </a:xfrm>
+      </p:grpSpPr>
+      <p:sp>
+        <p:nvSpPr>
+          <p:cNvPr id="2" name="投影片圖像版面配置區 1"/>
+          <p:cNvSpPr>
+            <a:spLocks noGrp="1" noRot="1" noChangeAspect="1"/>
+          </p:cNvSpPr>
+          <p:nvPr>
+            <p:ph type="sldImg"/>
+          </p:nvPr>
+        </p:nvSpPr>
+        <p:spPr/>
+      </p:sp>
+      <p:sp>
+        <p:nvSpPr>
+          <p:cNvPr id="3" name="備忘稿版面配置區 2"/>
+          <p:cNvSpPr>
+            <a:spLocks noGrp="1"/>
+          </p:cNvSpPr>
+          <p:nvPr>
+            <p:ph type="body" idx="1"/>
+          </p:nvPr>
+        </p:nvSpPr>
+        <p:spPr/>
+        <p:txBody>
+          <a:bodyPr>
+            <a:normAutofit/>
+          </a:bodyPr>
+          <a:lstStyle/>
+          <a:p>
+            <a:endParaRPr lang="zh-TW" altLang="en-US" dirty="0"/>
+          </a:p>
+        </p:txBody>
+      </p:sp>
+      <p:sp>
+        <p:nvSpPr>
+          <p:cNvPr id="4" name="投影片編號版面配置區 3"/>
+          <p:cNvSpPr>
+            <a:spLocks noGrp="1"/>
+          </p:cNvSpPr>
+          <p:nvPr>
+            <p:ph type="sldNum" sz="quarter" idx="10"/>
+          </p:nvPr>
+        </p:nvSpPr>
+        <p:spPr/>
+        <p:txBody>
+          <a:bodyPr/>
+          <a:lstStyle/>
+          <a:p>
+            <a:fld id="{81FAA135-E01C-4A42-9760-5A137A0CA41F}" type="slidenum">
+              <a:rPr lang="zh-TW" altLang="en-US" smtClean="0"/>
+              <a:pPr/>
+              <a:t>28</a:t>
+            </a:fld>
+            <a:endParaRPr lang="zh-TW" altLang="en-US"/>
+          </a:p>
+        </p:txBody>
+      </p:sp>
+    </p:spTree>
+  </p:cSld>
+  <p:clrMapOvr>
+    <a:masterClrMapping/>
+  </p:clrMapOvr>
+</p:notes>
+</file>
+
+<file path=ppt/notesSlides/notesSlide23.xml><?xml version="1.0" encoding="utf-8"?>
+<p:notes xmlns:a="http://schemas.openxmlformats.org/drawingml/2006/main" xmlns:r="http://schemas.openxmlformats.org/officeDocument/2006/relationships" xmlns:p="http://schemas.openxmlformats.org/presentationml/2006/main">
+  <p:cSld>
+    <p:spTree>
+      <p:nvGrpSpPr>
+        <p:cNvPr id="1" name=""/>
+        <p:cNvGrpSpPr/>
+        <p:nvPr/>
+      </p:nvGrpSpPr>
+      <p:grpSpPr>
+        <a:xfrm>
+          <a:off x="0" y="0"/>
+          <a:ext cx="0" cy="0"/>
+          <a:chOff x="0" y="0"/>
+          <a:chExt cx="0" cy="0"/>
+        </a:xfrm>
+      </p:grpSpPr>
+      <p:sp>
+        <p:nvSpPr>
+          <p:cNvPr id="2" name="投影片圖像版面配置區 1"/>
+          <p:cNvSpPr>
+            <a:spLocks noGrp="1" noRot="1" noChangeAspect="1"/>
+          </p:cNvSpPr>
+          <p:nvPr>
+            <p:ph type="sldImg"/>
+          </p:nvPr>
+        </p:nvSpPr>
+        <p:spPr/>
+      </p:sp>
+      <p:sp>
+        <p:nvSpPr>
+          <p:cNvPr id="3" name="備忘稿版面配置區 2"/>
+          <p:cNvSpPr>
+            <a:spLocks noGrp="1"/>
+          </p:cNvSpPr>
+          <p:nvPr>
+            <p:ph type="body" idx="1"/>
+          </p:nvPr>
+        </p:nvSpPr>
+        <p:spPr/>
+        <p:txBody>
+          <a:bodyPr>
+            <a:normAutofit/>
+          </a:bodyPr>
+          <a:lstStyle/>
+          <a:p>
+            <a:endParaRPr lang="zh-TW" altLang="en-US" dirty="0"/>
+          </a:p>
+        </p:txBody>
+      </p:sp>
+      <p:sp>
+        <p:nvSpPr>
+          <p:cNvPr id="4" name="投影片編號版面配置區 3"/>
+          <p:cNvSpPr>
+            <a:spLocks noGrp="1"/>
+          </p:cNvSpPr>
+          <p:nvPr>
+            <p:ph type="sldNum" sz="quarter" idx="10"/>
+          </p:nvPr>
+        </p:nvSpPr>
+        <p:spPr/>
+        <p:txBody>
+          <a:bodyPr/>
+          <a:lstStyle/>
+          <a:p>
+            <a:fld id="{81FAA135-E01C-4A42-9760-5A137A0CA41F}" type="slidenum">
+              <a:rPr lang="zh-TW" altLang="en-US" smtClean="0"/>
+              <a:pPr/>
+              <a:t>29</a:t>
+            </a:fld>
+            <a:endParaRPr lang="zh-TW" altLang="en-US"/>
+          </a:p>
+        </p:txBody>
+      </p:sp>
+    </p:spTree>
+  </p:cSld>
+  <p:clrMapOvr>
+    <a:masterClrMapping/>
+  </p:clrMapOvr>
+</p:notes>
+</file>
+
+<file path=ppt/notesSlides/notesSlide24.xml><?xml version="1.0" encoding="utf-8"?>
+<p:notes xmlns:a="http://schemas.openxmlformats.org/drawingml/2006/main" xmlns:r="http://schemas.openxmlformats.org/officeDocument/2006/relationships" xmlns:p="http://schemas.openxmlformats.org/presentationml/2006/main">
+  <p:cSld>
+    <p:spTree>
+      <p:nvGrpSpPr>
+        <p:cNvPr id="1" name=""/>
+        <p:cNvGrpSpPr/>
+        <p:nvPr/>
+      </p:nvGrpSpPr>
+      <p:grpSpPr>
+        <a:xfrm>
+          <a:off x="0" y="0"/>
+          <a:ext cx="0" cy="0"/>
+          <a:chOff x="0" y="0"/>
+          <a:chExt cx="0" cy="0"/>
+        </a:xfrm>
+      </p:grpSpPr>
+      <p:sp>
+        <p:nvSpPr>
+          <p:cNvPr id="2" name="投影片圖像版面配置區 1"/>
+          <p:cNvSpPr>
+            <a:spLocks noGrp="1" noRot="1" noChangeAspect="1"/>
+          </p:cNvSpPr>
+          <p:nvPr>
+            <p:ph type="sldImg"/>
+          </p:nvPr>
+        </p:nvSpPr>
+        <p:spPr/>
+      </p:sp>
+      <p:sp>
+        <p:nvSpPr>
+          <p:cNvPr id="3" name="備忘稿版面配置區 2"/>
+          <p:cNvSpPr>
+            <a:spLocks noGrp="1"/>
+          </p:cNvSpPr>
+          <p:nvPr>
+            <p:ph type="body" idx="1"/>
+          </p:nvPr>
+        </p:nvSpPr>
+        <p:spPr/>
+        <p:txBody>
+          <a:bodyPr>
+            <a:normAutofit/>
+          </a:bodyPr>
+          <a:lstStyle/>
+          <a:p>
+            <a:endParaRPr lang="zh-TW" altLang="en-US" dirty="0"/>
+          </a:p>
+        </p:txBody>
+      </p:sp>
+      <p:sp>
+        <p:nvSpPr>
+          <p:cNvPr id="4" name="投影片編號版面配置區 3"/>
+          <p:cNvSpPr>
+            <a:spLocks noGrp="1"/>
+          </p:cNvSpPr>
+          <p:nvPr>
+            <p:ph type="sldNum" sz="quarter" idx="10"/>
+          </p:nvPr>
+        </p:nvSpPr>
+        <p:spPr/>
+        <p:txBody>
+          <a:bodyPr/>
+          <a:lstStyle/>
+          <a:p>
+            <a:fld id="{81FAA135-E01C-4A42-9760-5A137A0CA41F}" type="slidenum">
+              <a:rPr lang="zh-TW" altLang="en-US" smtClean="0"/>
+              <a:pPr/>
+              <a:t>30</a:t>
+            </a:fld>
+            <a:endParaRPr lang="zh-TW" altLang="en-US"/>
+          </a:p>
+        </p:txBody>
+      </p:sp>
+    </p:spTree>
+  </p:cSld>
+  <p:clrMapOvr>
+    <a:masterClrMapping/>
+  </p:clrMapOvr>
+</p:notes>
+</file>
+
+<file path=ppt/notesSlides/notesSlide25.xml><?xml version="1.0" encoding="utf-8"?>
+<p:notes xmlns:a="http://schemas.openxmlformats.org/drawingml/2006/main" xmlns:r="http://schemas.openxmlformats.org/officeDocument/2006/relationships" xmlns:p="http://schemas.openxmlformats.org/presentationml/2006/main">
+  <p:cSld>
+    <p:spTree>
+      <p:nvGrpSpPr>
+        <p:cNvPr id="1" name=""/>
+        <p:cNvGrpSpPr/>
+        <p:nvPr/>
+      </p:nvGrpSpPr>
+      <p:grpSpPr>
+        <a:xfrm>
+          <a:off x="0" y="0"/>
+          <a:ext cx="0" cy="0"/>
+          <a:chOff x="0" y="0"/>
+          <a:chExt cx="0" cy="0"/>
+        </a:xfrm>
+      </p:grpSpPr>
+      <p:sp>
+        <p:nvSpPr>
+          <p:cNvPr id="2" name="投影片圖像版面配置區 1"/>
+          <p:cNvSpPr>
+            <a:spLocks noGrp="1" noRot="1" noChangeAspect="1"/>
+          </p:cNvSpPr>
+          <p:nvPr>
+            <p:ph type="sldImg"/>
+          </p:nvPr>
+        </p:nvSpPr>
+        <p:spPr/>
+      </p:sp>
+      <p:sp>
+        <p:nvSpPr>
+          <p:cNvPr id="3" name="備忘稿版面配置區 2"/>
+          <p:cNvSpPr>
+            <a:spLocks noGrp="1"/>
+          </p:cNvSpPr>
+          <p:nvPr>
+            <p:ph type="body" idx="1"/>
+          </p:nvPr>
+        </p:nvSpPr>
+        <p:spPr/>
+        <p:txBody>
+          <a:bodyPr>
+            <a:normAutofit/>
+          </a:bodyPr>
+          <a:lstStyle/>
+          <a:p>
+            <a:endParaRPr lang="zh-TW" altLang="en-US" dirty="0"/>
+          </a:p>
+        </p:txBody>
+      </p:sp>
+      <p:sp>
+        <p:nvSpPr>
+          <p:cNvPr id="4" name="投影片編號版面配置區 3"/>
+          <p:cNvSpPr>
+            <a:spLocks noGrp="1"/>
+          </p:cNvSpPr>
+          <p:nvPr>
+            <p:ph type="sldNum" sz="quarter" idx="10"/>
+          </p:nvPr>
+        </p:nvSpPr>
+        <p:spPr/>
+        <p:txBody>
+          <a:bodyPr/>
+          <a:lstStyle/>
+          <a:p>
+            <a:fld id="{81FAA135-E01C-4A42-9760-5A137A0CA41F}" type="slidenum">
+              <a:rPr lang="zh-TW" altLang="en-US" smtClean="0"/>
+              <a:pPr/>
+              <a:t>32</a:t>
+            </a:fld>
+            <a:endParaRPr lang="zh-TW" altLang="en-US"/>
+          </a:p>
+        </p:txBody>
+      </p:sp>
+    </p:spTree>
+  </p:cSld>
+  <p:clrMapOvr>
+    <a:masterClrMapping/>
+  </p:clrMapOvr>
+</p:notes>
+</file>
+
+<file path=ppt/notesSlides/notesSlide26.xml><?xml version="1.0" encoding="utf-8"?>
+<p:notes xmlns:a="http://schemas.openxmlformats.org/drawingml/2006/main" xmlns:r="http://schemas.openxmlformats.org/officeDocument/2006/relationships" xmlns:p="http://schemas.openxmlformats.org/presentationml/2006/main">
+  <p:cSld>
+    <p:spTree>
+      <p:nvGrpSpPr>
+        <p:cNvPr id="1" name=""/>
+        <p:cNvGrpSpPr/>
+        <p:nvPr/>
+      </p:nvGrpSpPr>
+      <p:grpSpPr>
+        <a:xfrm>
+          <a:off x="0" y="0"/>
+          <a:ext cx="0" cy="0"/>
+          <a:chOff x="0" y="0"/>
+          <a:chExt cx="0" cy="0"/>
+        </a:xfrm>
+      </p:grpSpPr>
+      <p:sp>
+        <p:nvSpPr>
+          <p:cNvPr id="2" name="投影片圖像版面配置區 1"/>
+          <p:cNvSpPr>
+            <a:spLocks noGrp="1" noRot="1" noChangeAspect="1"/>
+          </p:cNvSpPr>
+          <p:nvPr>
+            <p:ph type="sldImg"/>
+          </p:nvPr>
+        </p:nvSpPr>
+        <p:spPr/>
+      </p:sp>
+      <p:sp>
+        <p:nvSpPr>
+          <p:cNvPr id="3" name="備忘稿版面配置區 2"/>
+          <p:cNvSpPr>
+            <a:spLocks noGrp="1"/>
+          </p:cNvSpPr>
+          <p:nvPr>
+            <p:ph type="body" idx="1"/>
+          </p:nvPr>
+        </p:nvSpPr>
+        <p:spPr/>
+        <p:txBody>
+          <a:bodyPr>
+            <a:normAutofit/>
+          </a:bodyPr>
+          <a:lstStyle/>
+          <a:p>
+            <a:endParaRPr lang="zh-TW" altLang="en-US" dirty="0"/>
+          </a:p>
+        </p:txBody>
+      </p:sp>
+      <p:sp>
+        <p:nvSpPr>
+          <p:cNvPr id="4" name="投影片編號版面配置區 3"/>
+          <p:cNvSpPr>
+            <a:spLocks noGrp="1"/>
+          </p:cNvSpPr>
+          <p:nvPr>
+            <p:ph type="sldNum" sz="quarter" idx="10"/>
+          </p:nvPr>
+        </p:nvSpPr>
+        <p:spPr/>
+        <p:txBody>
+          <a:bodyPr/>
+          <a:lstStyle/>
+          <a:p>
+            <a:fld id="{81FAA135-E01C-4A42-9760-5A137A0CA41F}" type="slidenum">
+              <a:rPr lang="zh-TW" altLang="en-US" smtClean="0"/>
+              <a:pPr/>
+              <a:t>33</a:t>
+            </a:fld>
+            <a:endParaRPr lang="zh-TW" altLang="en-US"/>
+          </a:p>
+        </p:txBody>
+      </p:sp>
+    </p:spTree>
+  </p:cSld>
+  <p:clrMapOvr>
+    <a:masterClrMapping/>
+  </p:clrMapOvr>
+</p:notes>
+</file>
+
+<file path=ppt/notesSlides/notesSlide27.xml><?xml version="1.0" encoding="utf-8"?>
+<p:notes xmlns:a="http://schemas.openxmlformats.org/drawingml/2006/main" xmlns:r="http://schemas.openxmlformats.org/officeDocument/2006/relationships" xmlns:p="http://schemas.openxmlformats.org/presentationml/2006/main">
+  <p:cSld>
+    <p:spTree>
+      <p:nvGrpSpPr>
+        <p:cNvPr id="1" name=""/>
+        <p:cNvGrpSpPr/>
+        <p:nvPr/>
+      </p:nvGrpSpPr>
+      <p:grpSpPr>
+        <a:xfrm>
+          <a:off x="0" y="0"/>
+          <a:ext cx="0" cy="0"/>
+          <a:chOff x="0" y="0"/>
+          <a:chExt cx="0" cy="0"/>
+        </a:xfrm>
+      </p:grpSpPr>
+      <p:sp>
+        <p:nvSpPr>
+          <p:cNvPr id="2" name="投影片圖像版面配置區 1"/>
+          <p:cNvSpPr>
+            <a:spLocks noGrp="1" noRot="1" noChangeAspect="1"/>
+          </p:cNvSpPr>
+          <p:nvPr>
+            <p:ph type="sldImg"/>
+          </p:nvPr>
+        </p:nvSpPr>
+        <p:spPr/>
+      </p:sp>
+      <p:sp>
+        <p:nvSpPr>
+          <p:cNvPr id="3" name="備忘稿版面配置區 2"/>
+          <p:cNvSpPr>
+            <a:spLocks noGrp="1"/>
+          </p:cNvSpPr>
+          <p:nvPr>
+            <p:ph type="body" idx="1"/>
+          </p:nvPr>
+        </p:nvSpPr>
+        <p:spPr/>
+        <p:txBody>
+          <a:bodyPr>
+            <a:normAutofit/>
+          </a:bodyPr>
+          <a:lstStyle/>
+          <a:p>
+            <a:endParaRPr lang="zh-TW" altLang="en-US" dirty="0"/>
+          </a:p>
+        </p:txBody>
+      </p:sp>
+      <p:sp>
+        <p:nvSpPr>
+          <p:cNvPr id="4" name="投影片編號版面配置區 3"/>
+          <p:cNvSpPr>
+            <a:spLocks noGrp="1"/>
+          </p:cNvSpPr>
+          <p:nvPr>
+            <p:ph type="sldNum" sz="quarter" idx="10"/>
+          </p:nvPr>
+        </p:nvSpPr>
+        <p:spPr/>
+        <p:txBody>
+          <a:bodyPr/>
+          <a:lstStyle/>
+          <a:p>
+            <a:fld id="{81FAA135-E01C-4A42-9760-5A137A0CA41F}" type="slidenum">
+              <a:rPr lang="zh-TW" altLang="en-US" smtClean="0"/>
+              <a:pPr/>
+              <a:t>34</a:t>
+            </a:fld>
+            <a:endParaRPr lang="zh-TW" altLang="en-US"/>
+          </a:p>
+        </p:txBody>
+      </p:sp>
+    </p:spTree>
+  </p:cSld>
+  <p:clrMapOvr>
+    <a:masterClrMapping/>
+  </p:clrMapOvr>
+</p:notes>
+</file>
+
+<file path=ppt/notesSlides/notesSlide28.xml><?xml version="1.0" encoding="utf-8"?>
+<p:notes xmlns:a="http://schemas.openxmlformats.org/drawingml/2006/main" xmlns:r="http://schemas.openxmlformats.org/officeDocument/2006/relationships" xmlns:p="http://schemas.openxmlformats.org/presentationml/2006/main">
+  <p:cSld>
+    <p:spTree>
+      <p:nvGrpSpPr>
+        <p:cNvPr id="1" name=""/>
+        <p:cNvGrpSpPr/>
+        <p:nvPr/>
+      </p:nvGrpSpPr>
+      <p:grpSpPr>
+        <a:xfrm>
+          <a:off x="0" y="0"/>
+          <a:ext cx="0" cy="0"/>
+          <a:chOff x="0" y="0"/>
+          <a:chExt cx="0" cy="0"/>
+        </a:xfrm>
+      </p:grpSpPr>
+      <p:sp>
+        <p:nvSpPr>
+          <p:cNvPr id="2" name="投影片圖像版面配置區 1"/>
+          <p:cNvSpPr>
+            <a:spLocks noGrp="1" noRot="1" noChangeAspect="1"/>
+          </p:cNvSpPr>
+          <p:nvPr>
+            <p:ph type="sldImg"/>
+          </p:nvPr>
+        </p:nvSpPr>
+        <p:spPr/>
+      </p:sp>
+      <p:sp>
+        <p:nvSpPr>
+          <p:cNvPr id="3" name="備忘稿版面配置區 2"/>
+          <p:cNvSpPr>
+            <a:spLocks noGrp="1"/>
+          </p:cNvSpPr>
+          <p:nvPr>
+            <p:ph type="body" idx="1"/>
+          </p:nvPr>
+        </p:nvSpPr>
+        <p:spPr/>
+        <p:txBody>
+          <a:bodyPr>
+            <a:normAutofit/>
+          </a:bodyPr>
+          <a:lstStyle/>
+          <a:p>
+            <a:endParaRPr lang="zh-TW" altLang="en-US" dirty="0"/>
+          </a:p>
+        </p:txBody>
+      </p:sp>
+      <p:sp>
+        <p:nvSpPr>
+          <p:cNvPr id="4" name="投影片編號版面配置區 3"/>
+          <p:cNvSpPr>
+            <a:spLocks noGrp="1"/>
+          </p:cNvSpPr>
+          <p:nvPr>
+            <p:ph type="sldNum" sz="quarter" idx="10"/>
+          </p:nvPr>
+        </p:nvSpPr>
+        <p:spPr/>
+        <p:txBody>
+          <a:bodyPr/>
+          <a:lstStyle/>
+          <a:p>
+            <a:fld id="{81FAA135-E01C-4A42-9760-5A137A0CA41F}" type="slidenum">
+              <a:rPr lang="zh-TW" altLang="en-US" smtClean="0"/>
+              <a:pPr/>
+              <a:t>35</a:t>
+            </a:fld>
+            <a:endParaRPr lang="zh-TW" altLang="en-US"/>
+          </a:p>
+        </p:txBody>
+      </p:sp>
+    </p:spTree>
+  </p:cSld>
+  <p:clrMapOvr>
+    <a:masterClrMapping/>
+  </p:clrMapOvr>
+</p:notes>
+</file>
+
+<file path=ppt/notesSlides/notesSlide29.xml><?xml version="1.0" encoding="utf-8"?>
+<p:notes xmlns:a="http://schemas.openxmlformats.org/drawingml/2006/main" xmlns:r="http://schemas.openxmlformats.org/officeDocument/2006/relationships" xmlns:p="http://schemas.openxmlformats.org/presentationml/2006/main">
+  <p:cSld>
+    <p:spTree>
+      <p:nvGrpSpPr>
+        <p:cNvPr id="1" name=""/>
+        <p:cNvGrpSpPr/>
+        <p:nvPr/>
+      </p:nvGrpSpPr>
+      <p:grpSpPr>
+        <a:xfrm>
+          <a:off x="0" y="0"/>
+          <a:ext cx="0" cy="0"/>
+          <a:chOff x="0" y="0"/>
+          <a:chExt cx="0" cy="0"/>
+        </a:xfrm>
+      </p:grpSpPr>
+      <p:sp>
+        <p:nvSpPr>
+          <p:cNvPr id="2" name="投影片圖像版面配置區 1"/>
+          <p:cNvSpPr>
+            <a:spLocks noGrp="1" noRot="1" noChangeAspect="1"/>
+          </p:cNvSpPr>
+          <p:nvPr>
+            <p:ph type="sldImg"/>
+          </p:nvPr>
+        </p:nvSpPr>
+        <p:spPr/>
+      </p:sp>
+      <p:sp>
+        <p:nvSpPr>
+          <p:cNvPr id="3" name="備忘稿版面配置區 2"/>
+          <p:cNvSpPr>
+            <a:spLocks noGrp="1"/>
+          </p:cNvSpPr>
+          <p:nvPr>
+            <p:ph type="body" idx="1"/>
+          </p:nvPr>
+        </p:nvSpPr>
+        <p:spPr/>
+        <p:txBody>
+          <a:bodyPr>
+            <a:normAutofit/>
+          </a:bodyPr>
+          <a:lstStyle/>
+          <a:p>
+            <a:endParaRPr lang="zh-TW" altLang="en-US" dirty="0"/>
+          </a:p>
+        </p:txBody>
+      </p:sp>
+      <p:sp>
+        <p:nvSpPr>
+          <p:cNvPr id="4" name="投影片編號版面配置區 3"/>
+          <p:cNvSpPr>
+            <a:spLocks noGrp="1"/>
+          </p:cNvSpPr>
+          <p:nvPr>
+            <p:ph type="sldNum" sz="quarter" idx="10"/>
+          </p:nvPr>
+        </p:nvSpPr>
+        <p:spPr/>
+        <p:txBody>
+          <a:bodyPr/>
+          <a:lstStyle/>
+          <a:p>
+            <a:fld id="{81FAA135-E01C-4A42-9760-5A137A0CA41F}" type="slidenum">
+              <a:rPr lang="zh-TW" altLang="en-US" smtClean="0"/>
+              <a:pPr/>
+              <a:t>37</a:t>
             </a:fld>
             <a:endParaRPr lang="zh-TW" altLang="en-US"/>
           </a:p>
@@ -1453,6 +2373,334 @@
               <a:rPr lang="zh-TW" altLang="en-US" smtClean="0"/>
               <a:pPr/>
               <a:t>7</a:t>
+            </a:fld>
+            <a:endParaRPr lang="zh-TW" altLang="en-US"/>
+          </a:p>
+        </p:txBody>
+      </p:sp>
+    </p:spTree>
+  </p:cSld>
+  <p:clrMapOvr>
+    <a:masterClrMapping/>
+  </p:clrMapOvr>
+</p:notes>
+</file>
+
+<file path=ppt/notesSlides/notesSlide30.xml><?xml version="1.0" encoding="utf-8"?>
+<p:notes xmlns:a="http://schemas.openxmlformats.org/drawingml/2006/main" xmlns:r="http://schemas.openxmlformats.org/officeDocument/2006/relationships" xmlns:p="http://schemas.openxmlformats.org/presentationml/2006/main">
+  <p:cSld>
+    <p:spTree>
+      <p:nvGrpSpPr>
+        <p:cNvPr id="1" name=""/>
+        <p:cNvGrpSpPr/>
+        <p:nvPr/>
+      </p:nvGrpSpPr>
+      <p:grpSpPr>
+        <a:xfrm>
+          <a:off x="0" y="0"/>
+          <a:ext cx="0" cy="0"/>
+          <a:chOff x="0" y="0"/>
+          <a:chExt cx="0" cy="0"/>
+        </a:xfrm>
+      </p:grpSpPr>
+      <p:sp>
+        <p:nvSpPr>
+          <p:cNvPr id="2" name="投影片圖像版面配置區 1"/>
+          <p:cNvSpPr>
+            <a:spLocks noGrp="1" noRot="1" noChangeAspect="1"/>
+          </p:cNvSpPr>
+          <p:nvPr>
+            <p:ph type="sldImg"/>
+          </p:nvPr>
+        </p:nvSpPr>
+        <p:spPr/>
+      </p:sp>
+      <p:sp>
+        <p:nvSpPr>
+          <p:cNvPr id="3" name="備忘稿版面配置區 2"/>
+          <p:cNvSpPr>
+            <a:spLocks noGrp="1"/>
+          </p:cNvSpPr>
+          <p:nvPr>
+            <p:ph type="body" idx="1"/>
+          </p:nvPr>
+        </p:nvSpPr>
+        <p:spPr/>
+        <p:txBody>
+          <a:bodyPr>
+            <a:normAutofit/>
+          </a:bodyPr>
+          <a:lstStyle/>
+          <a:p>
+            <a:endParaRPr lang="zh-TW" altLang="en-US" dirty="0"/>
+          </a:p>
+        </p:txBody>
+      </p:sp>
+      <p:sp>
+        <p:nvSpPr>
+          <p:cNvPr id="4" name="投影片編號版面配置區 3"/>
+          <p:cNvSpPr>
+            <a:spLocks noGrp="1"/>
+          </p:cNvSpPr>
+          <p:nvPr>
+            <p:ph type="sldNum" sz="quarter" idx="10"/>
+          </p:nvPr>
+        </p:nvSpPr>
+        <p:spPr/>
+        <p:txBody>
+          <a:bodyPr/>
+          <a:lstStyle/>
+          <a:p>
+            <a:fld id="{81FAA135-E01C-4A42-9760-5A137A0CA41F}" type="slidenum">
+              <a:rPr lang="zh-TW" altLang="en-US" smtClean="0"/>
+              <a:pPr/>
+              <a:t>38</a:t>
+            </a:fld>
+            <a:endParaRPr lang="zh-TW" altLang="en-US"/>
+          </a:p>
+        </p:txBody>
+      </p:sp>
+    </p:spTree>
+  </p:cSld>
+  <p:clrMapOvr>
+    <a:masterClrMapping/>
+  </p:clrMapOvr>
+</p:notes>
+</file>
+
+<file path=ppt/notesSlides/notesSlide31.xml><?xml version="1.0" encoding="utf-8"?>
+<p:notes xmlns:a="http://schemas.openxmlformats.org/drawingml/2006/main" xmlns:r="http://schemas.openxmlformats.org/officeDocument/2006/relationships" xmlns:p="http://schemas.openxmlformats.org/presentationml/2006/main">
+  <p:cSld>
+    <p:spTree>
+      <p:nvGrpSpPr>
+        <p:cNvPr id="1" name=""/>
+        <p:cNvGrpSpPr/>
+        <p:nvPr/>
+      </p:nvGrpSpPr>
+      <p:grpSpPr>
+        <a:xfrm>
+          <a:off x="0" y="0"/>
+          <a:ext cx="0" cy="0"/>
+          <a:chOff x="0" y="0"/>
+          <a:chExt cx="0" cy="0"/>
+        </a:xfrm>
+      </p:grpSpPr>
+      <p:sp>
+        <p:nvSpPr>
+          <p:cNvPr id="2" name="投影片圖像版面配置區 1"/>
+          <p:cNvSpPr>
+            <a:spLocks noGrp="1" noRot="1" noChangeAspect="1"/>
+          </p:cNvSpPr>
+          <p:nvPr>
+            <p:ph type="sldImg"/>
+          </p:nvPr>
+        </p:nvSpPr>
+        <p:spPr/>
+      </p:sp>
+      <p:sp>
+        <p:nvSpPr>
+          <p:cNvPr id="3" name="備忘稿版面配置區 2"/>
+          <p:cNvSpPr>
+            <a:spLocks noGrp="1"/>
+          </p:cNvSpPr>
+          <p:nvPr>
+            <p:ph type="body" idx="1"/>
+          </p:nvPr>
+        </p:nvSpPr>
+        <p:spPr/>
+        <p:txBody>
+          <a:bodyPr>
+            <a:normAutofit/>
+          </a:bodyPr>
+          <a:lstStyle/>
+          <a:p>
+            <a:endParaRPr lang="zh-TW" altLang="en-US" dirty="0"/>
+          </a:p>
+        </p:txBody>
+      </p:sp>
+      <p:sp>
+        <p:nvSpPr>
+          <p:cNvPr id="4" name="投影片編號版面配置區 3"/>
+          <p:cNvSpPr>
+            <a:spLocks noGrp="1"/>
+          </p:cNvSpPr>
+          <p:nvPr>
+            <p:ph type="sldNum" sz="quarter" idx="10"/>
+          </p:nvPr>
+        </p:nvSpPr>
+        <p:spPr/>
+        <p:txBody>
+          <a:bodyPr/>
+          <a:lstStyle/>
+          <a:p>
+            <a:fld id="{81FAA135-E01C-4A42-9760-5A137A0CA41F}" type="slidenum">
+              <a:rPr lang="zh-TW" altLang="en-US" smtClean="0"/>
+              <a:pPr/>
+              <a:t>39</a:t>
+            </a:fld>
+            <a:endParaRPr lang="zh-TW" altLang="en-US"/>
+          </a:p>
+        </p:txBody>
+      </p:sp>
+    </p:spTree>
+  </p:cSld>
+  <p:clrMapOvr>
+    <a:masterClrMapping/>
+  </p:clrMapOvr>
+</p:notes>
+</file>
+
+<file path=ppt/notesSlides/notesSlide32.xml><?xml version="1.0" encoding="utf-8"?>
+<p:notes xmlns:a="http://schemas.openxmlformats.org/drawingml/2006/main" xmlns:r="http://schemas.openxmlformats.org/officeDocument/2006/relationships" xmlns:p="http://schemas.openxmlformats.org/presentationml/2006/main">
+  <p:cSld>
+    <p:spTree>
+      <p:nvGrpSpPr>
+        <p:cNvPr id="1" name=""/>
+        <p:cNvGrpSpPr/>
+        <p:nvPr/>
+      </p:nvGrpSpPr>
+      <p:grpSpPr>
+        <a:xfrm>
+          <a:off x="0" y="0"/>
+          <a:ext cx="0" cy="0"/>
+          <a:chOff x="0" y="0"/>
+          <a:chExt cx="0" cy="0"/>
+        </a:xfrm>
+      </p:grpSpPr>
+      <p:sp>
+        <p:nvSpPr>
+          <p:cNvPr id="2" name="投影片圖像版面配置區 1"/>
+          <p:cNvSpPr>
+            <a:spLocks noGrp="1" noRot="1" noChangeAspect="1"/>
+          </p:cNvSpPr>
+          <p:nvPr>
+            <p:ph type="sldImg"/>
+          </p:nvPr>
+        </p:nvSpPr>
+        <p:spPr/>
+      </p:sp>
+      <p:sp>
+        <p:nvSpPr>
+          <p:cNvPr id="3" name="備忘稿版面配置區 2"/>
+          <p:cNvSpPr>
+            <a:spLocks noGrp="1"/>
+          </p:cNvSpPr>
+          <p:nvPr>
+            <p:ph type="body" idx="1"/>
+          </p:nvPr>
+        </p:nvSpPr>
+        <p:spPr/>
+        <p:txBody>
+          <a:bodyPr>
+            <a:normAutofit/>
+          </a:bodyPr>
+          <a:lstStyle/>
+          <a:p>
+            <a:endParaRPr lang="zh-TW" altLang="en-US" dirty="0"/>
+          </a:p>
+        </p:txBody>
+      </p:sp>
+      <p:sp>
+        <p:nvSpPr>
+          <p:cNvPr id="4" name="投影片編號版面配置區 3"/>
+          <p:cNvSpPr>
+            <a:spLocks noGrp="1"/>
+          </p:cNvSpPr>
+          <p:nvPr>
+            <p:ph type="sldNum" sz="quarter" idx="10"/>
+          </p:nvPr>
+        </p:nvSpPr>
+        <p:spPr/>
+        <p:txBody>
+          <a:bodyPr/>
+          <a:lstStyle/>
+          <a:p>
+            <a:fld id="{81FAA135-E01C-4A42-9760-5A137A0CA41F}" type="slidenum">
+              <a:rPr lang="zh-TW" altLang="en-US" smtClean="0"/>
+              <a:pPr/>
+              <a:t>40</a:t>
+            </a:fld>
+            <a:endParaRPr lang="zh-TW" altLang="en-US"/>
+          </a:p>
+        </p:txBody>
+      </p:sp>
+    </p:spTree>
+  </p:cSld>
+  <p:clrMapOvr>
+    <a:masterClrMapping/>
+  </p:clrMapOvr>
+</p:notes>
+</file>
+
+<file path=ppt/notesSlides/notesSlide33.xml><?xml version="1.0" encoding="utf-8"?>
+<p:notes xmlns:a="http://schemas.openxmlformats.org/drawingml/2006/main" xmlns:r="http://schemas.openxmlformats.org/officeDocument/2006/relationships" xmlns:p="http://schemas.openxmlformats.org/presentationml/2006/main">
+  <p:cSld>
+    <p:spTree>
+      <p:nvGrpSpPr>
+        <p:cNvPr id="1" name=""/>
+        <p:cNvGrpSpPr/>
+        <p:nvPr/>
+      </p:nvGrpSpPr>
+      <p:grpSpPr>
+        <a:xfrm>
+          <a:off x="0" y="0"/>
+          <a:ext cx="0" cy="0"/>
+          <a:chOff x="0" y="0"/>
+          <a:chExt cx="0" cy="0"/>
+        </a:xfrm>
+      </p:grpSpPr>
+      <p:sp>
+        <p:nvSpPr>
+          <p:cNvPr id="2" name="投影片圖像版面配置區 1"/>
+          <p:cNvSpPr>
+            <a:spLocks noGrp="1" noRot="1" noChangeAspect="1"/>
+          </p:cNvSpPr>
+          <p:nvPr>
+            <p:ph type="sldImg"/>
+          </p:nvPr>
+        </p:nvSpPr>
+        <p:spPr/>
+      </p:sp>
+      <p:sp>
+        <p:nvSpPr>
+          <p:cNvPr id="3" name="備忘稿版面配置區 2"/>
+          <p:cNvSpPr>
+            <a:spLocks noGrp="1"/>
+          </p:cNvSpPr>
+          <p:nvPr>
+            <p:ph type="body" idx="1"/>
+          </p:nvPr>
+        </p:nvSpPr>
+        <p:spPr/>
+        <p:txBody>
+          <a:bodyPr>
+            <a:normAutofit/>
+          </a:bodyPr>
+          <a:lstStyle/>
+          <a:p>
+            <a:endParaRPr lang="zh-TW" altLang="en-US" dirty="0"/>
+          </a:p>
+        </p:txBody>
+      </p:sp>
+      <p:sp>
+        <p:nvSpPr>
+          <p:cNvPr id="4" name="投影片編號版面配置區 3"/>
+          <p:cNvSpPr>
+            <a:spLocks noGrp="1"/>
+          </p:cNvSpPr>
+          <p:nvPr>
+            <p:ph type="sldNum" sz="quarter" idx="10"/>
+          </p:nvPr>
+        </p:nvSpPr>
+        <p:spPr/>
+        <p:txBody>
+          <a:bodyPr/>
+          <a:lstStyle/>
+          <a:p>
+            <a:fld id="{81FAA135-E01C-4A42-9760-5A137A0CA41F}" type="slidenum">
+              <a:rPr lang="zh-TW" altLang="en-US" smtClean="0"/>
+              <a:pPr/>
+              <a:t>41</a:t>
             </a:fld>
             <a:endParaRPr lang="zh-TW" altLang="en-US"/>
           </a:p>
@@ -6632,17 +7880,12 @@
             </a:pPr>
             <a:r>
               <a:rPr lang="en-US" altLang="zh-TW" dirty="0" err="1" smtClean="0"/>
-              <a:t>Contro</a:t>
-            </a:r>
-            <a:r>
-              <a:rPr lang="en-US" altLang="zh-TW" dirty="0" err="1" smtClean="0"/>
-              <a:t>l+Shift+O</a:t>
+              <a:t>Control+Shift+O</a:t>
             </a:r>
             <a:r>
               <a:rPr lang="en-US" altLang="zh-TW" dirty="0" smtClean="0"/>
               <a:t>: Generate the following import lines</a:t>
             </a:r>
-            <a:endParaRPr lang="en-US" altLang="zh-TW" dirty="0" smtClean="0"/>
           </a:p>
         </p:txBody>
       </p:sp>
@@ -7265,7 +8508,6 @@
               <a:rPr lang="en-US" altLang="zh-TW" dirty="0" smtClean="0"/>
               <a:t>Source &gt; Generate Getters and Setters …</a:t>
             </a:r>
-            <a:endParaRPr lang="en-US" altLang="zh-TW" dirty="0" smtClean="0"/>
           </a:p>
         </p:txBody>
       </p:sp>
@@ -7637,7 +8879,6 @@
               <a:rPr lang="en-US" altLang="zh-TW" dirty="0" smtClean="0"/>
               <a:t>Source &gt; Generate Getters and Setters …</a:t>
             </a:r>
-            <a:endParaRPr lang="en-US" altLang="zh-TW" dirty="0" smtClean="0"/>
           </a:p>
         </p:txBody>
       </p:sp>
@@ -8095,7 +9336,6 @@
               <a:rPr lang="en-US" altLang="zh-TW" dirty="0" smtClean="0"/>
               <a:t>Source &gt; Generate Getters and Setters …</a:t>
             </a:r>
-            <a:endParaRPr lang="en-US" altLang="zh-TW" dirty="0" smtClean="0"/>
           </a:p>
         </p:txBody>
       </p:sp>
@@ -8718,7 +9958,6 @@
               <a:rPr lang="en-US" altLang="zh-TW" dirty="0" smtClean="0"/>
               <a:t>”.</a:t>
             </a:r>
-            <a:endParaRPr lang="en-US" altLang="zh-TW" dirty="0" smtClean="0"/>
           </a:p>
         </p:txBody>
       </p:sp>
@@ -9142,7 +10381,6 @@
               <a:rPr lang="en-US" altLang="zh-TW" dirty="0" smtClean="0"/>
               <a:t>Run “Car.java”</a:t>
             </a:r>
-            <a:endParaRPr lang="en-US" altLang="zh-TW" dirty="0" smtClean="0"/>
           </a:p>
         </p:txBody>
       </p:sp>
@@ -9870,7 +11108,6 @@
               <a:rPr lang="en-US" altLang="zh-TW" dirty="0" smtClean="0"/>
               <a:t>”.</a:t>
             </a:r>
-            <a:endParaRPr lang="en-US" altLang="zh-TW" dirty="0" smtClean="0"/>
           </a:p>
         </p:txBody>
       </p:sp>
@@ -10358,7 +11595,6 @@
               <a:rPr lang="en-US" altLang="zh-TW" dirty="0" smtClean="0"/>
               <a:t>.</a:t>
             </a:r>
-            <a:endParaRPr lang="en-US" altLang="zh-TW" dirty="0" smtClean="0"/>
           </a:p>
         </p:txBody>
       </p:sp>
@@ -10782,7 +12018,6 @@
               <a:rPr lang="en-US" altLang="zh-TW" dirty="0" smtClean="0"/>
               <a:t>Use “jdbc:h2:mem:testdb” as JDBC URI and leave PASSWORD empty</a:t>
             </a:r>
-            <a:endParaRPr lang="en-US" altLang="zh-TW" dirty="0" smtClean="0"/>
           </a:p>
         </p:txBody>
       </p:sp>
@@ -11206,7 +12441,6 @@
               <a:rPr lang="en-US" altLang="zh-TW" dirty="0" smtClean="0"/>
               <a:t>Now, you can see “CAR” Table in the H2 database.</a:t>
             </a:r>
-            <a:endParaRPr lang="en-US" altLang="zh-TW" dirty="0" smtClean="0"/>
           </a:p>
         </p:txBody>
       </p:sp>
@@ -11765,6 +12999,10 @@
           </p:nvPr>
         </p:nvSpPr>
         <p:spPr>
+          <a:xfrm>
+            <a:off x="0" y="2130425"/>
+            <a:ext cx="9144000" cy="1470025"/>
+          </a:xfrm>
           <a:gradFill flip="none" rotWithShape="1">
             <a:gsLst>
               <a:gs pos="0">
@@ -11799,14 +13037,22 @@
           <a:lstStyle/>
           <a:p>
             <a:r>
-              <a:rPr lang="en-US" altLang="zh-TW" sz="6000" b="1" dirty="0" smtClean="0">
+              <a:rPr lang="en-US" altLang="zh-TW" sz="4800" b="1" dirty="0" smtClean="0">
                 <a:solidFill>
                   <a:srgbClr val="FFFF00"/>
                 </a:solidFill>
               </a:rPr>
-              <a:t>End of Chapter</a:t>
-            </a:r>
-            <a:endParaRPr lang="zh-TW" altLang="en-US" sz="6000" b="1" dirty="0">
+              <a:t>2.4 </a:t>
+            </a:r>
+            <a:r>
+              <a:rPr lang="en-US" altLang="zh-TW" sz="4800" b="1" dirty="0" smtClean="0">
+                <a:solidFill>
+                  <a:srgbClr val="FFFF00"/>
+                </a:solidFill>
+              </a:rPr>
+              <a:t>Java Code</a:t>
+            </a:r>
+            <a:endParaRPr lang="zh-TW" altLang="en-US" sz="4800" b="1" dirty="0">
               <a:solidFill>
                 <a:srgbClr val="FFFF00"/>
               </a:solidFill>
@@ -11829,7 +13075,7 @@
           <a:bodyPr/>
           <a:lstStyle/>
           <a:p>
-            <a:fld id="{4E46BE27-E923-4EC2-B046-3272AE2A3E5C}" type="datetime1">
+            <a:fld id="{C389EDC9-19E3-47AC-9C57-C6A24DEA81AD}" type="datetime1">
               <a:rPr lang="zh-TW" altLang="en-US" smtClean="0"/>
               <a:pPr/>
               <a:t>2018/10/15</a:t>
@@ -11862,6 +13108,2063 @@
           </a:p>
         </p:txBody>
       </p:sp>
+      <p:pic>
+        <p:nvPicPr>
+          <p:cNvPr id="7" name="Picture 2"/>
+          <p:cNvPicPr>
+            <a:picLocks noChangeAspect="1" noChangeArrowheads="1"/>
+          </p:cNvPicPr>
+          <p:nvPr/>
+        </p:nvPicPr>
+        <p:blipFill>
+          <a:blip r:embed="rId2" cstate="print"/>
+          <a:srcRect/>
+          <a:stretch>
+            <a:fillRect/>
+          </a:stretch>
+        </p:blipFill>
+        <p:spPr bwMode="auto">
+          <a:xfrm>
+            <a:off x="3995936" y="3717032"/>
+            <a:ext cx="792088" cy="704824"/>
+          </a:xfrm>
+          <a:prstGeom prst="rect">
+            <a:avLst/>
+          </a:prstGeom>
+          <a:noFill/>
+          <a:ln w="9525">
+            <a:noFill/>
+            <a:miter lim="800000"/>
+            <a:headEnd/>
+            <a:tailEnd/>
+          </a:ln>
+        </p:spPr>
+      </p:pic>
+    </p:spTree>
+  </p:cSld>
+  <p:clrMapOvr>
+    <a:masterClrMapping/>
+  </p:clrMapOvr>
+</p:sld>
+</file>
+
+<file path=ppt/slides/slide25.xml><?xml version="1.0" encoding="utf-8"?>
+<p:sld xmlns:a="http://schemas.openxmlformats.org/drawingml/2006/main" xmlns:r="http://schemas.openxmlformats.org/officeDocument/2006/relationships" xmlns:p="http://schemas.openxmlformats.org/presentationml/2006/main">
+  <p:cSld>
+    <p:spTree>
+      <p:nvGrpSpPr>
+        <p:cNvPr id="1" name=""/>
+        <p:cNvGrpSpPr/>
+        <p:nvPr/>
+      </p:nvGrpSpPr>
+      <p:grpSpPr>
+        <a:xfrm>
+          <a:off x="0" y="0"/>
+          <a:ext cx="0" cy="0"/>
+          <a:chOff x="0" y="0"/>
+          <a:chExt cx="0" cy="0"/>
+        </a:xfrm>
+      </p:grpSpPr>
+      <p:sp>
+        <p:nvSpPr>
+          <p:cNvPr id="2" name="標題 1"/>
+          <p:cNvSpPr>
+            <a:spLocks noGrp="1"/>
+          </p:cNvSpPr>
+          <p:nvPr>
+            <p:ph type="ctrTitle"/>
+          </p:nvPr>
+        </p:nvSpPr>
+        <p:spPr>
+          <a:xfrm>
+            <a:off x="0" y="1"/>
+            <a:ext cx="9144000" cy="764704"/>
+          </a:xfrm>
+          <a:gradFill flip="none" rotWithShape="1">
+            <a:gsLst>
+              <a:gs pos="0">
+                <a:srgbClr val="C00000">
+                  <a:shade val="30000"/>
+                  <a:satMod val="115000"/>
+                </a:srgbClr>
+              </a:gs>
+              <a:gs pos="50000">
+                <a:srgbClr val="C00000">
+                  <a:shade val="67500"/>
+                  <a:satMod val="115000"/>
+                </a:srgbClr>
+              </a:gs>
+              <a:gs pos="100000">
+                <a:srgbClr val="C00000">
+                  <a:shade val="100000"/>
+                  <a:satMod val="115000"/>
+                </a:srgbClr>
+              </a:gs>
+            </a:gsLst>
+            <a:path path="circle">
+              <a:fillToRect t="100000" r="100000"/>
+            </a:path>
+            <a:tileRect l="-100000" b="-100000"/>
+          </a:gradFill>
+        </p:spPr>
+        <p:txBody>
+          <a:bodyPr/>
+          <a:lstStyle/>
+          <a:p>
+            <a:pPr algn="l"/>
+            <a:r>
+              <a:rPr lang="en-US" altLang="zh-TW" b="1" dirty="0" smtClean="0">
+                <a:solidFill>
+                  <a:srgbClr val="FFFF00"/>
+                </a:solidFill>
+              </a:rPr>
+              <a:t>2.4 CRUD</a:t>
+            </a:r>
+            <a:endParaRPr lang="zh-TW" altLang="en-US" b="1" dirty="0">
+              <a:solidFill>
+                <a:srgbClr val="FFFF00"/>
+              </a:solidFill>
+            </a:endParaRPr>
+          </a:p>
+        </p:txBody>
+      </p:sp>
+      <p:sp>
+        <p:nvSpPr>
+          <p:cNvPr id="3" name="副標題 2"/>
+          <p:cNvSpPr>
+            <a:spLocks noGrp="1"/>
+          </p:cNvSpPr>
+          <p:nvPr>
+            <p:ph type="subTitle" idx="1"/>
+          </p:nvPr>
+        </p:nvSpPr>
+        <p:spPr>
+          <a:xfrm>
+            <a:off x="467544" y="1268760"/>
+            <a:ext cx="8352928" cy="1080120"/>
+          </a:xfrm>
+          <a:ln>
+            <a:solidFill>
+              <a:srgbClr val="C00000"/>
+            </a:solidFill>
+          </a:ln>
+        </p:spPr>
+        <p:txBody>
+          <a:bodyPr>
+            <a:noAutofit/>
+          </a:bodyPr>
+          <a:lstStyle/>
+          <a:p>
+            <a:pPr marL="342900" indent="-342900" algn="l">
+              <a:buClr>
+                <a:srgbClr val="0070C0"/>
+              </a:buClr>
+              <a:buSzPct val="80000"/>
+              <a:buFont typeface="Wingdings" pitchFamily="2" charset="2"/>
+              <a:buChar char="u"/>
+            </a:pPr>
+            <a:r>
+              <a:rPr lang="en-US" altLang="zh-TW" dirty="0" smtClean="0"/>
+              <a:t>Spring Boot Data JPA provides </a:t>
+            </a:r>
+            <a:r>
+              <a:rPr lang="en-US" altLang="zh-TW" b="1" dirty="0" err="1" smtClean="0"/>
+              <a:t>CrudRepository</a:t>
+            </a:r>
+            <a:r>
+              <a:rPr lang="en-US" altLang="zh-TW" b="1" dirty="0" smtClean="0"/>
+              <a:t> </a:t>
+            </a:r>
+            <a:r>
+              <a:rPr lang="en-US" altLang="zh-TW" dirty="0" smtClean="0"/>
+              <a:t>interface for CRUD operations.</a:t>
+            </a:r>
+          </a:p>
+          <a:p>
+            <a:pPr marL="342900" indent="-342900" algn="l">
+              <a:buClr>
+                <a:srgbClr val="0070C0"/>
+              </a:buClr>
+              <a:buSzPct val="80000"/>
+              <a:buFont typeface="Wingdings" pitchFamily="2" charset="2"/>
+              <a:buChar char="u"/>
+            </a:pPr>
+            <a:r>
+              <a:rPr lang="en-US" altLang="zh-TW" dirty="0" smtClean="0"/>
+              <a:t>Create repository in domain package:</a:t>
+            </a:r>
+          </a:p>
+          <a:p>
+            <a:pPr marL="800100" lvl="1" indent="-342900" algn="l">
+              <a:buSzPct val="80000"/>
+              <a:buFont typeface="Wingdings" pitchFamily="2" charset="2"/>
+              <a:buChar char="u"/>
+            </a:pPr>
+            <a:r>
+              <a:rPr lang="en-US" altLang="zh-TW" dirty="0" smtClean="0">
+                <a:solidFill>
+                  <a:schemeClr val="tx1"/>
+                </a:solidFill>
+              </a:rPr>
+              <a:t>Create new class </a:t>
+            </a:r>
+            <a:r>
+              <a:rPr lang="en-US" altLang="zh-TW" dirty="0" err="1" smtClean="0">
+                <a:solidFill>
+                  <a:schemeClr val="tx1"/>
+                </a:solidFill>
+              </a:rPr>
+              <a:t>CarRepository</a:t>
+            </a:r>
+            <a:r>
+              <a:rPr lang="en-US" altLang="zh-TW" dirty="0" smtClean="0">
+                <a:solidFill>
+                  <a:schemeClr val="tx1"/>
+                </a:solidFill>
+              </a:rPr>
+              <a:t> in </a:t>
+            </a:r>
+            <a:r>
+              <a:rPr lang="en-US" altLang="zh-TW" dirty="0" err="1" smtClean="0">
+                <a:solidFill>
+                  <a:schemeClr val="tx1"/>
+                </a:solidFill>
+              </a:rPr>
+              <a:t>com.packet.cardatabase.domain</a:t>
+            </a:r>
+            <a:r>
+              <a:rPr lang="en-US" altLang="zh-TW" dirty="0" smtClean="0">
+                <a:solidFill>
+                  <a:schemeClr val="tx1"/>
+                </a:solidFill>
+              </a:rPr>
+              <a:t> package.</a:t>
+            </a:r>
+          </a:p>
+        </p:txBody>
+      </p:sp>
+      <p:sp>
+        <p:nvSpPr>
+          <p:cNvPr id="4" name="標題 1"/>
+          <p:cNvSpPr txBox="1">
+            <a:spLocks/>
+          </p:cNvSpPr>
+          <p:nvPr/>
+        </p:nvSpPr>
+        <p:spPr>
+          <a:xfrm>
+            <a:off x="0" y="764704"/>
+            <a:ext cx="9144000" cy="360040"/>
+          </a:xfrm>
+          <a:prstGeom prst="rect">
+            <a:avLst/>
+          </a:prstGeom>
+          <a:gradFill flip="none" rotWithShape="1">
+            <a:gsLst>
+              <a:gs pos="0">
+                <a:srgbClr val="00B0F0">
+                  <a:shade val="30000"/>
+                  <a:satMod val="115000"/>
+                </a:srgbClr>
+              </a:gs>
+              <a:gs pos="50000">
+                <a:srgbClr val="00B0F0">
+                  <a:shade val="67500"/>
+                  <a:satMod val="115000"/>
+                </a:srgbClr>
+              </a:gs>
+              <a:gs pos="100000">
+                <a:srgbClr val="00B0F0">
+                  <a:shade val="100000"/>
+                  <a:satMod val="115000"/>
+                </a:srgbClr>
+              </a:gs>
+            </a:gsLst>
+            <a:path path="circle">
+              <a:fillToRect t="100000" r="100000"/>
+            </a:path>
+            <a:tileRect l="-100000" b="-100000"/>
+          </a:gradFill>
+        </p:spPr>
+        <p:txBody>
+          <a:bodyPr vert="horz" lIns="91440" tIns="45720" rIns="91440" bIns="45720" rtlCol="0" anchor="ctr">
+            <a:normAutofit/>
+          </a:bodyPr>
+          <a:lstStyle/>
+          <a:p>
+            <a:pPr lvl="0">
+              <a:spcBef>
+                <a:spcPct val="0"/>
+              </a:spcBef>
+            </a:pPr>
+            <a:r>
+              <a:rPr lang="en-US" altLang="zh-TW" sz="1600" dirty="0" smtClean="0">
+                <a:latin typeface="+mj-lt"/>
+                <a:ea typeface="+mj-ea"/>
+                <a:cs typeface="+mj-cs"/>
+              </a:rPr>
+              <a:t>https://github.com/PacktPublishing/Hands-On-Full-Stack-Development-with-Spring-Boot-2.0-and-React</a:t>
+            </a:r>
+            <a:endParaRPr kumimoji="0" lang="zh-TW" altLang="en-US" sz="1600" b="0" i="0" u="none" strike="noStrike" kern="1200" cap="none" spc="0" normalizeH="0" baseline="0" noProof="0" dirty="0" smtClean="0">
+              <a:ln>
+                <a:noFill/>
+              </a:ln>
+              <a:solidFill>
+                <a:schemeClr val="tx1"/>
+              </a:solidFill>
+              <a:effectLst/>
+              <a:uLnTx/>
+              <a:uFillTx/>
+              <a:latin typeface="+mj-lt"/>
+              <a:ea typeface="+mj-ea"/>
+              <a:cs typeface="+mj-cs"/>
+            </a:endParaRPr>
+          </a:p>
+        </p:txBody>
+      </p:sp>
+      <p:sp>
+        <p:nvSpPr>
+          <p:cNvPr id="5" name="日期版面配置區 4"/>
+          <p:cNvSpPr>
+            <a:spLocks noGrp="1"/>
+          </p:cNvSpPr>
+          <p:nvPr>
+            <p:ph type="dt" sz="half" idx="10"/>
+          </p:nvPr>
+        </p:nvSpPr>
+        <p:spPr/>
+        <p:txBody>
+          <a:bodyPr/>
+          <a:lstStyle/>
+          <a:p>
+            <a:fld id="{A4F910E6-8D00-4BAF-8C48-9688E0B449D3}" type="datetime1">
+              <a:rPr lang="zh-TW" altLang="en-US" smtClean="0"/>
+              <a:pPr/>
+              <a:t>2018/10/15</a:t>
+            </a:fld>
+            <a:endParaRPr lang="zh-TW" altLang="en-US"/>
+          </a:p>
+        </p:txBody>
+      </p:sp>
+      <p:sp>
+        <p:nvSpPr>
+          <p:cNvPr id="6" name="投影片編號版面配置區 5"/>
+          <p:cNvSpPr>
+            <a:spLocks noGrp="1"/>
+          </p:cNvSpPr>
+          <p:nvPr>
+            <p:ph type="sldNum" sz="quarter" idx="12"/>
+          </p:nvPr>
+        </p:nvSpPr>
+        <p:spPr/>
+        <p:txBody>
+          <a:bodyPr/>
+          <a:lstStyle/>
+          <a:p>
+            <a:fld id="{E4D7E63D-91F2-4366-A2C4-1B00C9E2590E}" type="slidenum">
+              <a:rPr lang="zh-TW" altLang="en-US" smtClean="0"/>
+              <a:pPr/>
+              <a:t>25</a:t>
+            </a:fld>
+            <a:endParaRPr lang="zh-TW" altLang="en-US"/>
+          </a:p>
+        </p:txBody>
+      </p:sp>
+      <p:pic>
+        <p:nvPicPr>
+          <p:cNvPr id="1026" name="Picture 2"/>
+          <p:cNvPicPr>
+            <a:picLocks noChangeAspect="1" noChangeArrowheads="1"/>
+          </p:cNvPicPr>
+          <p:nvPr/>
+        </p:nvPicPr>
+        <p:blipFill>
+          <a:blip r:embed="rId3" cstate="print"/>
+          <a:srcRect/>
+          <a:stretch>
+            <a:fillRect/>
+          </a:stretch>
+        </p:blipFill>
+        <p:spPr bwMode="auto">
+          <a:xfrm>
+            <a:off x="5364087" y="2492896"/>
+            <a:ext cx="3286392" cy="3771553"/>
+          </a:xfrm>
+          <a:prstGeom prst="rect">
+            <a:avLst/>
+          </a:prstGeom>
+          <a:noFill/>
+          <a:ln w="9525">
+            <a:solidFill>
+              <a:srgbClr val="C00000"/>
+            </a:solidFill>
+            <a:miter lim="800000"/>
+            <a:headEnd/>
+            <a:tailEnd/>
+          </a:ln>
+        </p:spPr>
+      </p:pic>
+      <p:sp>
+        <p:nvSpPr>
+          <p:cNvPr id="15" name="矩形 14"/>
+          <p:cNvSpPr/>
+          <p:nvPr/>
+        </p:nvSpPr>
+        <p:spPr>
+          <a:xfrm>
+            <a:off x="6156175" y="3789040"/>
+            <a:ext cx="648072" cy="144016"/>
+          </a:xfrm>
+          <a:prstGeom prst="rect">
+            <a:avLst/>
+          </a:prstGeom>
+          <a:noFill/>
+          <a:ln>
+            <a:solidFill>
+              <a:srgbClr val="C00000"/>
+            </a:solidFill>
+          </a:ln>
+        </p:spPr>
+        <p:style>
+          <a:lnRef idx="2">
+            <a:schemeClr val="accent1">
+              <a:shade val="50000"/>
+            </a:schemeClr>
+          </a:lnRef>
+          <a:fillRef idx="1">
+            <a:schemeClr val="accent1"/>
+          </a:fillRef>
+          <a:effectRef idx="0">
+            <a:schemeClr val="accent1"/>
+          </a:effectRef>
+          <a:fontRef idx="minor">
+            <a:schemeClr val="lt1"/>
+          </a:fontRef>
+        </p:style>
+        <p:txBody>
+          <a:bodyPr rtlCol="0" anchor="ctr"/>
+          <a:lstStyle/>
+          <a:p>
+            <a:pPr algn="ctr"/>
+            <a:endParaRPr lang="zh-TW" altLang="en-US"/>
+          </a:p>
+        </p:txBody>
+      </p:sp>
+      <p:pic>
+        <p:nvPicPr>
+          <p:cNvPr id="1027" name="Picture 3"/>
+          <p:cNvPicPr>
+            <a:picLocks noChangeAspect="1" noChangeArrowheads="1"/>
+          </p:cNvPicPr>
+          <p:nvPr/>
+        </p:nvPicPr>
+        <p:blipFill>
+          <a:blip r:embed="rId4" cstate="print"/>
+          <a:srcRect/>
+          <a:stretch>
+            <a:fillRect/>
+          </a:stretch>
+        </p:blipFill>
+        <p:spPr bwMode="auto">
+          <a:xfrm>
+            <a:off x="467544" y="2492897"/>
+            <a:ext cx="4866086" cy="2664296"/>
+          </a:xfrm>
+          <a:prstGeom prst="rect">
+            <a:avLst/>
+          </a:prstGeom>
+          <a:noFill/>
+          <a:ln w="9525">
+            <a:solidFill>
+              <a:srgbClr val="C00000"/>
+            </a:solidFill>
+            <a:miter lim="800000"/>
+            <a:headEnd/>
+            <a:tailEnd/>
+          </a:ln>
+        </p:spPr>
+      </p:pic>
+      <p:sp>
+        <p:nvSpPr>
+          <p:cNvPr id="17" name="矩形 16"/>
+          <p:cNvSpPr/>
+          <p:nvPr/>
+        </p:nvSpPr>
+        <p:spPr>
+          <a:xfrm>
+            <a:off x="971599" y="4509120"/>
+            <a:ext cx="648072" cy="216024"/>
+          </a:xfrm>
+          <a:prstGeom prst="rect">
+            <a:avLst/>
+          </a:prstGeom>
+          <a:noFill/>
+          <a:ln>
+            <a:solidFill>
+              <a:srgbClr val="C00000"/>
+            </a:solidFill>
+          </a:ln>
+        </p:spPr>
+        <p:style>
+          <a:lnRef idx="2">
+            <a:schemeClr val="accent1">
+              <a:shade val="50000"/>
+            </a:schemeClr>
+          </a:lnRef>
+          <a:fillRef idx="1">
+            <a:schemeClr val="accent1"/>
+          </a:fillRef>
+          <a:effectRef idx="0">
+            <a:schemeClr val="accent1"/>
+          </a:effectRef>
+          <a:fontRef idx="minor">
+            <a:schemeClr val="lt1"/>
+          </a:fontRef>
+        </p:style>
+        <p:txBody>
+          <a:bodyPr rtlCol="0" anchor="ctr"/>
+          <a:lstStyle/>
+          <a:p>
+            <a:pPr algn="ctr"/>
+            <a:endParaRPr lang="zh-TW" altLang="en-US"/>
+          </a:p>
+        </p:txBody>
+      </p:sp>
+      <p:sp>
+        <p:nvSpPr>
+          <p:cNvPr id="18" name="矩形 17"/>
+          <p:cNvSpPr/>
+          <p:nvPr/>
+        </p:nvSpPr>
+        <p:spPr>
+          <a:xfrm>
+            <a:off x="3995935" y="3068961"/>
+            <a:ext cx="648072" cy="216024"/>
+          </a:xfrm>
+          <a:prstGeom prst="rect">
+            <a:avLst/>
+          </a:prstGeom>
+          <a:noFill/>
+          <a:ln>
+            <a:solidFill>
+              <a:srgbClr val="C00000"/>
+            </a:solidFill>
+          </a:ln>
+        </p:spPr>
+        <p:style>
+          <a:lnRef idx="2">
+            <a:schemeClr val="accent1">
+              <a:shade val="50000"/>
+            </a:schemeClr>
+          </a:lnRef>
+          <a:fillRef idx="1">
+            <a:schemeClr val="accent1"/>
+          </a:fillRef>
+          <a:effectRef idx="0">
+            <a:schemeClr val="accent1"/>
+          </a:effectRef>
+          <a:fontRef idx="minor">
+            <a:schemeClr val="lt1"/>
+          </a:fontRef>
+        </p:style>
+        <p:txBody>
+          <a:bodyPr rtlCol="0" anchor="ctr"/>
+          <a:lstStyle/>
+          <a:p>
+            <a:pPr algn="ctr"/>
+            <a:endParaRPr lang="zh-TW" altLang="en-US"/>
+          </a:p>
+        </p:txBody>
+      </p:sp>
+      <p:sp>
+        <p:nvSpPr>
+          <p:cNvPr id="21" name="矩形 20"/>
+          <p:cNvSpPr/>
+          <p:nvPr/>
+        </p:nvSpPr>
+        <p:spPr>
+          <a:xfrm>
+            <a:off x="395535" y="4797152"/>
+            <a:ext cx="3168352" cy="576064"/>
+          </a:xfrm>
+          <a:prstGeom prst="rect">
+            <a:avLst/>
+          </a:prstGeom>
+          <a:solidFill>
+            <a:srgbClr val="00B0F0"/>
+          </a:solidFill>
+          <a:ln>
+            <a:solidFill>
+              <a:srgbClr val="C00000"/>
+            </a:solidFill>
+          </a:ln>
+        </p:spPr>
+        <p:style>
+          <a:lnRef idx="2">
+            <a:schemeClr val="accent1">
+              <a:shade val="50000"/>
+            </a:schemeClr>
+          </a:lnRef>
+          <a:fillRef idx="1">
+            <a:schemeClr val="accent1"/>
+          </a:fillRef>
+          <a:effectRef idx="0">
+            <a:schemeClr val="accent1"/>
+          </a:effectRef>
+          <a:fontRef idx="minor">
+            <a:schemeClr val="lt1"/>
+          </a:fontRef>
+        </p:style>
+        <p:txBody>
+          <a:bodyPr rtlCol="0" anchor="ctr"/>
+          <a:lstStyle/>
+          <a:p>
+            <a:r>
+              <a:rPr lang="en-US" altLang="zh-TW" dirty="0" smtClean="0">
+                <a:solidFill>
+                  <a:schemeClr val="tx1"/>
+                </a:solidFill>
+              </a:rPr>
+              <a:t>RMB: </a:t>
+            </a:r>
+            <a:r>
+              <a:rPr lang="en-US" altLang="zh-TW" dirty="0" err="1" smtClean="0">
+                <a:solidFill>
+                  <a:schemeClr val="tx1"/>
+                </a:solidFill>
+              </a:rPr>
+              <a:t>com.packt.cardatabase.domain</a:t>
+            </a:r>
+            <a:endParaRPr lang="zh-TW" altLang="en-US" dirty="0">
+              <a:solidFill>
+                <a:schemeClr val="tx1"/>
+              </a:solidFill>
+            </a:endParaRPr>
+          </a:p>
+        </p:txBody>
+      </p:sp>
+      <p:sp>
+        <p:nvSpPr>
+          <p:cNvPr id="24" name="矩形 23"/>
+          <p:cNvSpPr/>
+          <p:nvPr/>
+        </p:nvSpPr>
+        <p:spPr>
+          <a:xfrm>
+            <a:off x="3563887" y="3284984"/>
+            <a:ext cx="1296144" cy="360040"/>
+          </a:xfrm>
+          <a:prstGeom prst="rect">
+            <a:avLst/>
+          </a:prstGeom>
+          <a:solidFill>
+            <a:srgbClr val="00B0F0"/>
+          </a:solidFill>
+          <a:ln>
+            <a:solidFill>
+              <a:srgbClr val="C00000"/>
+            </a:solidFill>
+          </a:ln>
+        </p:spPr>
+        <p:style>
+          <a:lnRef idx="2">
+            <a:schemeClr val="accent1">
+              <a:shade val="50000"/>
+            </a:schemeClr>
+          </a:lnRef>
+          <a:fillRef idx="1">
+            <a:schemeClr val="accent1"/>
+          </a:fillRef>
+          <a:effectRef idx="0">
+            <a:schemeClr val="accent1"/>
+          </a:effectRef>
+          <a:fontRef idx="minor">
+            <a:schemeClr val="lt1"/>
+          </a:fontRef>
+        </p:style>
+        <p:txBody>
+          <a:bodyPr rtlCol="0" anchor="ctr"/>
+          <a:lstStyle/>
+          <a:p>
+            <a:r>
+              <a:rPr lang="en-US" altLang="zh-TW" dirty="0" smtClean="0">
+                <a:solidFill>
+                  <a:schemeClr val="tx1"/>
+                </a:solidFill>
+              </a:rPr>
+              <a:t>Select Class</a:t>
+            </a:r>
+            <a:endParaRPr lang="zh-TW" altLang="en-US" dirty="0">
+              <a:solidFill>
+                <a:schemeClr val="tx1"/>
+              </a:solidFill>
+            </a:endParaRPr>
+          </a:p>
+        </p:txBody>
+      </p:sp>
+      <p:sp>
+        <p:nvSpPr>
+          <p:cNvPr id="25" name="矩形 24"/>
+          <p:cNvSpPr/>
+          <p:nvPr/>
+        </p:nvSpPr>
+        <p:spPr>
+          <a:xfrm>
+            <a:off x="6948263" y="3645024"/>
+            <a:ext cx="1656184" cy="576064"/>
+          </a:xfrm>
+          <a:prstGeom prst="rect">
+            <a:avLst/>
+          </a:prstGeom>
+          <a:solidFill>
+            <a:srgbClr val="00B0F0"/>
+          </a:solidFill>
+          <a:ln>
+            <a:solidFill>
+              <a:srgbClr val="C00000"/>
+            </a:solidFill>
+          </a:ln>
+        </p:spPr>
+        <p:style>
+          <a:lnRef idx="2">
+            <a:schemeClr val="accent1">
+              <a:shade val="50000"/>
+            </a:schemeClr>
+          </a:lnRef>
+          <a:fillRef idx="1">
+            <a:schemeClr val="accent1"/>
+          </a:fillRef>
+          <a:effectRef idx="0">
+            <a:schemeClr val="accent1"/>
+          </a:effectRef>
+          <a:fontRef idx="minor">
+            <a:schemeClr val="lt1"/>
+          </a:fontRef>
+        </p:style>
+        <p:txBody>
+          <a:bodyPr rtlCol="0" anchor="ctr"/>
+          <a:lstStyle/>
+          <a:p>
+            <a:r>
+              <a:rPr lang="en-US" altLang="zh-TW" dirty="0" smtClean="0">
+                <a:solidFill>
+                  <a:schemeClr val="tx1"/>
+                </a:solidFill>
+              </a:rPr>
+              <a:t>Class Name: </a:t>
+            </a:r>
+            <a:r>
+              <a:rPr lang="en-US" altLang="zh-TW" dirty="0" err="1" smtClean="0">
+                <a:solidFill>
+                  <a:schemeClr val="tx1"/>
+                </a:solidFill>
+              </a:rPr>
+              <a:t>CarRepository</a:t>
+            </a:r>
+            <a:endParaRPr lang="zh-TW" altLang="en-US" dirty="0">
+              <a:solidFill>
+                <a:schemeClr val="tx1"/>
+              </a:solidFill>
+            </a:endParaRPr>
+          </a:p>
+        </p:txBody>
+      </p:sp>
+    </p:spTree>
+  </p:cSld>
+  <p:clrMapOvr>
+    <a:masterClrMapping/>
+  </p:clrMapOvr>
+</p:sld>
+</file>
+
+<file path=ppt/slides/slide26.xml><?xml version="1.0" encoding="utf-8"?>
+<p:sld xmlns:a="http://schemas.openxmlformats.org/drawingml/2006/main" xmlns:r="http://schemas.openxmlformats.org/officeDocument/2006/relationships" xmlns:p="http://schemas.openxmlformats.org/presentationml/2006/main">
+  <p:cSld>
+    <p:spTree>
+      <p:nvGrpSpPr>
+        <p:cNvPr id="1" name=""/>
+        <p:cNvGrpSpPr/>
+        <p:nvPr/>
+      </p:nvGrpSpPr>
+      <p:grpSpPr>
+        <a:xfrm>
+          <a:off x="0" y="0"/>
+          <a:ext cx="0" cy="0"/>
+          <a:chOff x="0" y="0"/>
+          <a:chExt cx="0" cy="0"/>
+        </a:xfrm>
+      </p:grpSpPr>
+      <p:sp>
+        <p:nvSpPr>
+          <p:cNvPr id="2" name="標題 1"/>
+          <p:cNvSpPr>
+            <a:spLocks noGrp="1"/>
+          </p:cNvSpPr>
+          <p:nvPr>
+            <p:ph type="ctrTitle"/>
+          </p:nvPr>
+        </p:nvSpPr>
+        <p:spPr>
+          <a:xfrm>
+            <a:off x="0" y="1"/>
+            <a:ext cx="9144000" cy="764704"/>
+          </a:xfrm>
+          <a:gradFill flip="none" rotWithShape="1">
+            <a:gsLst>
+              <a:gs pos="0">
+                <a:srgbClr val="C00000">
+                  <a:shade val="30000"/>
+                  <a:satMod val="115000"/>
+                </a:srgbClr>
+              </a:gs>
+              <a:gs pos="50000">
+                <a:srgbClr val="C00000">
+                  <a:shade val="67500"/>
+                  <a:satMod val="115000"/>
+                </a:srgbClr>
+              </a:gs>
+              <a:gs pos="100000">
+                <a:srgbClr val="C00000">
+                  <a:shade val="100000"/>
+                  <a:satMod val="115000"/>
+                </a:srgbClr>
+              </a:gs>
+            </a:gsLst>
+            <a:path path="circle">
+              <a:fillToRect t="100000" r="100000"/>
+            </a:path>
+            <a:tileRect l="-100000" b="-100000"/>
+          </a:gradFill>
+        </p:spPr>
+        <p:txBody>
+          <a:bodyPr/>
+          <a:lstStyle/>
+          <a:p>
+            <a:pPr algn="l"/>
+            <a:r>
+              <a:rPr lang="en-US" altLang="zh-TW" b="1" dirty="0" smtClean="0">
+                <a:solidFill>
+                  <a:srgbClr val="FFFF00"/>
+                </a:solidFill>
+              </a:rPr>
+              <a:t>2.4 CRUD</a:t>
+            </a:r>
+            <a:endParaRPr lang="zh-TW" altLang="en-US" b="1" dirty="0">
+              <a:solidFill>
+                <a:srgbClr val="FFFF00"/>
+              </a:solidFill>
+            </a:endParaRPr>
+          </a:p>
+        </p:txBody>
+      </p:sp>
+      <p:sp>
+        <p:nvSpPr>
+          <p:cNvPr id="3" name="副標題 2"/>
+          <p:cNvSpPr>
+            <a:spLocks noGrp="1"/>
+          </p:cNvSpPr>
+          <p:nvPr>
+            <p:ph type="subTitle" idx="1"/>
+          </p:nvPr>
+        </p:nvSpPr>
+        <p:spPr>
+          <a:xfrm>
+            <a:off x="467544" y="1268760"/>
+            <a:ext cx="5112568" cy="2592288"/>
+          </a:xfrm>
+          <a:ln>
+            <a:solidFill>
+              <a:srgbClr val="C00000"/>
+            </a:solidFill>
+          </a:ln>
+        </p:spPr>
+        <p:txBody>
+          <a:bodyPr>
+            <a:noAutofit/>
+          </a:bodyPr>
+          <a:lstStyle/>
+          <a:p>
+            <a:pPr marL="342900" indent="-342900" algn="l">
+              <a:buClr>
+                <a:srgbClr val="0070C0"/>
+              </a:buClr>
+              <a:buSzPct val="80000"/>
+              <a:buFont typeface="Wingdings" pitchFamily="2" charset="2"/>
+              <a:buChar char="u"/>
+            </a:pPr>
+            <a:r>
+              <a:rPr lang="en-US" altLang="zh-TW" dirty="0" smtClean="0"/>
+              <a:t>The directory </a:t>
+            </a:r>
+            <a:r>
+              <a:rPr lang="en-US" altLang="zh-TW" dirty="0" err="1" smtClean="0"/>
+              <a:t>com.packt.carddatabase</a:t>
+            </a:r>
+            <a:r>
+              <a:rPr lang="en-US" altLang="zh-TW" dirty="0" smtClean="0"/>
+              <a:t> includes:</a:t>
+            </a:r>
+          </a:p>
+          <a:p>
+            <a:pPr marL="800100" lvl="1" indent="-342900" algn="l">
+              <a:buSzPct val="80000"/>
+              <a:buFont typeface="Wingdings" pitchFamily="2" charset="2"/>
+              <a:buChar char="u"/>
+            </a:pPr>
+            <a:r>
+              <a:rPr lang="en-US" altLang="zh-TW" dirty="0" smtClean="0">
+                <a:solidFill>
+                  <a:schemeClr val="tx1"/>
+                </a:solidFill>
+              </a:rPr>
+              <a:t>CardatabaseApplication.java</a:t>
+            </a:r>
+          </a:p>
+          <a:p>
+            <a:pPr marL="342900" indent="-342900" algn="l">
+              <a:buClr>
+                <a:srgbClr val="0070C0"/>
+              </a:buClr>
+              <a:buSzPct val="80000"/>
+              <a:buFont typeface="Wingdings" pitchFamily="2" charset="2"/>
+              <a:buChar char="u"/>
+            </a:pPr>
+            <a:r>
+              <a:rPr lang="en-US" altLang="zh-TW" dirty="0" smtClean="0"/>
+              <a:t>The directory </a:t>
+            </a:r>
+            <a:r>
+              <a:rPr lang="en-US" altLang="zh-TW" dirty="0" err="1" smtClean="0"/>
+              <a:t>com.packt.cardatabase.domain</a:t>
+            </a:r>
+            <a:r>
+              <a:rPr lang="en-US" altLang="zh-TW" dirty="0" smtClean="0"/>
+              <a:t> includes: </a:t>
+            </a:r>
+          </a:p>
+          <a:p>
+            <a:pPr marL="800100" lvl="1" indent="-342900" algn="l">
+              <a:buSzPct val="80000"/>
+              <a:buFont typeface="Wingdings" pitchFamily="2" charset="2"/>
+              <a:buChar char="u"/>
+            </a:pPr>
+            <a:r>
+              <a:rPr lang="en-US" altLang="zh-TW" dirty="0" smtClean="0">
+                <a:solidFill>
+                  <a:schemeClr val="tx1"/>
+                </a:solidFill>
+              </a:rPr>
+              <a:t>Car.java</a:t>
+            </a:r>
+          </a:p>
+          <a:p>
+            <a:pPr marL="800100" lvl="1" indent="-342900" algn="l">
+              <a:buSzPct val="80000"/>
+              <a:buFont typeface="Wingdings" pitchFamily="2" charset="2"/>
+              <a:buChar char="u"/>
+            </a:pPr>
+            <a:r>
+              <a:rPr lang="en-US" altLang="zh-TW" dirty="0" smtClean="0">
+                <a:solidFill>
+                  <a:schemeClr val="tx1"/>
+                </a:solidFill>
+              </a:rPr>
+              <a:t>CarRepository.java</a:t>
+            </a:r>
+          </a:p>
+          <a:p>
+            <a:pPr marL="800100" lvl="1" indent="-342900" algn="l">
+              <a:buSzPct val="80000"/>
+              <a:buFont typeface="Wingdings" pitchFamily="2" charset="2"/>
+              <a:buChar char="u"/>
+            </a:pPr>
+            <a:r>
+              <a:rPr lang="en-US" altLang="zh-TW" dirty="0" smtClean="0">
+                <a:solidFill>
+                  <a:schemeClr val="tx1"/>
+                </a:solidFill>
+              </a:rPr>
+              <a:t>Owner.java</a:t>
+            </a:r>
+          </a:p>
+          <a:p>
+            <a:pPr marL="800100" lvl="1" indent="-342900" algn="l">
+              <a:buSzPct val="80000"/>
+              <a:buFont typeface="Wingdings" pitchFamily="2" charset="2"/>
+              <a:buChar char="u"/>
+            </a:pPr>
+            <a:r>
+              <a:rPr lang="en-US" altLang="zh-TW" dirty="0" smtClean="0">
+                <a:solidFill>
+                  <a:schemeClr val="tx1"/>
+                </a:solidFill>
+              </a:rPr>
+              <a:t>OwnerRepository.java</a:t>
+            </a:r>
+          </a:p>
+        </p:txBody>
+      </p:sp>
+      <p:sp>
+        <p:nvSpPr>
+          <p:cNvPr id="4" name="標題 1"/>
+          <p:cNvSpPr txBox="1">
+            <a:spLocks/>
+          </p:cNvSpPr>
+          <p:nvPr/>
+        </p:nvSpPr>
+        <p:spPr>
+          <a:xfrm>
+            <a:off x="0" y="764704"/>
+            <a:ext cx="9144000" cy="360040"/>
+          </a:xfrm>
+          <a:prstGeom prst="rect">
+            <a:avLst/>
+          </a:prstGeom>
+          <a:gradFill flip="none" rotWithShape="1">
+            <a:gsLst>
+              <a:gs pos="0">
+                <a:srgbClr val="00B0F0">
+                  <a:shade val="30000"/>
+                  <a:satMod val="115000"/>
+                </a:srgbClr>
+              </a:gs>
+              <a:gs pos="50000">
+                <a:srgbClr val="00B0F0">
+                  <a:shade val="67500"/>
+                  <a:satMod val="115000"/>
+                </a:srgbClr>
+              </a:gs>
+              <a:gs pos="100000">
+                <a:srgbClr val="00B0F0">
+                  <a:shade val="100000"/>
+                  <a:satMod val="115000"/>
+                </a:srgbClr>
+              </a:gs>
+            </a:gsLst>
+            <a:path path="circle">
+              <a:fillToRect t="100000" r="100000"/>
+            </a:path>
+            <a:tileRect l="-100000" b="-100000"/>
+          </a:gradFill>
+        </p:spPr>
+        <p:txBody>
+          <a:bodyPr vert="horz" lIns="91440" tIns="45720" rIns="91440" bIns="45720" rtlCol="0" anchor="ctr">
+            <a:normAutofit/>
+          </a:bodyPr>
+          <a:lstStyle/>
+          <a:p>
+            <a:pPr lvl="0">
+              <a:spcBef>
+                <a:spcPct val="0"/>
+              </a:spcBef>
+            </a:pPr>
+            <a:r>
+              <a:rPr lang="en-US" altLang="zh-TW" sz="1600" dirty="0" smtClean="0">
+                <a:latin typeface="+mj-lt"/>
+                <a:ea typeface="+mj-ea"/>
+                <a:cs typeface="+mj-cs"/>
+              </a:rPr>
+              <a:t>https://github.com/PacktPublishing/Hands-On-Full-Stack-Development-with-Spring-Boot-2.0-and-React</a:t>
+            </a:r>
+            <a:endParaRPr kumimoji="0" lang="zh-TW" altLang="en-US" sz="1600" b="0" i="0" u="none" strike="noStrike" kern="1200" cap="none" spc="0" normalizeH="0" baseline="0" noProof="0" dirty="0" smtClean="0">
+              <a:ln>
+                <a:noFill/>
+              </a:ln>
+              <a:solidFill>
+                <a:schemeClr val="tx1"/>
+              </a:solidFill>
+              <a:effectLst/>
+              <a:uLnTx/>
+              <a:uFillTx/>
+              <a:latin typeface="+mj-lt"/>
+              <a:ea typeface="+mj-ea"/>
+              <a:cs typeface="+mj-cs"/>
+            </a:endParaRPr>
+          </a:p>
+        </p:txBody>
+      </p:sp>
+      <p:sp>
+        <p:nvSpPr>
+          <p:cNvPr id="5" name="日期版面配置區 4"/>
+          <p:cNvSpPr>
+            <a:spLocks noGrp="1"/>
+          </p:cNvSpPr>
+          <p:nvPr>
+            <p:ph type="dt" sz="half" idx="10"/>
+          </p:nvPr>
+        </p:nvSpPr>
+        <p:spPr/>
+        <p:txBody>
+          <a:bodyPr/>
+          <a:lstStyle/>
+          <a:p>
+            <a:fld id="{A4F910E6-8D00-4BAF-8C48-9688E0B449D3}" type="datetime1">
+              <a:rPr lang="zh-TW" altLang="en-US" smtClean="0"/>
+              <a:pPr/>
+              <a:t>2018/10/15</a:t>
+            </a:fld>
+            <a:endParaRPr lang="zh-TW" altLang="en-US"/>
+          </a:p>
+        </p:txBody>
+      </p:sp>
+      <p:sp>
+        <p:nvSpPr>
+          <p:cNvPr id="6" name="投影片編號版面配置區 5"/>
+          <p:cNvSpPr>
+            <a:spLocks noGrp="1"/>
+          </p:cNvSpPr>
+          <p:nvPr>
+            <p:ph type="sldNum" sz="quarter" idx="12"/>
+          </p:nvPr>
+        </p:nvSpPr>
+        <p:spPr/>
+        <p:txBody>
+          <a:bodyPr/>
+          <a:lstStyle/>
+          <a:p>
+            <a:fld id="{E4D7E63D-91F2-4366-A2C4-1B00C9E2590E}" type="slidenum">
+              <a:rPr lang="zh-TW" altLang="en-US" smtClean="0"/>
+              <a:pPr/>
+              <a:t>26</a:t>
+            </a:fld>
+            <a:endParaRPr lang="zh-TW" altLang="en-US"/>
+          </a:p>
+        </p:txBody>
+      </p:sp>
+      <p:pic>
+        <p:nvPicPr>
+          <p:cNvPr id="2050" name="Picture 2"/>
+          <p:cNvPicPr>
+            <a:picLocks noChangeAspect="1" noChangeArrowheads="1"/>
+          </p:cNvPicPr>
+          <p:nvPr/>
+        </p:nvPicPr>
+        <p:blipFill>
+          <a:blip r:embed="rId3" cstate="print"/>
+          <a:srcRect/>
+          <a:stretch>
+            <a:fillRect/>
+          </a:stretch>
+        </p:blipFill>
+        <p:spPr bwMode="auto">
+          <a:xfrm>
+            <a:off x="5724128" y="1268760"/>
+            <a:ext cx="2943225" cy="4924425"/>
+          </a:xfrm>
+          <a:prstGeom prst="rect">
+            <a:avLst/>
+          </a:prstGeom>
+          <a:noFill/>
+          <a:ln w="9525">
+            <a:solidFill>
+              <a:srgbClr val="C00000"/>
+            </a:solidFill>
+            <a:miter lim="800000"/>
+            <a:headEnd/>
+            <a:tailEnd/>
+          </a:ln>
+        </p:spPr>
+      </p:pic>
+    </p:spTree>
+  </p:cSld>
+  <p:clrMapOvr>
+    <a:masterClrMapping/>
+  </p:clrMapOvr>
+</p:sld>
+</file>
+
+<file path=ppt/slides/slide27.xml><?xml version="1.0" encoding="utf-8"?>
+<p:sld xmlns:a="http://schemas.openxmlformats.org/drawingml/2006/main" xmlns:r="http://schemas.openxmlformats.org/officeDocument/2006/relationships" xmlns:p="http://schemas.openxmlformats.org/presentationml/2006/main">
+  <p:cSld>
+    <p:spTree>
+      <p:nvGrpSpPr>
+        <p:cNvPr id="1" name=""/>
+        <p:cNvGrpSpPr/>
+        <p:nvPr/>
+      </p:nvGrpSpPr>
+      <p:grpSpPr>
+        <a:xfrm>
+          <a:off x="0" y="0"/>
+          <a:ext cx="0" cy="0"/>
+          <a:chOff x="0" y="0"/>
+          <a:chExt cx="0" cy="0"/>
+        </a:xfrm>
+      </p:grpSpPr>
+      <p:sp>
+        <p:nvSpPr>
+          <p:cNvPr id="2" name="標題 1"/>
+          <p:cNvSpPr>
+            <a:spLocks noGrp="1"/>
+          </p:cNvSpPr>
+          <p:nvPr>
+            <p:ph type="ctrTitle"/>
+          </p:nvPr>
+        </p:nvSpPr>
+        <p:spPr>
+          <a:xfrm>
+            <a:off x="0" y="1"/>
+            <a:ext cx="9144000" cy="764704"/>
+          </a:xfrm>
+          <a:gradFill flip="none" rotWithShape="1">
+            <a:gsLst>
+              <a:gs pos="0">
+                <a:srgbClr val="C00000">
+                  <a:shade val="30000"/>
+                  <a:satMod val="115000"/>
+                </a:srgbClr>
+              </a:gs>
+              <a:gs pos="50000">
+                <a:srgbClr val="C00000">
+                  <a:shade val="67500"/>
+                  <a:satMod val="115000"/>
+                </a:srgbClr>
+              </a:gs>
+              <a:gs pos="100000">
+                <a:srgbClr val="C00000">
+                  <a:shade val="100000"/>
+                  <a:satMod val="115000"/>
+                </a:srgbClr>
+              </a:gs>
+            </a:gsLst>
+            <a:path path="circle">
+              <a:fillToRect t="100000" r="100000"/>
+            </a:path>
+            <a:tileRect l="-100000" b="-100000"/>
+          </a:gradFill>
+        </p:spPr>
+        <p:txBody>
+          <a:bodyPr/>
+          <a:lstStyle/>
+          <a:p>
+            <a:pPr algn="l"/>
+            <a:r>
+              <a:rPr lang="en-US" altLang="zh-TW" b="1" dirty="0" smtClean="0">
+                <a:solidFill>
+                  <a:srgbClr val="FFFF00"/>
+                </a:solidFill>
+              </a:rPr>
+              <a:t>2.4 CRUD</a:t>
+            </a:r>
+            <a:endParaRPr lang="zh-TW" altLang="en-US" b="1" dirty="0">
+              <a:solidFill>
+                <a:srgbClr val="FFFF00"/>
+              </a:solidFill>
+            </a:endParaRPr>
+          </a:p>
+        </p:txBody>
+      </p:sp>
+      <p:sp>
+        <p:nvSpPr>
+          <p:cNvPr id="3" name="副標題 2"/>
+          <p:cNvSpPr>
+            <a:spLocks noGrp="1"/>
+          </p:cNvSpPr>
+          <p:nvPr>
+            <p:ph type="subTitle" idx="1"/>
+          </p:nvPr>
+        </p:nvSpPr>
+        <p:spPr>
+          <a:xfrm>
+            <a:off x="395536" y="1268760"/>
+            <a:ext cx="8208912" cy="360040"/>
+          </a:xfrm>
+          <a:ln>
+            <a:solidFill>
+              <a:srgbClr val="C00000"/>
+            </a:solidFill>
+          </a:ln>
+        </p:spPr>
+        <p:txBody>
+          <a:bodyPr>
+            <a:noAutofit/>
+          </a:bodyPr>
+          <a:lstStyle/>
+          <a:p>
+            <a:pPr marL="342900" indent="-342900" algn="l">
+              <a:buClr>
+                <a:srgbClr val="0070C0"/>
+              </a:buClr>
+              <a:buSzPct val="80000"/>
+              <a:buFont typeface="Wingdings" pitchFamily="2" charset="2"/>
+              <a:buChar char="u"/>
+            </a:pPr>
+            <a:r>
+              <a:rPr lang="en-US" altLang="zh-TW" dirty="0" smtClean="0">
+                <a:solidFill>
+                  <a:schemeClr val="tx1"/>
+                </a:solidFill>
+              </a:rPr>
+              <a:t>Car.java:</a:t>
+            </a:r>
+            <a:endParaRPr lang="en-US" altLang="zh-TW" dirty="0" smtClean="0">
+              <a:solidFill>
+                <a:schemeClr val="tx1"/>
+              </a:solidFill>
+            </a:endParaRPr>
+          </a:p>
+        </p:txBody>
+      </p:sp>
+      <p:sp>
+        <p:nvSpPr>
+          <p:cNvPr id="4" name="標題 1"/>
+          <p:cNvSpPr txBox="1">
+            <a:spLocks/>
+          </p:cNvSpPr>
+          <p:nvPr/>
+        </p:nvSpPr>
+        <p:spPr>
+          <a:xfrm>
+            <a:off x="0" y="764704"/>
+            <a:ext cx="9144000" cy="360040"/>
+          </a:xfrm>
+          <a:prstGeom prst="rect">
+            <a:avLst/>
+          </a:prstGeom>
+          <a:gradFill flip="none" rotWithShape="1">
+            <a:gsLst>
+              <a:gs pos="0">
+                <a:srgbClr val="00B0F0">
+                  <a:shade val="30000"/>
+                  <a:satMod val="115000"/>
+                </a:srgbClr>
+              </a:gs>
+              <a:gs pos="50000">
+                <a:srgbClr val="00B0F0">
+                  <a:shade val="67500"/>
+                  <a:satMod val="115000"/>
+                </a:srgbClr>
+              </a:gs>
+              <a:gs pos="100000">
+                <a:srgbClr val="00B0F0">
+                  <a:shade val="100000"/>
+                  <a:satMod val="115000"/>
+                </a:srgbClr>
+              </a:gs>
+            </a:gsLst>
+            <a:path path="circle">
+              <a:fillToRect t="100000" r="100000"/>
+            </a:path>
+            <a:tileRect l="-100000" b="-100000"/>
+          </a:gradFill>
+        </p:spPr>
+        <p:txBody>
+          <a:bodyPr vert="horz" lIns="91440" tIns="45720" rIns="91440" bIns="45720" rtlCol="0" anchor="ctr">
+            <a:normAutofit/>
+          </a:bodyPr>
+          <a:lstStyle/>
+          <a:p>
+            <a:pPr lvl="0">
+              <a:spcBef>
+                <a:spcPct val="0"/>
+              </a:spcBef>
+            </a:pPr>
+            <a:r>
+              <a:rPr lang="en-US" altLang="zh-TW" sz="1600" dirty="0" smtClean="0">
+                <a:latin typeface="+mj-lt"/>
+                <a:ea typeface="+mj-ea"/>
+                <a:cs typeface="+mj-cs"/>
+              </a:rPr>
+              <a:t>https://github.com/PacktPublishing/Hands-On-Full-Stack-Development-with-Spring-Boot-2.0-and-React</a:t>
+            </a:r>
+            <a:endParaRPr kumimoji="0" lang="zh-TW" altLang="en-US" sz="1600" b="0" i="0" u="none" strike="noStrike" kern="1200" cap="none" spc="0" normalizeH="0" baseline="0" noProof="0" dirty="0" smtClean="0">
+              <a:ln>
+                <a:noFill/>
+              </a:ln>
+              <a:solidFill>
+                <a:schemeClr val="tx1"/>
+              </a:solidFill>
+              <a:effectLst/>
+              <a:uLnTx/>
+              <a:uFillTx/>
+              <a:latin typeface="+mj-lt"/>
+              <a:ea typeface="+mj-ea"/>
+              <a:cs typeface="+mj-cs"/>
+            </a:endParaRPr>
+          </a:p>
+        </p:txBody>
+      </p:sp>
+      <p:sp>
+        <p:nvSpPr>
+          <p:cNvPr id="5" name="日期版面配置區 4"/>
+          <p:cNvSpPr>
+            <a:spLocks noGrp="1"/>
+          </p:cNvSpPr>
+          <p:nvPr>
+            <p:ph type="dt" sz="half" idx="10"/>
+          </p:nvPr>
+        </p:nvSpPr>
+        <p:spPr/>
+        <p:txBody>
+          <a:bodyPr/>
+          <a:lstStyle/>
+          <a:p>
+            <a:fld id="{A4F910E6-8D00-4BAF-8C48-9688E0B449D3}" type="datetime1">
+              <a:rPr lang="zh-TW" altLang="en-US" smtClean="0"/>
+              <a:pPr/>
+              <a:t>2018/10/15</a:t>
+            </a:fld>
+            <a:endParaRPr lang="zh-TW" altLang="en-US"/>
+          </a:p>
+        </p:txBody>
+      </p:sp>
+      <p:sp>
+        <p:nvSpPr>
+          <p:cNvPr id="6" name="投影片編號版面配置區 5"/>
+          <p:cNvSpPr>
+            <a:spLocks noGrp="1"/>
+          </p:cNvSpPr>
+          <p:nvPr>
+            <p:ph type="sldNum" sz="quarter" idx="12"/>
+          </p:nvPr>
+        </p:nvSpPr>
+        <p:spPr/>
+        <p:txBody>
+          <a:bodyPr/>
+          <a:lstStyle/>
+          <a:p>
+            <a:fld id="{E4D7E63D-91F2-4366-A2C4-1B00C9E2590E}" type="slidenum">
+              <a:rPr lang="zh-TW" altLang="en-US" smtClean="0"/>
+              <a:pPr/>
+              <a:t>27</a:t>
+            </a:fld>
+            <a:endParaRPr lang="zh-TW" altLang="en-US"/>
+          </a:p>
+        </p:txBody>
+      </p:sp>
+      <p:pic>
+        <p:nvPicPr>
+          <p:cNvPr id="3074" name="Picture 2"/>
+          <p:cNvPicPr>
+            <a:picLocks noChangeAspect="1" noChangeArrowheads="1"/>
+          </p:cNvPicPr>
+          <p:nvPr/>
+        </p:nvPicPr>
+        <p:blipFill>
+          <a:blip r:embed="rId3" cstate="print"/>
+          <a:srcRect/>
+          <a:stretch>
+            <a:fillRect/>
+          </a:stretch>
+        </p:blipFill>
+        <p:spPr bwMode="auto">
+          <a:xfrm>
+            <a:off x="1043608" y="1772816"/>
+            <a:ext cx="5400675" cy="4429125"/>
+          </a:xfrm>
+          <a:prstGeom prst="rect">
+            <a:avLst/>
+          </a:prstGeom>
+          <a:noFill/>
+          <a:ln w="9525">
+            <a:solidFill>
+              <a:srgbClr val="C00000"/>
+            </a:solidFill>
+            <a:miter lim="800000"/>
+            <a:headEnd/>
+            <a:tailEnd/>
+          </a:ln>
+        </p:spPr>
+      </p:pic>
+    </p:spTree>
+  </p:cSld>
+  <p:clrMapOvr>
+    <a:masterClrMapping/>
+  </p:clrMapOvr>
+</p:sld>
+</file>
+
+<file path=ppt/slides/slide28.xml><?xml version="1.0" encoding="utf-8"?>
+<p:sld xmlns:a="http://schemas.openxmlformats.org/drawingml/2006/main" xmlns:r="http://schemas.openxmlformats.org/officeDocument/2006/relationships" xmlns:p="http://schemas.openxmlformats.org/presentationml/2006/main">
+  <p:cSld>
+    <p:spTree>
+      <p:nvGrpSpPr>
+        <p:cNvPr id="1" name=""/>
+        <p:cNvGrpSpPr/>
+        <p:nvPr/>
+      </p:nvGrpSpPr>
+      <p:grpSpPr>
+        <a:xfrm>
+          <a:off x="0" y="0"/>
+          <a:ext cx="0" cy="0"/>
+          <a:chOff x="0" y="0"/>
+          <a:chExt cx="0" cy="0"/>
+        </a:xfrm>
+      </p:grpSpPr>
+      <p:sp>
+        <p:nvSpPr>
+          <p:cNvPr id="2" name="標題 1"/>
+          <p:cNvSpPr>
+            <a:spLocks noGrp="1"/>
+          </p:cNvSpPr>
+          <p:nvPr>
+            <p:ph type="ctrTitle"/>
+          </p:nvPr>
+        </p:nvSpPr>
+        <p:spPr>
+          <a:xfrm>
+            <a:off x="0" y="1"/>
+            <a:ext cx="9144000" cy="764704"/>
+          </a:xfrm>
+          <a:gradFill flip="none" rotWithShape="1">
+            <a:gsLst>
+              <a:gs pos="0">
+                <a:srgbClr val="C00000">
+                  <a:shade val="30000"/>
+                  <a:satMod val="115000"/>
+                </a:srgbClr>
+              </a:gs>
+              <a:gs pos="50000">
+                <a:srgbClr val="C00000">
+                  <a:shade val="67500"/>
+                  <a:satMod val="115000"/>
+                </a:srgbClr>
+              </a:gs>
+              <a:gs pos="100000">
+                <a:srgbClr val="C00000">
+                  <a:shade val="100000"/>
+                  <a:satMod val="115000"/>
+                </a:srgbClr>
+              </a:gs>
+            </a:gsLst>
+            <a:path path="circle">
+              <a:fillToRect t="100000" r="100000"/>
+            </a:path>
+            <a:tileRect l="-100000" b="-100000"/>
+          </a:gradFill>
+        </p:spPr>
+        <p:txBody>
+          <a:bodyPr/>
+          <a:lstStyle/>
+          <a:p>
+            <a:pPr algn="l"/>
+            <a:r>
+              <a:rPr lang="en-US" altLang="zh-TW" b="1" dirty="0" smtClean="0">
+                <a:solidFill>
+                  <a:srgbClr val="FFFF00"/>
+                </a:solidFill>
+              </a:rPr>
+              <a:t>2.4 CRUD</a:t>
+            </a:r>
+            <a:endParaRPr lang="zh-TW" altLang="en-US" b="1" dirty="0">
+              <a:solidFill>
+                <a:srgbClr val="FFFF00"/>
+              </a:solidFill>
+            </a:endParaRPr>
+          </a:p>
+        </p:txBody>
+      </p:sp>
+      <p:sp>
+        <p:nvSpPr>
+          <p:cNvPr id="3" name="副標題 2"/>
+          <p:cNvSpPr>
+            <a:spLocks noGrp="1"/>
+          </p:cNvSpPr>
+          <p:nvPr>
+            <p:ph type="subTitle" idx="1"/>
+          </p:nvPr>
+        </p:nvSpPr>
+        <p:spPr>
+          <a:xfrm>
+            <a:off x="467544" y="1268760"/>
+            <a:ext cx="8064896" cy="360040"/>
+          </a:xfrm>
+          <a:ln>
+            <a:solidFill>
+              <a:srgbClr val="C00000"/>
+            </a:solidFill>
+          </a:ln>
+        </p:spPr>
+        <p:txBody>
+          <a:bodyPr>
+            <a:noAutofit/>
+          </a:bodyPr>
+          <a:lstStyle/>
+          <a:p>
+            <a:pPr marL="342900" indent="-342900" algn="l">
+              <a:buClr>
+                <a:srgbClr val="0070C0"/>
+              </a:buClr>
+              <a:buSzPct val="80000"/>
+              <a:buFont typeface="Wingdings" pitchFamily="2" charset="2"/>
+              <a:buChar char="u"/>
+            </a:pPr>
+            <a:r>
+              <a:rPr lang="en-US" altLang="zh-TW" dirty="0" smtClean="0">
+                <a:solidFill>
+                  <a:schemeClr val="tx1"/>
+                </a:solidFill>
+              </a:rPr>
+              <a:t>CarRepository.java:</a:t>
+            </a:r>
+            <a:endParaRPr lang="en-US" altLang="zh-TW" dirty="0" smtClean="0">
+              <a:solidFill>
+                <a:schemeClr val="tx1"/>
+              </a:solidFill>
+            </a:endParaRPr>
+          </a:p>
+        </p:txBody>
+      </p:sp>
+      <p:sp>
+        <p:nvSpPr>
+          <p:cNvPr id="4" name="標題 1"/>
+          <p:cNvSpPr txBox="1">
+            <a:spLocks/>
+          </p:cNvSpPr>
+          <p:nvPr/>
+        </p:nvSpPr>
+        <p:spPr>
+          <a:xfrm>
+            <a:off x="0" y="764704"/>
+            <a:ext cx="9144000" cy="360040"/>
+          </a:xfrm>
+          <a:prstGeom prst="rect">
+            <a:avLst/>
+          </a:prstGeom>
+          <a:gradFill flip="none" rotWithShape="1">
+            <a:gsLst>
+              <a:gs pos="0">
+                <a:srgbClr val="00B0F0">
+                  <a:shade val="30000"/>
+                  <a:satMod val="115000"/>
+                </a:srgbClr>
+              </a:gs>
+              <a:gs pos="50000">
+                <a:srgbClr val="00B0F0">
+                  <a:shade val="67500"/>
+                  <a:satMod val="115000"/>
+                </a:srgbClr>
+              </a:gs>
+              <a:gs pos="100000">
+                <a:srgbClr val="00B0F0">
+                  <a:shade val="100000"/>
+                  <a:satMod val="115000"/>
+                </a:srgbClr>
+              </a:gs>
+            </a:gsLst>
+            <a:path path="circle">
+              <a:fillToRect t="100000" r="100000"/>
+            </a:path>
+            <a:tileRect l="-100000" b="-100000"/>
+          </a:gradFill>
+        </p:spPr>
+        <p:txBody>
+          <a:bodyPr vert="horz" lIns="91440" tIns="45720" rIns="91440" bIns="45720" rtlCol="0" anchor="ctr">
+            <a:normAutofit/>
+          </a:bodyPr>
+          <a:lstStyle/>
+          <a:p>
+            <a:pPr lvl="0">
+              <a:spcBef>
+                <a:spcPct val="0"/>
+              </a:spcBef>
+            </a:pPr>
+            <a:r>
+              <a:rPr lang="en-US" altLang="zh-TW" sz="1600" dirty="0" smtClean="0">
+                <a:latin typeface="+mj-lt"/>
+                <a:ea typeface="+mj-ea"/>
+                <a:cs typeface="+mj-cs"/>
+              </a:rPr>
+              <a:t>https://github.com/PacktPublishing/Hands-On-Full-Stack-Development-with-Spring-Boot-2.0-and-React</a:t>
+            </a:r>
+            <a:endParaRPr kumimoji="0" lang="zh-TW" altLang="en-US" sz="1600" b="0" i="0" u="none" strike="noStrike" kern="1200" cap="none" spc="0" normalizeH="0" baseline="0" noProof="0" dirty="0" smtClean="0">
+              <a:ln>
+                <a:noFill/>
+              </a:ln>
+              <a:solidFill>
+                <a:schemeClr val="tx1"/>
+              </a:solidFill>
+              <a:effectLst/>
+              <a:uLnTx/>
+              <a:uFillTx/>
+              <a:latin typeface="+mj-lt"/>
+              <a:ea typeface="+mj-ea"/>
+              <a:cs typeface="+mj-cs"/>
+            </a:endParaRPr>
+          </a:p>
+        </p:txBody>
+      </p:sp>
+      <p:sp>
+        <p:nvSpPr>
+          <p:cNvPr id="5" name="日期版面配置區 4"/>
+          <p:cNvSpPr>
+            <a:spLocks noGrp="1"/>
+          </p:cNvSpPr>
+          <p:nvPr>
+            <p:ph type="dt" sz="half" idx="10"/>
+          </p:nvPr>
+        </p:nvSpPr>
+        <p:spPr/>
+        <p:txBody>
+          <a:bodyPr/>
+          <a:lstStyle/>
+          <a:p>
+            <a:fld id="{A4F910E6-8D00-4BAF-8C48-9688E0B449D3}" type="datetime1">
+              <a:rPr lang="zh-TW" altLang="en-US" smtClean="0"/>
+              <a:pPr/>
+              <a:t>2018/10/15</a:t>
+            </a:fld>
+            <a:endParaRPr lang="zh-TW" altLang="en-US"/>
+          </a:p>
+        </p:txBody>
+      </p:sp>
+      <p:sp>
+        <p:nvSpPr>
+          <p:cNvPr id="6" name="投影片編號版面配置區 5"/>
+          <p:cNvSpPr>
+            <a:spLocks noGrp="1"/>
+          </p:cNvSpPr>
+          <p:nvPr>
+            <p:ph type="sldNum" sz="quarter" idx="12"/>
+          </p:nvPr>
+        </p:nvSpPr>
+        <p:spPr/>
+        <p:txBody>
+          <a:bodyPr/>
+          <a:lstStyle/>
+          <a:p>
+            <a:fld id="{E4D7E63D-91F2-4366-A2C4-1B00C9E2590E}" type="slidenum">
+              <a:rPr lang="zh-TW" altLang="en-US" smtClean="0"/>
+              <a:pPr/>
+              <a:t>28</a:t>
+            </a:fld>
+            <a:endParaRPr lang="zh-TW" altLang="en-US"/>
+          </a:p>
+        </p:txBody>
+      </p:sp>
+      <p:pic>
+        <p:nvPicPr>
+          <p:cNvPr id="4098" name="Picture 2"/>
+          <p:cNvPicPr>
+            <a:picLocks noChangeAspect="1" noChangeArrowheads="1"/>
+          </p:cNvPicPr>
+          <p:nvPr/>
+        </p:nvPicPr>
+        <p:blipFill>
+          <a:blip r:embed="rId3" cstate="print"/>
+          <a:srcRect/>
+          <a:stretch>
+            <a:fillRect/>
+          </a:stretch>
+        </p:blipFill>
+        <p:spPr bwMode="auto">
+          <a:xfrm>
+            <a:off x="1331640" y="1844824"/>
+            <a:ext cx="5153025" cy="1628775"/>
+          </a:xfrm>
+          <a:prstGeom prst="rect">
+            <a:avLst/>
+          </a:prstGeom>
+          <a:noFill/>
+          <a:ln w="9525">
+            <a:solidFill>
+              <a:srgbClr val="C00000"/>
+            </a:solidFill>
+            <a:miter lim="800000"/>
+            <a:headEnd/>
+            <a:tailEnd/>
+          </a:ln>
+        </p:spPr>
+      </p:pic>
+    </p:spTree>
+  </p:cSld>
+  <p:clrMapOvr>
+    <a:masterClrMapping/>
+  </p:clrMapOvr>
+</p:sld>
+</file>
+
+<file path=ppt/slides/slide29.xml><?xml version="1.0" encoding="utf-8"?>
+<p:sld xmlns:a="http://schemas.openxmlformats.org/drawingml/2006/main" xmlns:r="http://schemas.openxmlformats.org/officeDocument/2006/relationships" xmlns:p="http://schemas.openxmlformats.org/presentationml/2006/main">
+  <p:cSld>
+    <p:spTree>
+      <p:nvGrpSpPr>
+        <p:cNvPr id="1" name=""/>
+        <p:cNvGrpSpPr/>
+        <p:nvPr/>
+      </p:nvGrpSpPr>
+      <p:grpSpPr>
+        <a:xfrm>
+          <a:off x="0" y="0"/>
+          <a:ext cx="0" cy="0"/>
+          <a:chOff x="0" y="0"/>
+          <a:chExt cx="0" cy="0"/>
+        </a:xfrm>
+      </p:grpSpPr>
+      <p:sp>
+        <p:nvSpPr>
+          <p:cNvPr id="2" name="標題 1"/>
+          <p:cNvSpPr>
+            <a:spLocks noGrp="1"/>
+          </p:cNvSpPr>
+          <p:nvPr>
+            <p:ph type="ctrTitle"/>
+          </p:nvPr>
+        </p:nvSpPr>
+        <p:spPr>
+          <a:xfrm>
+            <a:off x="0" y="1"/>
+            <a:ext cx="9144000" cy="764704"/>
+          </a:xfrm>
+          <a:gradFill flip="none" rotWithShape="1">
+            <a:gsLst>
+              <a:gs pos="0">
+                <a:srgbClr val="C00000">
+                  <a:shade val="30000"/>
+                  <a:satMod val="115000"/>
+                </a:srgbClr>
+              </a:gs>
+              <a:gs pos="50000">
+                <a:srgbClr val="C00000">
+                  <a:shade val="67500"/>
+                  <a:satMod val="115000"/>
+                </a:srgbClr>
+              </a:gs>
+              <a:gs pos="100000">
+                <a:srgbClr val="C00000">
+                  <a:shade val="100000"/>
+                  <a:satMod val="115000"/>
+                </a:srgbClr>
+              </a:gs>
+            </a:gsLst>
+            <a:path path="circle">
+              <a:fillToRect t="100000" r="100000"/>
+            </a:path>
+            <a:tileRect l="-100000" b="-100000"/>
+          </a:gradFill>
+        </p:spPr>
+        <p:txBody>
+          <a:bodyPr/>
+          <a:lstStyle/>
+          <a:p>
+            <a:pPr algn="l"/>
+            <a:r>
+              <a:rPr lang="en-US" altLang="zh-TW" b="1" dirty="0" smtClean="0">
+                <a:solidFill>
+                  <a:srgbClr val="FFFF00"/>
+                </a:solidFill>
+              </a:rPr>
+              <a:t>2.4 CRUD</a:t>
+            </a:r>
+            <a:endParaRPr lang="zh-TW" altLang="en-US" b="1" dirty="0">
+              <a:solidFill>
+                <a:srgbClr val="FFFF00"/>
+              </a:solidFill>
+            </a:endParaRPr>
+          </a:p>
+        </p:txBody>
+      </p:sp>
+      <p:sp>
+        <p:nvSpPr>
+          <p:cNvPr id="3" name="副標題 2"/>
+          <p:cNvSpPr>
+            <a:spLocks noGrp="1"/>
+          </p:cNvSpPr>
+          <p:nvPr>
+            <p:ph type="subTitle" idx="1"/>
+          </p:nvPr>
+        </p:nvSpPr>
+        <p:spPr>
+          <a:xfrm>
+            <a:off x="467544" y="1268760"/>
+            <a:ext cx="7992888" cy="360040"/>
+          </a:xfrm>
+          <a:ln>
+            <a:solidFill>
+              <a:srgbClr val="C00000"/>
+            </a:solidFill>
+          </a:ln>
+        </p:spPr>
+        <p:txBody>
+          <a:bodyPr>
+            <a:noAutofit/>
+          </a:bodyPr>
+          <a:lstStyle/>
+          <a:p>
+            <a:pPr marL="342900" indent="-342900" algn="l">
+              <a:buClr>
+                <a:srgbClr val="0070C0"/>
+              </a:buClr>
+              <a:buSzPct val="80000"/>
+              <a:buFont typeface="Wingdings" pitchFamily="2" charset="2"/>
+              <a:buChar char="u"/>
+            </a:pPr>
+            <a:r>
+              <a:rPr lang="en-US" altLang="zh-TW" dirty="0" smtClean="0">
+                <a:solidFill>
+                  <a:schemeClr val="tx1"/>
+                </a:solidFill>
+              </a:rPr>
+              <a:t>Owner.java</a:t>
+            </a:r>
+            <a:endParaRPr lang="en-US" altLang="zh-TW" dirty="0" smtClean="0">
+              <a:solidFill>
+                <a:schemeClr val="tx1"/>
+              </a:solidFill>
+            </a:endParaRPr>
+          </a:p>
+        </p:txBody>
+      </p:sp>
+      <p:sp>
+        <p:nvSpPr>
+          <p:cNvPr id="4" name="標題 1"/>
+          <p:cNvSpPr txBox="1">
+            <a:spLocks/>
+          </p:cNvSpPr>
+          <p:nvPr/>
+        </p:nvSpPr>
+        <p:spPr>
+          <a:xfrm>
+            <a:off x="0" y="764704"/>
+            <a:ext cx="9144000" cy="360040"/>
+          </a:xfrm>
+          <a:prstGeom prst="rect">
+            <a:avLst/>
+          </a:prstGeom>
+          <a:gradFill flip="none" rotWithShape="1">
+            <a:gsLst>
+              <a:gs pos="0">
+                <a:srgbClr val="00B0F0">
+                  <a:shade val="30000"/>
+                  <a:satMod val="115000"/>
+                </a:srgbClr>
+              </a:gs>
+              <a:gs pos="50000">
+                <a:srgbClr val="00B0F0">
+                  <a:shade val="67500"/>
+                  <a:satMod val="115000"/>
+                </a:srgbClr>
+              </a:gs>
+              <a:gs pos="100000">
+                <a:srgbClr val="00B0F0">
+                  <a:shade val="100000"/>
+                  <a:satMod val="115000"/>
+                </a:srgbClr>
+              </a:gs>
+            </a:gsLst>
+            <a:path path="circle">
+              <a:fillToRect t="100000" r="100000"/>
+            </a:path>
+            <a:tileRect l="-100000" b="-100000"/>
+          </a:gradFill>
+        </p:spPr>
+        <p:txBody>
+          <a:bodyPr vert="horz" lIns="91440" tIns="45720" rIns="91440" bIns="45720" rtlCol="0" anchor="ctr">
+            <a:normAutofit/>
+          </a:bodyPr>
+          <a:lstStyle/>
+          <a:p>
+            <a:pPr lvl="0">
+              <a:spcBef>
+                <a:spcPct val="0"/>
+              </a:spcBef>
+            </a:pPr>
+            <a:r>
+              <a:rPr lang="en-US" altLang="zh-TW" sz="1600" dirty="0" smtClean="0">
+                <a:latin typeface="+mj-lt"/>
+                <a:ea typeface="+mj-ea"/>
+                <a:cs typeface="+mj-cs"/>
+              </a:rPr>
+              <a:t>https://github.com/PacktPublishing/Hands-On-Full-Stack-Development-with-Spring-Boot-2.0-and-React</a:t>
+            </a:r>
+            <a:endParaRPr kumimoji="0" lang="zh-TW" altLang="en-US" sz="1600" b="0" i="0" u="none" strike="noStrike" kern="1200" cap="none" spc="0" normalizeH="0" baseline="0" noProof="0" dirty="0" smtClean="0">
+              <a:ln>
+                <a:noFill/>
+              </a:ln>
+              <a:solidFill>
+                <a:schemeClr val="tx1"/>
+              </a:solidFill>
+              <a:effectLst/>
+              <a:uLnTx/>
+              <a:uFillTx/>
+              <a:latin typeface="+mj-lt"/>
+              <a:ea typeface="+mj-ea"/>
+              <a:cs typeface="+mj-cs"/>
+            </a:endParaRPr>
+          </a:p>
+        </p:txBody>
+      </p:sp>
+      <p:sp>
+        <p:nvSpPr>
+          <p:cNvPr id="5" name="日期版面配置區 4"/>
+          <p:cNvSpPr>
+            <a:spLocks noGrp="1"/>
+          </p:cNvSpPr>
+          <p:nvPr>
+            <p:ph type="dt" sz="half" idx="10"/>
+          </p:nvPr>
+        </p:nvSpPr>
+        <p:spPr/>
+        <p:txBody>
+          <a:bodyPr/>
+          <a:lstStyle/>
+          <a:p>
+            <a:fld id="{A4F910E6-8D00-4BAF-8C48-9688E0B449D3}" type="datetime1">
+              <a:rPr lang="zh-TW" altLang="en-US" smtClean="0"/>
+              <a:pPr/>
+              <a:t>2018/10/15</a:t>
+            </a:fld>
+            <a:endParaRPr lang="zh-TW" altLang="en-US"/>
+          </a:p>
+        </p:txBody>
+      </p:sp>
+      <p:sp>
+        <p:nvSpPr>
+          <p:cNvPr id="6" name="投影片編號版面配置區 5"/>
+          <p:cNvSpPr>
+            <a:spLocks noGrp="1"/>
+          </p:cNvSpPr>
+          <p:nvPr>
+            <p:ph type="sldNum" sz="quarter" idx="12"/>
+          </p:nvPr>
+        </p:nvSpPr>
+        <p:spPr/>
+        <p:txBody>
+          <a:bodyPr/>
+          <a:lstStyle/>
+          <a:p>
+            <a:fld id="{E4D7E63D-91F2-4366-A2C4-1B00C9E2590E}" type="slidenum">
+              <a:rPr lang="zh-TW" altLang="en-US" smtClean="0"/>
+              <a:pPr/>
+              <a:t>29</a:t>
+            </a:fld>
+            <a:endParaRPr lang="zh-TW" altLang="en-US"/>
+          </a:p>
+        </p:txBody>
+      </p:sp>
+      <p:pic>
+        <p:nvPicPr>
+          <p:cNvPr id="5122" name="Picture 2"/>
+          <p:cNvPicPr>
+            <a:picLocks noChangeAspect="1" noChangeArrowheads="1"/>
+          </p:cNvPicPr>
+          <p:nvPr/>
+        </p:nvPicPr>
+        <p:blipFill>
+          <a:blip r:embed="rId3" cstate="print"/>
+          <a:srcRect/>
+          <a:stretch>
+            <a:fillRect/>
+          </a:stretch>
+        </p:blipFill>
+        <p:spPr bwMode="auto">
+          <a:xfrm>
+            <a:off x="1691680" y="1772816"/>
+            <a:ext cx="5324475" cy="4505325"/>
+          </a:xfrm>
+          <a:prstGeom prst="rect">
+            <a:avLst/>
+          </a:prstGeom>
+          <a:noFill/>
+          <a:ln w="9525">
+            <a:solidFill>
+              <a:srgbClr val="C00000"/>
+            </a:solidFill>
+            <a:miter lim="800000"/>
+            <a:headEnd/>
+            <a:tailEnd/>
+          </a:ln>
+        </p:spPr>
+      </p:pic>
     </p:spTree>
   </p:cSld>
   <p:clrMapOvr>
@@ -12025,6 +15328,3485 @@
           <a:noFill/>
           <a:ln w="9525">
             <a:noFill/>
+            <a:miter lim="800000"/>
+            <a:headEnd/>
+            <a:tailEnd/>
+          </a:ln>
+        </p:spPr>
+      </p:pic>
+    </p:spTree>
+  </p:cSld>
+  <p:clrMapOvr>
+    <a:masterClrMapping/>
+  </p:clrMapOvr>
+</p:sld>
+</file>
+
+<file path=ppt/slides/slide30.xml><?xml version="1.0" encoding="utf-8"?>
+<p:sld xmlns:a="http://schemas.openxmlformats.org/drawingml/2006/main" xmlns:r="http://schemas.openxmlformats.org/officeDocument/2006/relationships" xmlns:p="http://schemas.openxmlformats.org/presentationml/2006/main">
+  <p:cSld>
+    <p:spTree>
+      <p:nvGrpSpPr>
+        <p:cNvPr id="1" name=""/>
+        <p:cNvGrpSpPr/>
+        <p:nvPr/>
+      </p:nvGrpSpPr>
+      <p:grpSpPr>
+        <a:xfrm>
+          <a:off x="0" y="0"/>
+          <a:ext cx="0" cy="0"/>
+          <a:chOff x="0" y="0"/>
+          <a:chExt cx="0" cy="0"/>
+        </a:xfrm>
+      </p:grpSpPr>
+      <p:sp>
+        <p:nvSpPr>
+          <p:cNvPr id="2" name="標題 1"/>
+          <p:cNvSpPr>
+            <a:spLocks noGrp="1"/>
+          </p:cNvSpPr>
+          <p:nvPr>
+            <p:ph type="ctrTitle"/>
+          </p:nvPr>
+        </p:nvSpPr>
+        <p:spPr>
+          <a:xfrm>
+            <a:off x="0" y="1"/>
+            <a:ext cx="9144000" cy="764704"/>
+          </a:xfrm>
+          <a:gradFill flip="none" rotWithShape="1">
+            <a:gsLst>
+              <a:gs pos="0">
+                <a:srgbClr val="C00000">
+                  <a:shade val="30000"/>
+                  <a:satMod val="115000"/>
+                </a:srgbClr>
+              </a:gs>
+              <a:gs pos="50000">
+                <a:srgbClr val="C00000">
+                  <a:shade val="67500"/>
+                  <a:satMod val="115000"/>
+                </a:srgbClr>
+              </a:gs>
+              <a:gs pos="100000">
+                <a:srgbClr val="C00000">
+                  <a:shade val="100000"/>
+                  <a:satMod val="115000"/>
+                </a:srgbClr>
+              </a:gs>
+            </a:gsLst>
+            <a:path path="circle">
+              <a:fillToRect t="100000" r="100000"/>
+            </a:path>
+            <a:tileRect l="-100000" b="-100000"/>
+          </a:gradFill>
+        </p:spPr>
+        <p:txBody>
+          <a:bodyPr/>
+          <a:lstStyle/>
+          <a:p>
+            <a:pPr algn="l"/>
+            <a:r>
+              <a:rPr lang="en-US" altLang="zh-TW" b="1" dirty="0" smtClean="0">
+                <a:solidFill>
+                  <a:srgbClr val="FFFF00"/>
+                </a:solidFill>
+              </a:rPr>
+              <a:t>2.4 CRUD</a:t>
+            </a:r>
+            <a:endParaRPr lang="zh-TW" altLang="en-US" b="1" dirty="0">
+              <a:solidFill>
+                <a:srgbClr val="FFFF00"/>
+              </a:solidFill>
+            </a:endParaRPr>
+          </a:p>
+        </p:txBody>
+      </p:sp>
+      <p:sp>
+        <p:nvSpPr>
+          <p:cNvPr id="3" name="副標題 2"/>
+          <p:cNvSpPr>
+            <a:spLocks noGrp="1"/>
+          </p:cNvSpPr>
+          <p:nvPr>
+            <p:ph type="subTitle" idx="1"/>
+          </p:nvPr>
+        </p:nvSpPr>
+        <p:spPr>
+          <a:xfrm>
+            <a:off x="467544" y="1268760"/>
+            <a:ext cx="8136904" cy="360040"/>
+          </a:xfrm>
+          <a:ln>
+            <a:solidFill>
+              <a:srgbClr val="C00000"/>
+            </a:solidFill>
+          </a:ln>
+        </p:spPr>
+        <p:txBody>
+          <a:bodyPr>
+            <a:noAutofit/>
+          </a:bodyPr>
+          <a:lstStyle/>
+          <a:p>
+            <a:pPr marL="342900" indent="-342900" algn="l">
+              <a:buClr>
+                <a:srgbClr val="0070C0"/>
+              </a:buClr>
+              <a:buSzPct val="80000"/>
+              <a:buFont typeface="Wingdings" pitchFamily="2" charset="2"/>
+              <a:buChar char="u"/>
+            </a:pPr>
+            <a:r>
+              <a:rPr lang="en-US" altLang="zh-TW" dirty="0" smtClean="0">
+                <a:solidFill>
+                  <a:schemeClr val="tx1"/>
+                </a:solidFill>
+              </a:rPr>
+              <a:t>OwnerRepository.java</a:t>
+            </a:r>
+            <a:endParaRPr lang="en-US" altLang="zh-TW" dirty="0" smtClean="0">
+              <a:solidFill>
+                <a:schemeClr val="tx1"/>
+              </a:solidFill>
+            </a:endParaRPr>
+          </a:p>
+        </p:txBody>
+      </p:sp>
+      <p:sp>
+        <p:nvSpPr>
+          <p:cNvPr id="4" name="標題 1"/>
+          <p:cNvSpPr txBox="1">
+            <a:spLocks/>
+          </p:cNvSpPr>
+          <p:nvPr/>
+        </p:nvSpPr>
+        <p:spPr>
+          <a:xfrm>
+            <a:off x="0" y="764704"/>
+            <a:ext cx="9144000" cy="360040"/>
+          </a:xfrm>
+          <a:prstGeom prst="rect">
+            <a:avLst/>
+          </a:prstGeom>
+          <a:gradFill flip="none" rotWithShape="1">
+            <a:gsLst>
+              <a:gs pos="0">
+                <a:srgbClr val="00B0F0">
+                  <a:shade val="30000"/>
+                  <a:satMod val="115000"/>
+                </a:srgbClr>
+              </a:gs>
+              <a:gs pos="50000">
+                <a:srgbClr val="00B0F0">
+                  <a:shade val="67500"/>
+                  <a:satMod val="115000"/>
+                </a:srgbClr>
+              </a:gs>
+              <a:gs pos="100000">
+                <a:srgbClr val="00B0F0">
+                  <a:shade val="100000"/>
+                  <a:satMod val="115000"/>
+                </a:srgbClr>
+              </a:gs>
+            </a:gsLst>
+            <a:path path="circle">
+              <a:fillToRect t="100000" r="100000"/>
+            </a:path>
+            <a:tileRect l="-100000" b="-100000"/>
+          </a:gradFill>
+        </p:spPr>
+        <p:txBody>
+          <a:bodyPr vert="horz" lIns="91440" tIns="45720" rIns="91440" bIns="45720" rtlCol="0" anchor="ctr">
+            <a:normAutofit/>
+          </a:bodyPr>
+          <a:lstStyle/>
+          <a:p>
+            <a:pPr lvl="0">
+              <a:spcBef>
+                <a:spcPct val="0"/>
+              </a:spcBef>
+            </a:pPr>
+            <a:r>
+              <a:rPr lang="en-US" altLang="zh-TW" sz="1600" dirty="0" smtClean="0">
+                <a:latin typeface="+mj-lt"/>
+                <a:ea typeface="+mj-ea"/>
+                <a:cs typeface="+mj-cs"/>
+              </a:rPr>
+              <a:t>https://github.com/PacktPublishing/Hands-On-Full-Stack-Development-with-Spring-Boot-2.0-and-React</a:t>
+            </a:r>
+            <a:endParaRPr kumimoji="0" lang="zh-TW" altLang="en-US" sz="1600" b="0" i="0" u="none" strike="noStrike" kern="1200" cap="none" spc="0" normalizeH="0" baseline="0" noProof="0" dirty="0" smtClean="0">
+              <a:ln>
+                <a:noFill/>
+              </a:ln>
+              <a:solidFill>
+                <a:schemeClr val="tx1"/>
+              </a:solidFill>
+              <a:effectLst/>
+              <a:uLnTx/>
+              <a:uFillTx/>
+              <a:latin typeface="+mj-lt"/>
+              <a:ea typeface="+mj-ea"/>
+              <a:cs typeface="+mj-cs"/>
+            </a:endParaRPr>
+          </a:p>
+        </p:txBody>
+      </p:sp>
+      <p:sp>
+        <p:nvSpPr>
+          <p:cNvPr id="5" name="日期版面配置區 4"/>
+          <p:cNvSpPr>
+            <a:spLocks noGrp="1"/>
+          </p:cNvSpPr>
+          <p:nvPr>
+            <p:ph type="dt" sz="half" idx="10"/>
+          </p:nvPr>
+        </p:nvSpPr>
+        <p:spPr/>
+        <p:txBody>
+          <a:bodyPr/>
+          <a:lstStyle/>
+          <a:p>
+            <a:fld id="{A4F910E6-8D00-4BAF-8C48-9688E0B449D3}" type="datetime1">
+              <a:rPr lang="zh-TW" altLang="en-US" smtClean="0"/>
+              <a:pPr/>
+              <a:t>2018/10/15</a:t>
+            </a:fld>
+            <a:endParaRPr lang="zh-TW" altLang="en-US"/>
+          </a:p>
+        </p:txBody>
+      </p:sp>
+      <p:sp>
+        <p:nvSpPr>
+          <p:cNvPr id="6" name="投影片編號版面配置區 5"/>
+          <p:cNvSpPr>
+            <a:spLocks noGrp="1"/>
+          </p:cNvSpPr>
+          <p:nvPr>
+            <p:ph type="sldNum" sz="quarter" idx="12"/>
+          </p:nvPr>
+        </p:nvSpPr>
+        <p:spPr/>
+        <p:txBody>
+          <a:bodyPr/>
+          <a:lstStyle/>
+          <a:p>
+            <a:fld id="{E4D7E63D-91F2-4366-A2C4-1B00C9E2590E}" type="slidenum">
+              <a:rPr lang="zh-TW" altLang="en-US" smtClean="0"/>
+              <a:pPr/>
+              <a:t>30</a:t>
+            </a:fld>
+            <a:endParaRPr lang="zh-TW" altLang="en-US"/>
+          </a:p>
+        </p:txBody>
+      </p:sp>
+      <p:pic>
+        <p:nvPicPr>
+          <p:cNvPr id="6146" name="Picture 2"/>
+          <p:cNvPicPr>
+            <a:picLocks noChangeAspect="1" noChangeArrowheads="1"/>
+          </p:cNvPicPr>
+          <p:nvPr/>
+        </p:nvPicPr>
+        <p:blipFill>
+          <a:blip r:embed="rId3" cstate="print"/>
+          <a:srcRect/>
+          <a:stretch>
+            <a:fillRect/>
+          </a:stretch>
+        </p:blipFill>
+        <p:spPr bwMode="auto">
+          <a:xfrm>
+            <a:off x="1619672" y="1772816"/>
+            <a:ext cx="5153025" cy="1628775"/>
+          </a:xfrm>
+          <a:prstGeom prst="rect">
+            <a:avLst/>
+          </a:prstGeom>
+          <a:noFill/>
+          <a:ln w="9525">
+            <a:solidFill>
+              <a:srgbClr val="C00000"/>
+            </a:solidFill>
+            <a:miter lim="800000"/>
+            <a:headEnd/>
+            <a:tailEnd/>
+          </a:ln>
+        </p:spPr>
+      </p:pic>
+    </p:spTree>
+  </p:cSld>
+  <p:clrMapOvr>
+    <a:masterClrMapping/>
+  </p:clrMapOvr>
+</p:sld>
+</file>
+
+<file path=ppt/slides/slide31.xml><?xml version="1.0" encoding="utf-8"?>
+<p:sld xmlns:a="http://schemas.openxmlformats.org/drawingml/2006/main" xmlns:r="http://schemas.openxmlformats.org/officeDocument/2006/relationships" xmlns:p="http://schemas.openxmlformats.org/presentationml/2006/main">
+  <p:cSld>
+    <p:spTree>
+      <p:nvGrpSpPr>
+        <p:cNvPr id="1" name=""/>
+        <p:cNvGrpSpPr/>
+        <p:nvPr/>
+      </p:nvGrpSpPr>
+      <p:grpSpPr>
+        <a:xfrm>
+          <a:off x="0" y="0"/>
+          <a:ext cx="0" cy="0"/>
+          <a:chOff x="0" y="0"/>
+          <a:chExt cx="0" cy="0"/>
+        </a:xfrm>
+      </p:grpSpPr>
+      <p:sp>
+        <p:nvSpPr>
+          <p:cNvPr id="2" name="標題 1"/>
+          <p:cNvSpPr>
+            <a:spLocks noGrp="1"/>
+          </p:cNvSpPr>
+          <p:nvPr>
+            <p:ph type="ctrTitle"/>
+          </p:nvPr>
+        </p:nvSpPr>
+        <p:spPr>
+          <a:xfrm>
+            <a:off x="0" y="2130425"/>
+            <a:ext cx="9144000" cy="1470025"/>
+          </a:xfrm>
+          <a:gradFill flip="none" rotWithShape="1">
+            <a:gsLst>
+              <a:gs pos="0">
+                <a:srgbClr val="00B0F0">
+                  <a:shade val="30000"/>
+                  <a:satMod val="115000"/>
+                </a:srgbClr>
+              </a:gs>
+              <a:gs pos="50000">
+                <a:srgbClr val="00B0F0">
+                  <a:shade val="67500"/>
+                  <a:satMod val="115000"/>
+                </a:srgbClr>
+              </a:gs>
+              <a:gs pos="100000">
+                <a:srgbClr val="00B0F0">
+                  <a:shade val="100000"/>
+                  <a:satMod val="115000"/>
+                </a:srgbClr>
+              </a:gs>
+            </a:gsLst>
+            <a:path path="circle">
+              <a:fillToRect t="100000" r="100000"/>
+            </a:path>
+            <a:tileRect l="-100000" b="-100000"/>
+          </a:gradFill>
+        </p:spPr>
+        <p:txBody>
+          <a:bodyPr>
+            <a:normAutofit/>
+          </a:bodyPr>
+          <a:lstStyle/>
+          <a:p>
+            <a:r>
+              <a:rPr lang="en-US" altLang="zh-TW" sz="4800" b="1" dirty="0" smtClean="0">
+                <a:solidFill>
+                  <a:srgbClr val="FFFF00"/>
+                </a:solidFill>
+              </a:rPr>
+              <a:t>2.5 Run H2-Console</a:t>
+            </a:r>
+            <a:endParaRPr lang="zh-TW" altLang="en-US" sz="4800" b="1" dirty="0">
+              <a:solidFill>
+                <a:srgbClr val="FFFF00"/>
+              </a:solidFill>
+            </a:endParaRPr>
+          </a:p>
+        </p:txBody>
+      </p:sp>
+      <p:sp>
+        <p:nvSpPr>
+          <p:cNvPr id="5" name="日期版面配置區 4"/>
+          <p:cNvSpPr>
+            <a:spLocks noGrp="1"/>
+          </p:cNvSpPr>
+          <p:nvPr>
+            <p:ph type="dt" sz="half" idx="10"/>
+          </p:nvPr>
+        </p:nvSpPr>
+        <p:spPr/>
+        <p:txBody>
+          <a:bodyPr/>
+          <a:lstStyle/>
+          <a:p>
+            <a:fld id="{C389EDC9-19E3-47AC-9C57-C6A24DEA81AD}" type="datetime1">
+              <a:rPr lang="zh-TW" altLang="en-US" smtClean="0"/>
+              <a:pPr/>
+              <a:t>2018/10/15</a:t>
+            </a:fld>
+            <a:endParaRPr lang="zh-TW" altLang="en-US"/>
+          </a:p>
+        </p:txBody>
+      </p:sp>
+      <p:sp>
+        <p:nvSpPr>
+          <p:cNvPr id="6" name="投影片編號版面配置區 5"/>
+          <p:cNvSpPr>
+            <a:spLocks noGrp="1"/>
+          </p:cNvSpPr>
+          <p:nvPr>
+            <p:ph type="sldNum" sz="quarter" idx="12"/>
+          </p:nvPr>
+        </p:nvSpPr>
+        <p:spPr/>
+        <p:txBody>
+          <a:bodyPr/>
+          <a:lstStyle/>
+          <a:p>
+            <a:fld id="{E4D7E63D-91F2-4366-A2C4-1B00C9E2590E}" type="slidenum">
+              <a:rPr lang="zh-TW" altLang="en-US" smtClean="0"/>
+              <a:pPr/>
+              <a:t>31</a:t>
+            </a:fld>
+            <a:endParaRPr lang="zh-TW" altLang="en-US"/>
+          </a:p>
+        </p:txBody>
+      </p:sp>
+      <p:pic>
+        <p:nvPicPr>
+          <p:cNvPr id="7" name="Picture 2"/>
+          <p:cNvPicPr>
+            <a:picLocks noChangeAspect="1" noChangeArrowheads="1"/>
+          </p:cNvPicPr>
+          <p:nvPr/>
+        </p:nvPicPr>
+        <p:blipFill>
+          <a:blip r:embed="rId2" cstate="print"/>
+          <a:srcRect/>
+          <a:stretch>
+            <a:fillRect/>
+          </a:stretch>
+        </p:blipFill>
+        <p:spPr bwMode="auto">
+          <a:xfrm>
+            <a:off x="3995936" y="3717032"/>
+            <a:ext cx="792088" cy="704824"/>
+          </a:xfrm>
+          <a:prstGeom prst="rect">
+            <a:avLst/>
+          </a:prstGeom>
+          <a:noFill/>
+          <a:ln w="9525">
+            <a:noFill/>
+            <a:miter lim="800000"/>
+            <a:headEnd/>
+            <a:tailEnd/>
+          </a:ln>
+        </p:spPr>
+      </p:pic>
+    </p:spTree>
+  </p:cSld>
+  <p:clrMapOvr>
+    <a:masterClrMapping/>
+  </p:clrMapOvr>
+</p:sld>
+</file>
+
+<file path=ppt/slides/slide32.xml><?xml version="1.0" encoding="utf-8"?>
+<p:sld xmlns:a="http://schemas.openxmlformats.org/drawingml/2006/main" xmlns:r="http://schemas.openxmlformats.org/officeDocument/2006/relationships" xmlns:p="http://schemas.openxmlformats.org/presentationml/2006/main">
+  <p:cSld>
+    <p:spTree>
+      <p:nvGrpSpPr>
+        <p:cNvPr id="1" name=""/>
+        <p:cNvGrpSpPr/>
+        <p:nvPr/>
+      </p:nvGrpSpPr>
+      <p:grpSpPr>
+        <a:xfrm>
+          <a:off x="0" y="0"/>
+          <a:ext cx="0" cy="0"/>
+          <a:chOff x="0" y="0"/>
+          <a:chExt cx="0" cy="0"/>
+        </a:xfrm>
+      </p:grpSpPr>
+      <p:sp>
+        <p:nvSpPr>
+          <p:cNvPr id="2" name="標題 1"/>
+          <p:cNvSpPr>
+            <a:spLocks noGrp="1"/>
+          </p:cNvSpPr>
+          <p:nvPr>
+            <p:ph type="ctrTitle"/>
+          </p:nvPr>
+        </p:nvSpPr>
+        <p:spPr>
+          <a:xfrm>
+            <a:off x="0" y="1"/>
+            <a:ext cx="9144000" cy="764704"/>
+          </a:xfrm>
+          <a:gradFill flip="none" rotWithShape="1">
+            <a:gsLst>
+              <a:gs pos="0">
+                <a:srgbClr val="C00000">
+                  <a:shade val="30000"/>
+                  <a:satMod val="115000"/>
+                </a:srgbClr>
+              </a:gs>
+              <a:gs pos="50000">
+                <a:srgbClr val="C00000">
+                  <a:shade val="67500"/>
+                  <a:satMod val="115000"/>
+                </a:srgbClr>
+              </a:gs>
+              <a:gs pos="100000">
+                <a:srgbClr val="C00000">
+                  <a:shade val="100000"/>
+                  <a:satMod val="115000"/>
+                </a:srgbClr>
+              </a:gs>
+            </a:gsLst>
+            <a:path path="circle">
+              <a:fillToRect t="100000" r="100000"/>
+            </a:path>
+            <a:tileRect l="-100000" b="-100000"/>
+          </a:gradFill>
+        </p:spPr>
+        <p:txBody>
+          <a:bodyPr/>
+          <a:lstStyle/>
+          <a:p>
+            <a:pPr algn="l"/>
+            <a:r>
+              <a:rPr lang="en-US" altLang="zh-TW" b="1" dirty="0" smtClean="0">
+                <a:solidFill>
+                  <a:srgbClr val="FFFF00"/>
+                </a:solidFill>
+              </a:rPr>
+              <a:t>2.5 Run H2-Console</a:t>
+            </a:r>
+            <a:endParaRPr lang="zh-TW" altLang="en-US" b="1" dirty="0">
+              <a:solidFill>
+                <a:srgbClr val="FFFF00"/>
+              </a:solidFill>
+            </a:endParaRPr>
+          </a:p>
+        </p:txBody>
+      </p:sp>
+      <p:sp>
+        <p:nvSpPr>
+          <p:cNvPr id="3" name="副標題 2"/>
+          <p:cNvSpPr>
+            <a:spLocks noGrp="1"/>
+          </p:cNvSpPr>
+          <p:nvPr>
+            <p:ph type="subTitle" idx="1"/>
+          </p:nvPr>
+        </p:nvSpPr>
+        <p:spPr>
+          <a:xfrm>
+            <a:off x="467544" y="1268760"/>
+            <a:ext cx="8064896" cy="360040"/>
+          </a:xfrm>
+          <a:ln>
+            <a:solidFill>
+              <a:srgbClr val="C00000"/>
+            </a:solidFill>
+          </a:ln>
+        </p:spPr>
+        <p:txBody>
+          <a:bodyPr>
+            <a:noAutofit/>
+          </a:bodyPr>
+          <a:lstStyle/>
+          <a:p>
+            <a:pPr marL="342900" indent="-342900" algn="l">
+              <a:buClr>
+                <a:srgbClr val="0070C0"/>
+              </a:buClr>
+              <a:buSzPct val="80000"/>
+              <a:buFont typeface="Wingdings" pitchFamily="2" charset="2"/>
+              <a:buChar char="u"/>
+            </a:pPr>
+            <a:r>
+              <a:rPr lang="en-US" altLang="zh-TW" dirty="0" smtClean="0"/>
+              <a:t>Click CardatabaseApplication.java, RMB: Run as &gt; Java Application</a:t>
+            </a:r>
+            <a:endParaRPr lang="en-US" altLang="zh-TW" dirty="0" smtClean="0">
+              <a:solidFill>
+                <a:schemeClr val="tx1"/>
+              </a:solidFill>
+            </a:endParaRPr>
+          </a:p>
+        </p:txBody>
+      </p:sp>
+      <p:sp>
+        <p:nvSpPr>
+          <p:cNvPr id="4" name="標題 1"/>
+          <p:cNvSpPr txBox="1">
+            <a:spLocks/>
+          </p:cNvSpPr>
+          <p:nvPr/>
+        </p:nvSpPr>
+        <p:spPr>
+          <a:xfrm>
+            <a:off x="0" y="764704"/>
+            <a:ext cx="9144000" cy="360040"/>
+          </a:xfrm>
+          <a:prstGeom prst="rect">
+            <a:avLst/>
+          </a:prstGeom>
+          <a:gradFill flip="none" rotWithShape="1">
+            <a:gsLst>
+              <a:gs pos="0">
+                <a:srgbClr val="00B0F0">
+                  <a:shade val="30000"/>
+                  <a:satMod val="115000"/>
+                </a:srgbClr>
+              </a:gs>
+              <a:gs pos="50000">
+                <a:srgbClr val="00B0F0">
+                  <a:shade val="67500"/>
+                  <a:satMod val="115000"/>
+                </a:srgbClr>
+              </a:gs>
+              <a:gs pos="100000">
+                <a:srgbClr val="00B0F0">
+                  <a:shade val="100000"/>
+                  <a:satMod val="115000"/>
+                </a:srgbClr>
+              </a:gs>
+            </a:gsLst>
+            <a:path path="circle">
+              <a:fillToRect t="100000" r="100000"/>
+            </a:path>
+            <a:tileRect l="-100000" b="-100000"/>
+          </a:gradFill>
+        </p:spPr>
+        <p:txBody>
+          <a:bodyPr vert="horz" lIns="91440" tIns="45720" rIns="91440" bIns="45720" rtlCol="0" anchor="ctr">
+            <a:normAutofit/>
+          </a:bodyPr>
+          <a:lstStyle/>
+          <a:p>
+            <a:pPr lvl="0">
+              <a:spcBef>
+                <a:spcPct val="0"/>
+              </a:spcBef>
+            </a:pPr>
+            <a:r>
+              <a:rPr lang="en-US" altLang="zh-TW" sz="1600" dirty="0" smtClean="0">
+                <a:latin typeface="+mj-lt"/>
+                <a:ea typeface="+mj-ea"/>
+                <a:cs typeface="+mj-cs"/>
+              </a:rPr>
+              <a:t>https://github.com/PacktPublishing/Hands-On-Full-Stack-Development-with-Spring-Boot-2.0-and-React</a:t>
+            </a:r>
+            <a:endParaRPr kumimoji="0" lang="zh-TW" altLang="en-US" sz="1600" b="0" i="0" u="none" strike="noStrike" kern="1200" cap="none" spc="0" normalizeH="0" baseline="0" noProof="0" dirty="0" smtClean="0">
+              <a:ln>
+                <a:noFill/>
+              </a:ln>
+              <a:solidFill>
+                <a:schemeClr val="tx1"/>
+              </a:solidFill>
+              <a:effectLst/>
+              <a:uLnTx/>
+              <a:uFillTx/>
+              <a:latin typeface="+mj-lt"/>
+              <a:ea typeface="+mj-ea"/>
+              <a:cs typeface="+mj-cs"/>
+            </a:endParaRPr>
+          </a:p>
+        </p:txBody>
+      </p:sp>
+      <p:sp>
+        <p:nvSpPr>
+          <p:cNvPr id="5" name="日期版面配置區 4"/>
+          <p:cNvSpPr>
+            <a:spLocks noGrp="1"/>
+          </p:cNvSpPr>
+          <p:nvPr>
+            <p:ph type="dt" sz="half" idx="10"/>
+          </p:nvPr>
+        </p:nvSpPr>
+        <p:spPr/>
+        <p:txBody>
+          <a:bodyPr/>
+          <a:lstStyle/>
+          <a:p>
+            <a:fld id="{A4F910E6-8D00-4BAF-8C48-9688E0B449D3}" type="datetime1">
+              <a:rPr lang="zh-TW" altLang="en-US" smtClean="0"/>
+              <a:pPr/>
+              <a:t>2018/10/15</a:t>
+            </a:fld>
+            <a:endParaRPr lang="zh-TW" altLang="en-US"/>
+          </a:p>
+        </p:txBody>
+      </p:sp>
+      <p:sp>
+        <p:nvSpPr>
+          <p:cNvPr id="6" name="投影片編號版面配置區 5"/>
+          <p:cNvSpPr>
+            <a:spLocks noGrp="1"/>
+          </p:cNvSpPr>
+          <p:nvPr>
+            <p:ph type="sldNum" sz="quarter" idx="12"/>
+          </p:nvPr>
+        </p:nvSpPr>
+        <p:spPr/>
+        <p:txBody>
+          <a:bodyPr/>
+          <a:lstStyle/>
+          <a:p>
+            <a:fld id="{E4D7E63D-91F2-4366-A2C4-1B00C9E2590E}" type="slidenum">
+              <a:rPr lang="zh-TW" altLang="en-US" smtClean="0"/>
+              <a:pPr/>
+              <a:t>32</a:t>
+            </a:fld>
+            <a:endParaRPr lang="zh-TW" altLang="en-US"/>
+          </a:p>
+        </p:txBody>
+      </p:sp>
+      <p:pic>
+        <p:nvPicPr>
+          <p:cNvPr id="3075" name="Picture 3"/>
+          <p:cNvPicPr>
+            <a:picLocks noChangeAspect="1" noChangeArrowheads="1"/>
+          </p:cNvPicPr>
+          <p:nvPr/>
+        </p:nvPicPr>
+        <p:blipFill>
+          <a:blip r:embed="rId3" cstate="print"/>
+          <a:srcRect/>
+          <a:stretch>
+            <a:fillRect/>
+          </a:stretch>
+        </p:blipFill>
+        <p:spPr bwMode="auto">
+          <a:xfrm>
+            <a:off x="323528" y="1916832"/>
+            <a:ext cx="8522929" cy="2661841"/>
+          </a:xfrm>
+          <a:prstGeom prst="rect">
+            <a:avLst/>
+          </a:prstGeom>
+          <a:noFill/>
+          <a:ln w="9525">
+            <a:solidFill>
+              <a:srgbClr val="C00000"/>
+            </a:solidFill>
+            <a:miter lim="800000"/>
+            <a:headEnd/>
+            <a:tailEnd/>
+          </a:ln>
+        </p:spPr>
+      </p:pic>
+      <p:sp>
+        <p:nvSpPr>
+          <p:cNvPr id="10" name="矩形 9"/>
+          <p:cNvSpPr/>
+          <p:nvPr/>
+        </p:nvSpPr>
+        <p:spPr>
+          <a:xfrm>
+            <a:off x="827584" y="4221088"/>
+            <a:ext cx="1800200" cy="216024"/>
+          </a:xfrm>
+          <a:prstGeom prst="rect">
+            <a:avLst/>
+          </a:prstGeom>
+          <a:noFill/>
+          <a:ln>
+            <a:solidFill>
+              <a:srgbClr val="C00000"/>
+            </a:solidFill>
+          </a:ln>
+        </p:spPr>
+        <p:style>
+          <a:lnRef idx="2">
+            <a:schemeClr val="accent1">
+              <a:shade val="50000"/>
+            </a:schemeClr>
+          </a:lnRef>
+          <a:fillRef idx="1">
+            <a:schemeClr val="accent1"/>
+          </a:fillRef>
+          <a:effectRef idx="0">
+            <a:schemeClr val="accent1"/>
+          </a:effectRef>
+          <a:fontRef idx="minor">
+            <a:schemeClr val="lt1"/>
+          </a:fontRef>
+        </p:style>
+        <p:txBody>
+          <a:bodyPr rtlCol="0" anchor="ctr"/>
+          <a:lstStyle/>
+          <a:p>
+            <a:pPr algn="ctr"/>
+            <a:endParaRPr lang="zh-TW" altLang="en-US"/>
+          </a:p>
+        </p:txBody>
+      </p:sp>
+      <p:sp>
+        <p:nvSpPr>
+          <p:cNvPr id="11" name="矩形 10"/>
+          <p:cNvSpPr/>
+          <p:nvPr/>
+        </p:nvSpPr>
+        <p:spPr>
+          <a:xfrm>
+            <a:off x="3635896" y="2708920"/>
+            <a:ext cx="864096" cy="216024"/>
+          </a:xfrm>
+          <a:prstGeom prst="rect">
+            <a:avLst/>
+          </a:prstGeom>
+          <a:noFill/>
+          <a:ln>
+            <a:solidFill>
+              <a:srgbClr val="C00000"/>
+            </a:solidFill>
+          </a:ln>
+        </p:spPr>
+        <p:style>
+          <a:lnRef idx="2">
+            <a:schemeClr val="accent1">
+              <a:shade val="50000"/>
+            </a:schemeClr>
+          </a:lnRef>
+          <a:fillRef idx="1">
+            <a:schemeClr val="accent1"/>
+          </a:fillRef>
+          <a:effectRef idx="0">
+            <a:schemeClr val="accent1"/>
+          </a:effectRef>
+          <a:fontRef idx="minor">
+            <a:schemeClr val="lt1"/>
+          </a:fontRef>
+        </p:style>
+        <p:txBody>
+          <a:bodyPr rtlCol="0" anchor="ctr"/>
+          <a:lstStyle/>
+          <a:p>
+            <a:pPr algn="ctr"/>
+            <a:endParaRPr lang="zh-TW" altLang="en-US"/>
+          </a:p>
+        </p:txBody>
+      </p:sp>
+      <p:sp>
+        <p:nvSpPr>
+          <p:cNvPr id="12" name="矩形 11"/>
+          <p:cNvSpPr/>
+          <p:nvPr/>
+        </p:nvSpPr>
+        <p:spPr>
+          <a:xfrm>
+            <a:off x="6588224" y="2708920"/>
+            <a:ext cx="2160240" cy="288032"/>
+          </a:xfrm>
+          <a:prstGeom prst="rect">
+            <a:avLst/>
+          </a:prstGeom>
+          <a:noFill/>
+          <a:ln>
+            <a:solidFill>
+              <a:srgbClr val="C00000"/>
+            </a:solidFill>
+          </a:ln>
+        </p:spPr>
+        <p:style>
+          <a:lnRef idx="2">
+            <a:schemeClr val="accent1">
+              <a:shade val="50000"/>
+            </a:schemeClr>
+          </a:lnRef>
+          <a:fillRef idx="1">
+            <a:schemeClr val="accent1"/>
+          </a:fillRef>
+          <a:effectRef idx="0">
+            <a:schemeClr val="accent1"/>
+          </a:effectRef>
+          <a:fontRef idx="minor">
+            <a:schemeClr val="lt1"/>
+          </a:fontRef>
+        </p:style>
+        <p:txBody>
+          <a:bodyPr rtlCol="0" anchor="ctr"/>
+          <a:lstStyle/>
+          <a:p>
+            <a:pPr algn="ctr"/>
+            <a:endParaRPr lang="zh-TW" altLang="en-US"/>
+          </a:p>
+        </p:txBody>
+      </p:sp>
+      <p:cxnSp>
+        <p:nvCxnSpPr>
+          <p:cNvPr id="14" name="直線單箭頭接點 13"/>
+          <p:cNvCxnSpPr>
+            <a:stCxn id="10" idx="3"/>
+            <a:endCxn id="11" idx="1"/>
+          </p:cNvCxnSpPr>
+          <p:nvPr/>
+        </p:nvCxnSpPr>
+        <p:spPr>
+          <a:xfrm flipV="1">
+            <a:off x="2627784" y="2816932"/>
+            <a:ext cx="1008112" cy="1512168"/>
+          </a:xfrm>
+          <a:prstGeom prst="straightConnector1">
+            <a:avLst/>
+          </a:prstGeom>
+          <a:ln>
+            <a:solidFill>
+              <a:srgbClr val="C00000"/>
+            </a:solidFill>
+            <a:headEnd type="none" w="med" len="med"/>
+            <a:tailEnd type="triangle" w="med" len="med"/>
+          </a:ln>
+        </p:spPr>
+        <p:style>
+          <a:lnRef idx="1">
+            <a:schemeClr val="accent1"/>
+          </a:lnRef>
+          <a:fillRef idx="0">
+            <a:schemeClr val="accent1"/>
+          </a:fillRef>
+          <a:effectRef idx="0">
+            <a:schemeClr val="accent1"/>
+          </a:effectRef>
+          <a:fontRef idx="minor">
+            <a:schemeClr val="tx1"/>
+          </a:fontRef>
+        </p:style>
+      </p:cxnSp>
+      <p:cxnSp>
+        <p:nvCxnSpPr>
+          <p:cNvPr id="15" name="直線單箭頭接點 14"/>
+          <p:cNvCxnSpPr>
+            <a:stCxn id="11" idx="3"/>
+            <a:endCxn id="12" idx="1"/>
+          </p:cNvCxnSpPr>
+          <p:nvPr/>
+        </p:nvCxnSpPr>
+        <p:spPr>
+          <a:xfrm>
+            <a:off x="4499992" y="2816932"/>
+            <a:ext cx="2088232" cy="36004"/>
+          </a:xfrm>
+          <a:prstGeom prst="straightConnector1">
+            <a:avLst/>
+          </a:prstGeom>
+          <a:ln>
+            <a:solidFill>
+              <a:srgbClr val="C00000"/>
+            </a:solidFill>
+            <a:headEnd type="none" w="med" len="med"/>
+            <a:tailEnd type="triangle" w="med" len="med"/>
+          </a:ln>
+        </p:spPr>
+        <p:style>
+          <a:lnRef idx="1">
+            <a:schemeClr val="accent1"/>
+          </a:lnRef>
+          <a:fillRef idx="0">
+            <a:schemeClr val="accent1"/>
+          </a:fillRef>
+          <a:effectRef idx="0">
+            <a:schemeClr val="accent1"/>
+          </a:effectRef>
+          <a:fontRef idx="minor">
+            <a:schemeClr val="tx1"/>
+          </a:fontRef>
+        </p:style>
+      </p:cxnSp>
+    </p:spTree>
+  </p:cSld>
+  <p:clrMapOvr>
+    <a:masterClrMapping/>
+  </p:clrMapOvr>
+</p:sld>
+</file>
+
+<file path=ppt/slides/slide33.xml><?xml version="1.0" encoding="utf-8"?>
+<p:sld xmlns:a="http://schemas.openxmlformats.org/drawingml/2006/main" xmlns:r="http://schemas.openxmlformats.org/officeDocument/2006/relationships" xmlns:p="http://schemas.openxmlformats.org/presentationml/2006/main">
+  <p:cSld>
+    <p:spTree>
+      <p:nvGrpSpPr>
+        <p:cNvPr id="1" name=""/>
+        <p:cNvGrpSpPr/>
+        <p:nvPr/>
+      </p:nvGrpSpPr>
+      <p:grpSpPr>
+        <a:xfrm>
+          <a:off x="0" y="0"/>
+          <a:ext cx="0" cy="0"/>
+          <a:chOff x="0" y="0"/>
+          <a:chExt cx="0" cy="0"/>
+        </a:xfrm>
+      </p:grpSpPr>
+      <p:sp>
+        <p:nvSpPr>
+          <p:cNvPr id="2" name="標題 1"/>
+          <p:cNvSpPr>
+            <a:spLocks noGrp="1"/>
+          </p:cNvSpPr>
+          <p:nvPr>
+            <p:ph type="ctrTitle"/>
+          </p:nvPr>
+        </p:nvSpPr>
+        <p:spPr>
+          <a:xfrm>
+            <a:off x="0" y="1"/>
+            <a:ext cx="9144000" cy="764704"/>
+          </a:xfrm>
+          <a:gradFill flip="none" rotWithShape="1">
+            <a:gsLst>
+              <a:gs pos="0">
+                <a:srgbClr val="C00000">
+                  <a:shade val="30000"/>
+                  <a:satMod val="115000"/>
+                </a:srgbClr>
+              </a:gs>
+              <a:gs pos="50000">
+                <a:srgbClr val="C00000">
+                  <a:shade val="67500"/>
+                  <a:satMod val="115000"/>
+                </a:srgbClr>
+              </a:gs>
+              <a:gs pos="100000">
+                <a:srgbClr val="C00000">
+                  <a:shade val="100000"/>
+                  <a:satMod val="115000"/>
+                </a:srgbClr>
+              </a:gs>
+            </a:gsLst>
+            <a:path path="circle">
+              <a:fillToRect t="100000" r="100000"/>
+            </a:path>
+            <a:tileRect l="-100000" b="-100000"/>
+          </a:gradFill>
+        </p:spPr>
+        <p:txBody>
+          <a:bodyPr/>
+          <a:lstStyle/>
+          <a:p>
+            <a:pPr algn="l"/>
+            <a:r>
+              <a:rPr lang="en-US" altLang="zh-TW" b="1" dirty="0" smtClean="0">
+                <a:solidFill>
+                  <a:srgbClr val="FFFF00"/>
+                </a:solidFill>
+              </a:rPr>
+              <a:t>2.5 Run H2-Console</a:t>
+            </a:r>
+            <a:endParaRPr lang="zh-TW" altLang="en-US" b="1" dirty="0">
+              <a:solidFill>
+                <a:srgbClr val="FFFF00"/>
+              </a:solidFill>
+            </a:endParaRPr>
+          </a:p>
+        </p:txBody>
+      </p:sp>
+      <p:sp>
+        <p:nvSpPr>
+          <p:cNvPr id="3" name="副標題 2"/>
+          <p:cNvSpPr>
+            <a:spLocks noGrp="1"/>
+          </p:cNvSpPr>
+          <p:nvPr>
+            <p:ph type="subTitle" idx="1"/>
+          </p:nvPr>
+        </p:nvSpPr>
+        <p:spPr>
+          <a:xfrm>
+            <a:off x="467544" y="1268760"/>
+            <a:ext cx="8064896" cy="288032"/>
+          </a:xfrm>
+          <a:ln>
+            <a:solidFill>
+              <a:srgbClr val="C00000"/>
+            </a:solidFill>
+          </a:ln>
+        </p:spPr>
+        <p:txBody>
+          <a:bodyPr>
+            <a:noAutofit/>
+          </a:bodyPr>
+          <a:lstStyle/>
+          <a:p>
+            <a:pPr marL="342900" indent="-342900" algn="l">
+              <a:buClr>
+                <a:srgbClr val="0070C0"/>
+              </a:buClr>
+              <a:buSzPct val="80000"/>
+              <a:buFont typeface="Wingdings" pitchFamily="2" charset="2"/>
+              <a:buChar char="u"/>
+            </a:pPr>
+            <a:r>
+              <a:rPr lang="en-US" altLang="zh-TW" dirty="0" smtClean="0"/>
+              <a:t>Output:</a:t>
+            </a:r>
+            <a:endParaRPr lang="en-US" altLang="zh-TW" dirty="0" smtClean="0">
+              <a:solidFill>
+                <a:schemeClr val="tx1"/>
+              </a:solidFill>
+            </a:endParaRPr>
+          </a:p>
+        </p:txBody>
+      </p:sp>
+      <p:sp>
+        <p:nvSpPr>
+          <p:cNvPr id="4" name="標題 1"/>
+          <p:cNvSpPr txBox="1">
+            <a:spLocks/>
+          </p:cNvSpPr>
+          <p:nvPr/>
+        </p:nvSpPr>
+        <p:spPr>
+          <a:xfrm>
+            <a:off x="0" y="764704"/>
+            <a:ext cx="9144000" cy="360040"/>
+          </a:xfrm>
+          <a:prstGeom prst="rect">
+            <a:avLst/>
+          </a:prstGeom>
+          <a:gradFill flip="none" rotWithShape="1">
+            <a:gsLst>
+              <a:gs pos="0">
+                <a:srgbClr val="00B0F0">
+                  <a:shade val="30000"/>
+                  <a:satMod val="115000"/>
+                </a:srgbClr>
+              </a:gs>
+              <a:gs pos="50000">
+                <a:srgbClr val="00B0F0">
+                  <a:shade val="67500"/>
+                  <a:satMod val="115000"/>
+                </a:srgbClr>
+              </a:gs>
+              <a:gs pos="100000">
+                <a:srgbClr val="00B0F0">
+                  <a:shade val="100000"/>
+                  <a:satMod val="115000"/>
+                </a:srgbClr>
+              </a:gs>
+            </a:gsLst>
+            <a:path path="circle">
+              <a:fillToRect t="100000" r="100000"/>
+            </a:path>
+            <a:tileRect l="-100000" b="-100000"/>
+          </a:gradFill>
+        </p:spPr>
+        <p:txBody>
+          <a:bodyPr vert="horz" lIns="91440" tIns="45720" rIns="91440" bIns="45720" rtlCol="0" anchor="ctr">
+            <a:normAutofit/>
+          </a:bodyPr>
+          <a:lstStyle/>
+          <a:p>
+            <a:pPr lvl="0">
+              <a:spcBef>
+                <a:spcPct val="0"/>
+              </a:spcBef>
+            </a:pPr>
+            <a:r>
+              <a:rPr lang="en-US" altLang="zh-TW" sz="1600" dirty="0" smtClean="0">
+                <a:latin typeface="+mj-lt"/>
+                <a:ea typeface="+mj-ea"/>
+                <a:cs typeface="+mj-cs"/>
+              </a:rPr>
+              <a:t>https://github.com/PacktPublishing/Hands-On-Full-Stack-Development-with-Spring-Boot-2.0-and-React</a:t>
+            </a:r>
+            <a:endParaRPr kumimoji="0" lang="zh-TW" altLang="en-US" sz="1600" b="0" i="0" u="none" strike="noStrike" kern="1200" cap="none" spc="0" normalizeH="0" baseline="0" noProof="0" dirty="0" smtClean="0">
+              <a:ln>
+                <a:noFill/>
+              </a:ln>
+              <a:solidFill>
+                <a:schemeClr val="tx1"/>
+              </a:solidFill>
+              <a:effectLst/>
+              <a:uLnTx/>
+              <a:uFillTx/>
+              <a:latin typeface="+mj-lt"/>
+              <a:ea typeface="+mj-ea"/>
+              <a:cs typeface="+mj-cs"/>
+            </a:endParaRPr>
+          </a:p>
+        </p:txBody>
+      </p:sp>
+      <p:sp>
+        <p:nvSpPr>
+          <p:cNvPr id="5" name="日期版面配置區 4"/>
+          <p:cNvSpPr>
+            <a:spLocks noGrp="1"/>
+          </p:cNvSpPr>
+          <p:nvPr>
+            <p:ph type="dt" sz="half" idx="10"/>
+          </p:nvPr>
+        </p:nvSpPr>
+        <p:spPr/>
+        <p:txBody>
+          <a:bodyPr/>
+          <a:lstStyle/>
+          <a:p>
+            <a:fld id="{A4F910E6-8D00-4BAF-8C48-9688E0B449D3}" type="datetime1">
+              <a:rPr lang="zh-TW" altLang="en-US" smtClean="0"/>
+              <a:pPr/>
+              <a:t>2018/10/15</a:t>
+            </a:fld>
+            <a:endParaRPr lang="zh-TW" altLang="en-US"/>
+          </a:p>
+        </p:txBody>
+      </p:sp>
+      <p:sp>
+        <p:nvSpPr>
+          <p:cNvPr id="6" name="投影片編號版面配置區 5"/>
+          <p:cNvSpPr>
+            <a:spLocks noGrp="1"/>
+          </p:cNvSpPr>
+          <p:nvPr>
+            <p:ph type="sldNum" sz="quarter" idx="12"/>
+          </p:nvPr>
+        </p:nvSpPr>
+        <p:spPr/>
+        <p:txBody>
+          <a:bodyPr/>
+          <a:lstStyle/>
+          <a:p>
+            <a:fld id="{E4D7E63D-91F2-4366-A2C4-1B00C9E2590E}" type="slidenum">
+              <a:rPr lang="zh-TW" altLang="en-US" smtClean="0"/>
+              <a:pPr/>
+              <a:t>33</a:t>
+            </a:fld>
+            <a:endParaRPr lang="zh-TW" altLang="en-US"/>
+          </a:p>
+        </p:txBody>
+      </p:sp>
+      <p:pic>
+        <p:nvPicPr>
+          <p:cNvPr id="3074" name="Picture 2"/>
+          <p:cNvPicPr>
+            <a:picLocks noChangeAspect="1" noChangeArrowheads="1"/>
+          </p:cNvPicPr>
+          <p:nvPr/>
+        </p:nvPicPr>
+        <p:blipFill>
+          <a:blip r:embed="rId3" cstate="print"/>
+          <a:srcRect/>
+          <a:stretch>
+            <a:fillRect/>
+          </a:stretch>
+        </p:blipFill>
+        <p:spPr bwMode="auto">
+          <a:xfrm>
+            <a:off x="539552" y="1772816"/>
+            <a:ext cx="7937389" cy="3883755"/>
+          </a:xfrm>
+          <a:prstGeom prst="rect">
+            <a:avLst/>
+          </a:prstGeom>
+          <a:noFill/>
+          <a:ln w="9525">
+            <a:solidFill>
+              <a:srgbClr val="C00000"/>
+            </a:solidFill>
+            <a:miter lim="800000"/>
+            <a:headEnd/>
+            <a:tailEnd/>
+          </a:ln>
+        </p:spPr>
+      </p:pic>
+    </p:spTree>
+  </p:cSld>
+  <p:clrMapOvr>
+    <a:masterClrMapping/>
+  </p:clrMapOvr>
+</p:sld>
+</file>
+
+<file path=ppt/slides/slide34.xml><?xml version="1.0" encoding="utf-8"?>
+<p:sld xmlns:a="http://schemas.openxmlformats.org/drawingml/2006/main" xmlns:r="http://schemas.openxmlformats.org/officeDocument/2006/relationships" xmlns:p="http://schemas.openxmlformats.org/presentationml/2006/main">
+  <p:cSld>
+    <p:spTree>
+      <p:nvGrpSpPr>
+        <p:cNvPr id="1" name=""/>
+        <p:cNvGrpSpPr/>
+        <p:nvPr/>
+      </p:nvGrpSpPr>
+      <p:grpSpPr>
+        <a:xfrm>
+          <a:off x="0" y="0"/>
+          <a:ext cx="0" cy="0"/>
+          <a:chOff x="0" y="0"/>
+          <a:chExt cx="0" cy="0"/>
+        </a:xfrm>
+      </p:grpSpPr>
+      <p:sp>
+        <p:nvSpPr>
+          <p:cNvPr id="2" name="標題 1"/>
+          <p:cNvSpPr>
+            <a:spLocks noGrp="1"/>
+          </p:cNvSpPr>
+          <p:nvPr>
+            <p:ph type="ctrTitle"/>
+          </p:nvPr>
+        </p:nvSpPr>
+        <p:spPr>
+          <a:xfrm>
+            <a:off x="0" y="1"/>
+            <a:ext cx="9144000" cy="764704"/>
+          </a:xfrm>
+          <a:gradFill flip="none" rotWithShape="1">
+            <a:gsLst>
+              <a:gs pos="0">
+                <a:srgbClr val="C00000">
+                  <a:shade val="30000"/>
+                  <a:satMod val="115000"/>
+                </a:srgbClr>
+              </a:gs>
+              <a:gs pos="50000">
+                <a:srgbClr val="C00000">
+                  <a:shade val="67500"/>
+                  <a:satMod val="115000"/>
+                </a:srgbClr>
+              </a:gs>
+              <a:gs pos="100000">
+                <a:srgbClr val="C00000">
+                  <a:shade val="100000"/>
+                  <a:satMod val="115000"/>
+                </a:srgbClr>
+              </a:gs>
+            </a:gsLst>
+            <a:path path="circle">
+              <a:fillToRect t="100000" r="100000"/>
+            </a:path>
+            <a:tileRect l="-100000" b="-100000"/>
+          </a:gradFill>
+        </p:spPr>
+        <p:txBody>
+          <a:bodyPr/>
+          <a:lstStyle/>
+          <a:p>
+            <a:pPr algn="l"/>
+            <a:r>
+              <a:rPr lang="en-US" altLang="zh-TW" b="1" dirty="0" smtClean="0">
+                <a:solidFill>
+                  <a:srgbClr val="FFFF00"/>
+                </a:solidFill>
+              </a:rPr>
+              <a:t>2.5 Run H2-Console</a:t>
+            </a:r>
+            <a:endParaRPr lang="zh-TW" altLang="en-US" b="1" dirty="0">
+              <a:solidFill>
+                <a:srgbClr val="FFFF00"/>
+              </a:solidFill>
+            </a:endParaRPr>
+          </a:p>
+        </p:txBody>
+      </p:sp>
+      <p:sp>
+        <p:nvSpPr>
+          <p:cNvPr id="3" name="副標題 2"/>
+          <p:cNvSpPr>
+            <a:spLocks noGrp="1"/>
+          </p:cNvSpPr>
+          <p:nvPr>
+            <p:ph type="subTitle" idx="1"/>
+          </p:nvPr>
+        </p:nvSpPr>
+        <p:spPr>
+          <a:xfrm>
+            <a:off x="467544" y="1268760"/>
+            <a:ext cx="8064896" cy="648072"/>
+          </a:xfrm>
+          <a:ln>
+            <a:solidFill>
+              <a:srgbClr val="C00000"/>
+            </a:solidFill>
+          </a:ln>
+        </p:spPr>
+        <p:txBody>
+          <a:bodyPr>
+            <a:noAutofit/>
+          </a:bodyPr>
+          <a:lstStyle/>
+          <a:p>
+            <a:pPr marL="342900" indent="-342900" algn="l">
+              <a:buClr>
+                <a:srgbClr val="0070C0"/>
+              </a:buClr>
+              <a:buSzPct val="80000"/>
+              <a:buFont typeface="Wingdings" pitchFamily="2" charset="2"/>
+              <a:buChar char="u"/>
+            </a:pPr>
+            <a:r>
+              <a:rPr lang="en-US" altLang="zh-TW" dirty="0" smtClean="0"/>
+              <a:t>Open chrome. Enter “localhost:8080/h2-console”</a:t>
+            </a:r>
+          </a:p>
+          <a:p>
+            <a:pPr marL="342900" indent="-342900" algn="l">
+              <a:buClr>
+                <a:srgbClr val="0070C0"/>
+              </a:buClr>
+              <a:buSzPct val="80000"/>
+              <a:buFont typeface="Wingdings" pitchFamily="2" charset="2"/>
+              <a:buChar char="u"/>
+            </a:pPr>
+            <a:r>
+              <a:rPr lang="en-US" altLang="zh-TW" dirty="0" smtClean="0">
+                <a:solidFill>
+                  <a:schemeClr val="tx1"/>
+                </a:solidFill>
+              </a:rPr>
+              <a:t>Click “Connect”  to display h2-database</a:t>
+            </a:r>
+            <a:endParaRPr lang="en-US" altLang="zh-TW" dirty="0" smtClean="0">
+              <a:solidFill>
+                <a:schemeClr val="tx1"/>
+              </a:solidFill>
+            </a:endParaRPr>
+          </a:p>
+        </p:txBody>
+      </p:sp>
+      <p:sp>
+        <p:nvSpPr>
+          <p:cNvPr id="4" name="標題 1"/>
+          <p:cNvSpPr txBox="1">
+            <a:spLocks/>
+          </p:cNvSpPr>
+          <p:nvPr/>
+        </p:nvSpPr>
+        <p:spPr>
+          <a:xfrm>
+            <a:off x="0" y="764704"/>
+            <a:ext cx="9144000" cy="360040"/>
+          </a:xfrm>
+          <a:prstGeom prst="rect">
+            <a:avLst/>
+          </a:prstGeom>
+          <a:gradFill flip="none" rotWithShape="1">
+            <a:gsLst>
+              <a:gs pos="0">
+                <a:srgbClr val="00B0F0">
+                  <a:shade val="30000"/>
+                  <a:satMod val="115000"/>
+                </a:srgbClr>
+              </a:gs>
+              <a:gs pos="50000">
+                <a:srgbClr val="00B0F0">
+                  <a:shade val="67500"/>
+                  <a:satMod val="115000"/>
+                </a:srgbClr>
+              </a:gs>
+              <a:gs pos="100000">
+                <a:srgbClr val="00B0F0">
+                  <a:shade val="100000"/>
+                  <a:satMod val="115000"/>
+                </a:srgbClr>
+              </a:gs>
+            </a:gsLst>
+            <a:path path="circle">
+              <a:fillToRect t="100000" r="100000"/>
+            </a:path>
+            <a:tileRect l="-100000" b="-100000"/>
+          </a:gradFill>
+        </p:spPr>
+        <p:txBody>
+          <a:bodyPr vert="horz" lIns="91440" tIns="45720" rIns="91440" bIns="45720" rtlCol="0" anchor="ctr">
+            <a:normAutofit/>
+          </a:bodyPr>
+          <a:lstStyle/>
+          <a:p>
+            <a:pPr lvl="0">
+              <a:spcBef>
+                <a:spcPct val="0"/>
+              </a:spcBef>
+            </a:pPr>
+            <a:r>
+              <a:rPr lang="en-US" altLang="zh-TW" sz="1600" dirty="0" smtClean="0">
+                <a:latin typeface="+mj-lt"/>
+                <a:ea typeface="+mj-ea"/>
+                <a:cs typeface="+mj-cs"/>
+              </a:rPr>
+              <a:t>https://github.com/PacktPublishing/Hands-On-Full-Stack-Development-with-Spring-Boot-2.0-and-React</a:t>
+            </a:r>
+            <a:endParaRPr kumimoji="0" lang="zh-TW" altLang="en-US" sz="1600" b="0" i="0" u="none" strike="noStrike" kern="1200" cap="none" spc="0" normalizeH="0" baseline="0" noProof="0" dirty="0" smtClean="0">
+              <a:ln>
+                <a:noFill/>
+              </a:ln>
+              <a:solidFill>
+                <a:schemeClr val="tx1"/>
+              </a:solidFill>
+              <a:effectLst/>
+              <a:uLnTx/>
+              <a:uFillTx/>
+              <a:latin typeface="+mj-lt"/>
+              <a:ea typeface="+mj-ea"/>
+              <a:cs typeface="+mj-cs"/>
+            </a:endParaRPr>
+          </a:p>
+        </p:txBody>
+      </p:sp>
+      <p:sp>
+        <p:nvSpPr>
+          <p:cNvPr id="5" name="日期版面配置區 4"/>
+          <p:cNvSpPr>
+            <a:spLocks noGrp="1"/>
+          </p:cNvSpPr>
+          <p:nvPr>
+            <p:ph type="dt" sz="half" idx="10"/>
+          </p:nvPr>
+        </p:nvSpPr>
+        <p:spPr/>
+        <p:txBody>
+          <a:bodyPr/>
+          <a:lstStyle/>
+          <a:p>
+            <a:fld id="{A4F910E6-8D00-4BAF-8C48-9688E0B449D3}" type="datetime1">
+              <a:rPr lang="zh-TW" altLang="en-US" smtClean="0"/>
+              <a:pPr/>
+              <a:t>2018/10/15</a:t>
+            </a:fld>
+            <a:endParaRPr lang="zh-TW" altLang="en-US"/>
+          </a:p>
+        </p:txBody>
+      </p:sp>
+      <p:sp>
+        <p:nvSpPr>
+          <p:cNvPr id="6" name="投影片編號版面配置區 5"/>
+          <p:cNvSpPr>
+            <a:spLocks noGrp="1"/>
+          </p:cNvSpPr>
+          <p:nvPr>
+            <p:ph type="sldNum" sz="quarter" idx="12"/>
+          </p:nvPr>
+        </p:nvSpPr>
+        <p:spPr/>
+        <p:txBody>
+          <a:bodyPr/>
+          <a:lstStyle/>
+          <a:p>
+            <a:fld id="{E4D7E63D-91F2-4366-A2C4-1B00C9E2590E}" type="slidenum">
+              <a:rPr lang="zh-TW" altLang="en-US" smtClean="0"/>
+              <a:pPr/>
+              <a:t>34</a:t>
+            </a:fld>
+            <a:endParaRPr lang="zh-TW" altLang="en-US"/>
+          </a:p>
+        </p:txBody>
+      </p:sp>
+      <p:pic>
+        <p:nvPicPr>
+          <p:cNvPr id="1026" name="Picture 2"/>
+          <p:cNvPicPr>
+            <a:picLocks noChangeAspect="1" noChangeArrowheads="1"/>
+          </p:cNvPicPr>
+          <p:nvPr/>
+        </p:nvPicPr>
+        <p:blipFill>
+          <a:blip r:embed="rId3" cstate="print"/>
+          <a:srcRect/>
+          <a:stretch>
+            <a:fillRect/>
+          </a:stretch>
+        </p:blipFill>
+        <p:spPr bwMode="auto">
+          <a:xfrm>
+            <a:off x="539553" y="2204865"/>
+            <a:ext cx="3816424" cy="3439666"/>
+          </a:xfrm>
+          <a:prstGeom prst="rect">
+            <a:avLst/>
+          </a:prstGeom>
+          <a:noFill/>
+          <a:ln w="9525">
+            <a:solidFill>
+              <a:srgbClr val="C00000"/>
+            </a:solidFill>
+            <a:miter lim="800000"/>
+            <a:headEnd/>
+            <a:tailEnd/>
+          </a:ln>
+        </p:spPr>
+      </p:pic>
+      <p:pic>
+        <p:nvPicPr>
+          <p:cNvPr id="1027" name="Picture 3"/>
+          <p:cNvPicPr>
+            <a:picLocks noChangeAspect="1" noChangeArrowheads="1"/>
+          </p:cNvPicPr>
+          <p:nvPr/>
+        </p:nvPicPr>
+        <p:blipFill>
+          <a:blip r:embed="rId4" cstate="print"/>
+          <a:srcRect/>
+          <a:stretch>
+            <a:fillRect/>
+          </a:stretch>
+        </p:blipFill>
+        <p:spPr bwMode="auto">
+          <a:xfrm>
+            <a:off x="4427984" y="2204864"/>
+            <a:ext cx="3909092" cy="3508673"/>
+          </a:xfrm>
+          <a:prstGeom prst="rect">
+            <a:avLst/>
+          </a:prstGeom>
+          <a:noFill/>
+          <a:ln w="9525">
+            <a:solidFill>
+              <a:srgbClr val="C00000"/>
+            </a:solidFill>
+            <a:miter lim="800000"/>
+            <a:headEnd/>
+            <a:tailEnd/>
+          </a:ln>
+        </p:spPr>
+      </p:pic>
+    </p:spTree>
+  </p:cSld>
+  <p:clrMapOvr>
+    <a:masterClrMapping/>
+  </p:clrMapOvr>
+</p:sld>
+</file>
+
+<file path=ppt/slides/slide35.xml><?xml version="1.0" encoding="utf-8"?>
+<p:sld xmlns:a="http://schemas.openxmlformats.org/drawingml/2006/main" xmlns:r="http://schemas.openxmlformats.org/officeDocument/2006/relationships" xmlns:p="http://schemas.openxmlformats.org/presentationml/2006/main">
+  <p:cSld>
+    <p:spTree>
+      <p:nvGrpSpPr>
+        <p:cNvPr id="1" name=""/>
+        <p:cNvGrpSpPr/>
+        <p:nvPr/>
+      </p:nvGrpSpPr>
+      <p:grpSpPr>
+        <a:xfrm>
+          <a:off x="0" y="0"/>
+          <a:ext cx="0" cy="0"/>
+          <a:chOff x="0" y="0"/>
+          <a:chExt cx="0" cy="0"/>
+        </a:xfrm>
+      </p:grpSpPr>
+      <p:sp>
+        <p:nvSpPr>
+          <p:cNvPr id="2" name="標題 1"/>
+          <p:cNvSpPr>
+            <a:spLocks noGrp="1"/>
+          </p:cNvSpPr>
+          <p:nvPr>
+            <p:ph type="ctrTitle"/>
+          </p:nvPr>
+        </p:nvSpPr>
+        <p:spPr>
+          <a:xfrm>
+            <a:off x="0" y="1"/>
+            <a:ext cx="9144000" cy="764704"/>
+          </a:xfrm>
+          <a:gradFill flip="none" rotWithShape="1">
+            <a:gsLst>
+              <a:gs pos="0">
+                <a:srgbClr val="C00000">
+                  <a:shade val="30000"/>
+                  <a:satMod val="115000"/>
+                </a:srgbClr>
+              </a:gs>
+              <a:gs pos="50000">
+                <a:srgbClr val="C00000">
+                  <a:shade val="67500"/>
+                  <a:satMod val="115000"/>
+                </a:srgbClr>
+              </a:gs>
+              <a:gs pos="100000">
+                <a:srgbClr val="C00000">
+                  <a:shade val="100000"/>
+                  <a:satMod val="115000"/>
+                </a:srgbClr>
+              </a:gs>
+            </a:gsLst>
+            <a:path path="circle">
+              <a:fillToRect t="100000" r="100000"/>
+            </a:path>
+            <a:tileRect l="-100000" b="-100000"/>
+          </a:gradFill>
+        </p:spPr>
+        <p:txBody>
+          <a:bodyPr/>
+          <a:lstStyle/>
+          <a:p>
+            <a:pPr algn="l"/>
+            <a:r>
+              <a:rPr lang="en-US" altLang="zh-TW" b="1" dirty="0" smtClean="0">
+                <a:solidFill>
+                  <a:srgbClr val="FFFF00"/>
+                </a:solidFill>
+              </a:rPr>
+              <a:t>2.5 Run H2-Console</a:t>
+            </a:r>
+            <a:endParaRPr lang="zh-TW" altLang="en-US" b="1" dirty="0">
+              <a:solidFill>
+                <a:srgbClr val="FFFF00"/>
+              </a:solidFill>
+            </a:endParaRPr>
+          </a:p>
+        </p:txBody>
+      </p:sp>
+      <p:sp>
+        <p:nvSpPr>
+          <p:cNvPr id="3" name="副標題 2"/>
+          <p:cNvSpPr>
+            <a:spLocks noGrp="1"/>
+          </p:cNvSpPr>
+          <p:nvPr>
+            <p:ph type="subTitle" idx="1"/>
+          </p:nvPr>
+        </p:nvSpPr>
+        <p:spPr>
+          <a:xfrm>
+            <a:off x="467544" y="1268760"/>
+            <a:ext cx="3816424" cy="360040"/>
+          </a:xfrm>
+          <a:ln>
+            <a:solidFill>
+              <a:srgbClr val="C00000"/>
+            </a:solidFill>
+          </a:ln>
+        </p:spPr>
+        <p:txBody>
+          <a:bodyPr>
+            <a:noAutofit/>
+          </a:bodyPr>
+          <a:lstStyle/>
+          <a:p>
+            <a:pPr marL="342900" indent="-342900" algn="l">
+              <a:buClr>
+                <a:srgbClr val="0070C0"/>
+              </a:buClr>
+              <a:buSzPct val="80000"/>
+              <a:buFont typeface="Wingdings" pitchFamily="2" charset="2"/>
+              <a:buChar char="u"/>
+            </a:pPr>
+            <a:r>
+              <a:rPr lang="en-US" altLang="zh-TW" dirty="0" smtClean="0"/>
+              <a:t>Select * from car</a:t>
+            </a:r>
+            <a:endParaRPr lang="en-US" altLang="zh-TW" dirty="0" smtClean="0">
+              <a:solidFill>
+                <a:schemeClr val="tx1"/>
+              </a:solidFill>
+            </a:endParaRPr>
+          </a:p>
+        </p:txBody>
+      </p:sp>
+      <p:sp>
+        <p:nvSpPr>
+          <p:cNvPr id="4" name="標題 1"/>
+          <p:cNvSpPr txBox="1">
+            <a:spLocks/>
+          </p:cNvSpPr>
+          <p:nvPr/>
+        </p:nvSpPr>
+        <p:spPr>
+          <a:xfrm>
+            <a:off x="0" y="764704"/>
+            <a:ext cx="9144000" cy="360040"/>
+          </a:xfrm>
+          <a:prstGeom prst="rect">
+            <a:avLst/>
+          </a:prstGeom>
+          <a:gradFill flip="none" rotWithShape="1">
+            <a:gsLst>
+              <a:gs pos="0">
+                <a:srgbClr val="00B0F0">
+                  <a:shade val="30000"/>
+                  <a:satMod val="115000"/>
+                </a:srgbClr>
+              </a:gs>
+              <a:gs pos="50000">
+                <a:srgbClr val="00B0F0">
+                  <a:shade val="67500"/>
+                  <a:satMod val="115000"/>
+                </a:srgbClr>
+              </a:gs>
+              <a:gs pos="100000">
+                <a:srgbClr val="00B0F0">
+                  <a:shade val="100000"/>
+                  <a:satMod val="115000"/>
+                </a:srgbClr>
+              </a:gs>
+            </a:gsLst>
+            <a:path path="circle">
+              <a:fillToRect t="100000" r="100000"/>
+            </a:path>
+            <a:tileRect l="-100000" b="-100000"/>
+          </a:gradFill>
+        </p:spPr>
+        <p:txBody>
+          <a:bodyPr vert="horz" lIns="91440" tIns="45720" rIns="91440" bIns="45720" rtlCol="0" anchor="ctr">
+            <a:normAutofit/>
+          </a:bodyPr>
+          <a:lstStyle/>
+          <a:p>
+            <a:pPr lvl="0">
+              <a:spcBef>
+                <a:spcPct val="0"/>
+              </a:spcBef>
+            </a:pPr>
+            <a:r>
+              <a:rPr lang="en-US" altLang="zh-TW" sz="1600" dirty="0" smtClean="0">
+                <a:latin typeface="+mj-lt"/>
+                <a:ea typeface="+mj-ea"/>
+                <a:cs typeface="+mj-cs"/>
+              </a:rPr>
+              <a:t>https://github.com/PacktPublishing/Hands-On-Full-Stack-Development-with-Spring-Boot-2.0-and-React</a:t>
+            </a:r>
+            <a:endParaRPr kumimoji="0" lang="zh-TW" altLang="en-US" sz="1600" b="0" i="0" u="none" strike="noStrike" kern="1200" cap="none" spc="0" normalizeH="0" baseline="0" noProof="0" dirty="0" smtClean="0">
+              <a:ln>
+                <a:noFill/>
+              </a:ln>
+              <a:solidFill>
+                <a:schemeClr val="tx1"/>
+              </a:solidFill>
+              <a:effectLst/>
+              <a:uLnTx/>
+              <a:uFillTx/>
+              <a:latin typeface="+mj-lt"/>
+              <a:ea typeface="+mj-ea"/>
+              <a:cs typeface="+mj-cs"/>
+            </a:endParaRPr>
+          </a:p>
+        </p:txBody>
+      </p:sp>
+      <p:sp>
+        <p:nvSpPr>
+          <p:cNvPr id="5" name="日期版面配置區 4"/>
+          <p:cNvSpPr>
+            <a:spLocks noGrp="1"/>
+          </p:cNvSpPr>
+          <p:nvPr>
+            <p:ph type="dt" sz="half" idx="10"/>
+          </p:nvPr>
+        </p:nvSpPr>
+        <p:spPr/>
+        <p:txBody>
+          <a:bodyPr/>
+          <a:lstStyle/>
+          <a:p>
+            <a:fld id="{A4F910E6-8D00-4BAF-8C48-9688E0B449D3}" type="datetime1">
+              <a:rPr lang="zh-TW" altLang="en-US" smtClean="0"/>
+              <a:pPr/>
+              <a:t>2018/10/15</a:t>
+            </a:fld>
+            <a:endParaRPr lang="zh-TW" altLang="en-US"/>
+          </a:p>
+        </p:txBody>
+      </p:sp>
+      <p:sp>
+        <p:nvSpPr>
+          <p:cNvPr id="6" name="投影片編號版面配置區 5"/>
+          <p:cNvSpPr>
+            <a:spLocks noGrp="1"/>
+          </p:cNvSpPr>
+          <p:nvPr>
+            <p:ph type="sldNum" sz="quarter" idx="12"/>
+          </p:nvPr>
+        </p:nvSpPr>
+        <p:spPr/>
+        <p:txBody>
+          <a:bodyPr/>
+          <a:lstStyle/>
+          <a:p>
+            <a:fld id="{E4D7E63D-91F2-4366-A2C4-1B00C9E2590E}" type="slidenum">
+              <a:rPr lang="zh-TW" altLang="en-US" smtClean="0"/>
+              <a:pPr/>
+              <a:t>35</a:t>
+            </a:fld>
+            <a:endParaRPr lang="zh-TW" altLang="en-US"/>
+          </a:p>
+        </p:txBody>
+      </p:sp>
+      <p:pic>
+        <p:nvPicPr>
+          <p:cNvPr id="2050" name="Picture 2"/>
+          <p:cNvPicPr>
+            <a:picLocks noChangeAspect="1" noChangeArrowheads="1"/>
+          </p:cNvPicPr>
+          <p:nvPr/>
+        </p:nvPicPr>
+        <p:blipFill>
+          <a:blip r:embed="rId3" cstate="print"/>
+          <a:srcRect/>
+          <a:stretch>
+            <a:fillRect/>
+          </a:stretch>
+        </p:blipFill>
+        <p:spPr bwMode="auto">
+          <a:xfrm>
+            <a:off x="467544" y="1772816"/>
+            <a:ext cx="3732768" cy="2448271"/>
+          </a:xfrm>
+          <a:prstGeom prst="rect">
+            <a:avLst/>
+          </a:prstGeom>
+          <a:noFill/>
+          <a:ln w="9525">
+            <a:solidFill>
+              <a:srgbClr val="C00000"/>
+            </a:solidFill>
+            <a:miter lim="800000"/>
+            <a:headEnd/>
+            <a:tailEnd/>
+          </a:ln>
+        </p:spPr>
+      </p:pic>
+      <p:pic>
+        <p:nvPicPr>
+          <p:cNvPr id="2051" name="Picture 3"/>
+          <p:cNvPicPr>
+            <a:picLocks noChangeAspect="1" noChangeArrowheads="1"/>
+          </p:cNvPicPr>
+          <p:nvPr/>
+        </p:nvPicPr>
+        <p:blipFill>
+          <a:blip r:embed="rId4" cstate="print"/>
+          <a:srcRect/>
+          <a:stretch>
+            <a:fillRect/>
+          </a:stretch>
+        </p:blipFill>
+        <p:spPr bwMode="auto">
+          <a:xfrm>
+            <a:off x="4572000" y="1772816"/>
+            <a:ext cx="3786359" cy="2381821"/>
+          </a:xfrm>
+          <a:prstGeom prst="rect">
+            <a:avLst/>
+          </a:prstGeom>
+          <a:noFill/>
+          <a:ln w="9525">
+            <a:solidFill>
+              <a:srgbClr val="C00000"/>
+            </a:solidFill>
+            <a:miter lim="800000"/>
+            <a:headEnd/>
+            <a:tailEnd/>
+          </a:ln>
+        </p:spPr>
+      </p:pic>
+      <p:sp>
+        <p:nvSpPr>
+          <p:cNvPr id="11" name="副標題 2"/>
+          <p:cNvSpPr txBox="1">
+            <a:spLocks/>
+          </p:cNvSpPr>
+          <p:nvPr/>
+        </p:nvSpPr>
+        <p:spPr>
+          <a:xfrm>
+            <a:off x="4572000" y="1268760"/>
+            <a:ext cx="3816424" cy="360040"/>
+          </a:xfrm>
+          <a:prstGeom prst="rect">
+            <a:avLst/>
+          </a:prstGeom>
+          <a:ln>
+            <a:solidFill>
+              <a:srgbClr val="C00000"/>
+            </a:solidFill>
+          </a:ln>
+        </p:spPr>
+        <p:txBody>
+          <a:bodyPr vert="horz" lIns="91440" tIns="45720" rIns="91440" bIns="45720" rtlCol="0">
+            <a:noAutofit/>
+          </a:bodyPr>
+          <a:lstStyle/>
+          <a:p>
+            <a:pPr marL="342900" marR="0" lvl="0" indent="-342900" algn="l" defTabSz="914400" rtl="0" eaLnBrk="1" fontAlgn="auto" latinLnBrk="0" hangingPunct="1">
+              <a:lnSpc>
+                <a:spcPct val="100000"/>
+              </a:lnSpc>
+              <a:spcBef>
+                <a:spcPct val="20000"/>
+              </a:spcBef>
+              <a:spcAft>
+                <a:spcPts val="0"/>
+              </a:spcAft>
+              <a:buClr>
+                <a:srgbClr val="0070C0"/>
+              </a:buClr>
+              <a:buSzPct val="80000"/>
+              <a:buFont typeface="Wingdings" pitchFamily="2" charset="2"/>
+              <a:buChar char="u"/>
+              <a:tabLst/>
+              <a:defRPr/>
+            </a:pPr>
+            <a:r>
+              <a:rPr kumimoji="0" lang="en-US" altLang="zh-TW" sz="1800" b="0" i="0" u="none" strike="noStrike" kern="1200" cap="none" spc="0" normalizeH="0" baseline="0" noProof="0" dirty="0" smtClean="0">
+                <a:ln>
+                  <a:noFill/>
+                </a:ln>
+                <a:solidFill>
+                  <a:schemeClr val="tx1"/>
+                </a:solidFill>
+                <a:effectLst/>
+                <a:uLnTx/>
+                <a:uFillTx/>
+                <a:latin typeface="+mj-lt"/>
+                <a:ea typeface="+mn-ea"/>
+                <a:cs typeface="+mn-cs"/>
+              </a:rPr>
+              <a:t>Select * from owner</a:t>
+            </a:r>
+          </a:p>
+        </p:txBody>
+      </p:sp>
+    </p:spTree>
+  </p:cSld>
+  <p:clrMapOvr>
+    <a:masterClrMapping/>
+  </p:clrMapOvr>
+</p:sld>
+</file>
+
+<file path=ppt/slides/slide36.xml><?xml version="1.0" encoding="utf-8"?>
+<p:sld xmlns:a="http://schemas.openxmlformats.org/drawingml/2006/main" xmlns:r="http://schemas.openxmlformats.org/officeDocument/2006/relationships" xmlns:p="http://schemas.openxmlformats.org/presentationml/2006/main">
+  <p:cSld>
+    <p:spTree>
+      <p:nvGrpSpPr>
+        <p:cNvPr id="1" name=""/>
+        <p:cNvGrpSpPr/>
+        <p:nvPr/>
+      </p:nvGrpSpPr>
+      <p:grpSpPr>
+        <a:xfrm>
+          <a:off x="0" y="0"/>
+          <a:ext cx="0" cy="0"/>
+          <a:chOff x="0" y="0"/>
+          <a:chExt cx="0" cy="0"/>
+        </a:xfrm>
+      </p:grpSpPr>
+      <p:sp>
+        <p:nvSpPr>
+          <p:cNvPr id="2" name="標題 1"/>
+          <p:cNvSpPr>
+            <a:spLocks noGrp="1"/>
+          </p:cNvSpPr>
+          <p:nvPr>
+            <p:ph type="ctrTitle"/>
+          </p:nvPr>
+        </p:nvSpPr>
+        <p:spPr>
+          <a:xfrm>
+            <a:off x="0" y="2130425"/>
+            <a:ext cx="9144000" cy="1470025"/>
+          </a:xfrm>
+          <a:gradFill flip="none" rotWithShape="1">
+            <a:gsLst>
+              <a:gs pos="0">
+                <a:srgbClr val="00B0F0">
+                  <a:shade val="30000"/>
+                  <a:satMod val="115000"/>
+                </a:srgbClr>
+              </a:gs>
+              <a:gs pos="50000">
+                <a:srgbClr val="00B0F0">
+                  <a:shade val="67500"/>
+                  <a:satMod val="115000"/>
+                </a:srgbClr>
+              </a:gs>
+              <a:gs pos="100000">
+                <a:srgbClr val="00B0F0">
+                  <a:shade val="100000"/>
+                  <a:satMod val="115000"/>
+                </a:srgbClr>
+              </a:gs>
+            </a:gsLst>
+            <a:path path="circle">
+              <a:fillToRect t="100000" r="100000"/>
+            </a:path>
+            <a:tileRect l="-100000" b="-100000"/>
+          </a:gradFill>
+        </p:spPr>
+        <p:txBody>
+          <a:bodyPr>
+            <a:normAutofit/>
+          </a:bodyPr>
+          <a:lstStyle/>
+          <a:p>
+            <a:r>
+              <a:rPr lang="en-US" altLang="zh-TW" sz="4800" b="1" dirty="0" smtClean="0">
+                <a:solidFill>
+                  <a:srgbClr val="FFFF00"/>
+                </a:solidFill>
+              </a:rPr>
+              <a:t>2.6 Setup </a:t>
+            </a:r>
+            <a:r>
+              <a:rPr lang="en-US" altLang="zh-TW" sz="4800" b="1" dirty="0" err="1" smtClean="0">
+                <a:solidFill>
+                  <a:srgbClr val="FFFF00"/>
+                </a:solidFill>
+              </a:rPr>
+              <a:t>MariaDB</a:t>
+            </a:r>
+            <a:r>
+              <a:rPr lang="en-US" altLang="zh-TW" sz="4800" b="1" dirty="0" smtClean="0">
+                <a:solidFill>
+                  <a:srgbClr val="FFFF00"/>
+                </a:solidFill>
+              </a:rPr>
+              <a:t> Database</a:t>
+            </a:r>
+            <a:endParaRPr lang="zh-TW" altLang="en-US" sz="4800" b="1" dirty="0">
+              <a:solidFill>
+                <a:srgbClr val="FFFF00"/>
+              </a:solidFill>
+            </a:endParaRPr>
+          </a:p>
+        </p:txBody>
+      </p:sp>
+      <p:sp>
+        <p:nvSpPr>
+          <p:cNvPr id="5" name="日期版面配置區 4"/>
+          <p:cNvSpPr>
+            <a:spLocks noGrp="1"/>
+          </p:cNvSpPr>
+          <p:nvPr>
+            <p:ph type="dt" sz="half" idx="10"/>
+          </p:nvPr>
+        </p:nvSpPr>
+        <p:spPr/>
+        <p:txBody>
+          <a:bodyPr/>
+          <a:lstStyle/>
+          <a:p>
+            <a:fld id="{C389EDC9-19E3-47AC-9C57-C6A24DEA81AD}" type="datetime1">
+              <a:rPr lang="zh-TW" altLang="en-US" smtClean="0"/>
+              <a:pPr/>
+              <a:t>2018/10/15</a:t>
+            </a:fld>
+            <a:endParaRPr lang="zh-TW" altLang="en-US"/>
+          </a:p>
+        </p:txBody>
+      </p:sp>
+      <p:sp>
+        <p:nvSpPr>
+          <p:cNvPr id="6" name="投影片編號版面配置區 5"/>
+          <p:cNvSpPr>
+            <a:spLocks noGrp="1"/>
+          </p:cNvSpPr>
+          <p:nvPr>
+            <p:ph type="sldNum" sz="quarter" idx="12"/>
+          </p:nvPr>
+        </p:nvSpPr>
+        <p:spPr/>
+        <p:txBody>
+          <a:bodyPr/>
+          <a:lstStyle/>
+          <a:p>
+            <a:fld id="{E4D7E63D-91F2-4366-A2C4-1B00C9E2590E}" type="slidenum">
+              <a:rPr lang="zh-TW" altLang="en-US" smtClean="0"/>
+              <a:pPr/>
+              <a:t>36</a:t>
+            </a:fld>
+            <a:endParaRPr lang="zh-TW" altLang="en-US"/>
+          </a:p>
+        </p:txBody>
+      </p:sp>
+      <p:pic>
+        <p:nvPicPr>
+          <p:cNvPr id="7" name="Picture 2"/>
+          <p:cNvPicPr>
+            <a:picLocks noChangeAspect="1" noChangeArrowheads="1"/>
+          </p:cNvPicPr>
+          <p:nvPr/>
+        </p:nvPicPr>
+        <p:blipFill>
+          <a:blip r:embed="rId2" cstate="print"/>
+          <a:srcRect/>
+          <a:stretch>
+            <a:fillRect/>
+          </a:stretch>
+        </p:blipFill>
+        <p:spPr bwMode="auto">
+          <a:xfrm>
+            <a:off x="3995936" y="3717032"/>
+            <a:ext cx="792088" cy="704824"/>
+          </a:xfrm>
+          <a:prstGeom prst="rect">
+            <a:avLst/>
+          </a:prstGeom>
+          <a:noFill/>
+          <a:ln w="9525">
+            <a:noFill/>
+            <a:miter lim="800000"/>
+            <a:headEnd/>
+            <a:tailEnd/>
+          </a:ln>
+        </p:spPr>
+      </p:pic>
+    </p:spTree>
+  </p:cSld>
+  <p:clrMapOvr>
+    <a:masterClrMapping/>
+  </p:clrMapOvr>
+</p:sld>
+</file>
+
+<file path=ppt/slides/slide37.xml><?xml version="1.0" encoding="utf-8"?>
+<p:sld xmlns:a="http://schemas.openxmlformats.org/drawingml/2006/main" xmlns:r="http://schemas.openxmlformats.org/officeDocument/2006/relationships" xmlns:p="http://schemas.openxmlformats.org/presentationml/2006/main">
+  <p:cSld>
+    <p:spTree>
+      <p:nvGrpSpPr>
+        <p:cNvPr id="1" name=""/>
+        <p:cNvGrpSpPr/>
+        <p:nvPr/>
+      </p:nvGrpSpPr>
+      <p:grpSpPr>
+        <a:xfrm>
+          <a:off x="0" y="0"/>
+          <a:ext cx="0" cy="0"/>
+          <a:chOff x="0" y="0"/>
+          <a:chExt cx="0" cy="0"/>
+        </a:xfrm>
+      </p:grpSpPr>
+      <p:sp>
+        <p:nvSpPr>
+          <p:cNvPr id="2" name="標題 1"/>
+          <p:cNvSpPr>
+            <a:spLocks noGrp="1"/>
+          </p:cNvSpPr>
+          <p:nvPr>
+            <p:ph type="ctrTitle"/>
+          </p:nvPr>
+        </p:nvSpPr>
+        <p:spPr>
+          <a:xfrm>
+            <a:off x="0" y="1"/>
+            <a:ext cx="9144000" cy="764704"/>
+          </a:xfrm>
+          <a:gradFill flip="none" rotWithShape="1">
+            <a:gsLst>
+              <a:gs pos="0">
+                <a:srgbClr val="C00000">
+                  <a:shade val="30000"/>
+                  <a:satMod val="115000"/>
+                </a:srgbClr>
+              </a:gs>
+              <a:gs pos="50000">
+                <a:srgbClr val="C00000">
+                  <a:shade val="67500"/>
+                  <a:satMod val="115000"/>
+                </a:srgbClr>
+              </a:gs>
+              <a:gs pos="100000">
+                <a:srgbClr val="C00000">
+                  <a:shade val="100000"/>
+                  <a:satMod val="115000"/>
+                </a:srgbClr>
+              </a:gs>
+            </a:gsLst>
+            <a:path path="circle">
+              <a:fillToRect t="100000" r="100000"/>
+            </a:path>
+            <a:tileRect l="-100000" b="-100000"/>
+          </a:gradFill>
+        </p:spPr>
+        <p:txBody>
+          <a:bodyPr/>
+          <a:lstStyle/>
+          <a:p>
+            <a:pPr algn="l"/>
+            <a:r>
+              <a:rPr lang="en-US" altLang="zh-TW" b="1" dirty="0" smtClean="0">
+                <a:solidFill>
+                  <a:srgbClr val="FFFF00"/>
+                </a:solidFill>
+              </a:rPr>
+              <a:t>2.6 Setup </a:t>
+            </a:r>
+            <a:r>
+              <a:rPr lang="en-US" altLang="zh-TW" b="1" dirty="0" err="1" smtClean="0">
+                <a:solidFill>
+                  <a:srgbClr val="FFFF00"/>
+                </a:solidFill>
+              </a:rPr>
+              <a:t>Mariab</a:t>
+            </a:r>
+            <a:r>
+              <a:rPr lang="en-US" altLang="zh-TW" b="1" dirty="0" err="1" smtClean="0">
+                <a:solidFill>
+                  <a:srgbClr val="FFFF00"/>
+                </a:solidFill>
+              </a:rPr>
+              <a:t>DB</a:t>
+            </a:r>
+            <a:r>
+              <a:rPr lang="en-US" altLang="zh-TW" b="1" dirty="0" smtClean="0">
+                <a:solidFill>
+                  <a:srgbClr val="FFFF00"/>
+                </a:solidFill>
+              </a:rPr>
+              <a:t> Database</a:t>
+            </a:r>
+            <a:endParaRPr lang="zh-TW" altLang="en-US" b="1" dirty="0">
+              <a:solidFill>
+                <a:srgbClr val="FFFF00"/>
+              </a:solidFill>
+            </a:endParaRPr>
+          </a:p>
+        </p:txBody>
+      </p:sp>
+      <p:sp>
+        <p:nvSpPr>
+          <p:cNvPr id="3" name="副標題 2"/>
+          <p:cNvSpPr>
+            <a:spLocks noGrp="1"/>
+          </p:cNvSpPr>
+          <p:nvPr>
+            <p:ph type="subTitle" idx="1"/>
+          </p:nvPr>
+        </p:nvSpPr>
+        <p:spPr>
+          <a:xfrm>
+            <a:off x="467544" y="1268760"/>
+            <a:ext cx="3960440" cy="360040"/>
+          </a:xfrm>
+          <a:ln>
+            <a:solidFill>
+              <a:srgbClr val="C00000"/>
+            </a:solidFill>
+          </a:ln>
+        </p:spPr>
+        <p:txBody>
+          <a:bodyPr>
+            <a:noAutofit/>
+          </a:bodyPr>
+          <a:lstStyle/>
+          <a:p>
+            <a:pPr marL="342900" indent="-342900" algn="l">
+              <a:buClr>
+                <a:srgbClr val="0070C0"/>
+              </a:buClr>
+              <a:buSzPct val="80000"/>
+              <a:buFont typeface="Wingdings" pitchFamily="2" charset="2"/>
+              <a:buChar char="u"/>
+            </a:pPr>
+            <a:r>
+              <a:rPr lang="en-US" altLang="zh-TW" dirty="0" smtClean="0"/>
+              <a:t>Modify pom.xml:</a:t>
+            </a:r>
+            <a:endParaRPr lang="en-US" altLang="zh-TW" dirty="0" smtClean="0">
+              <a:solidFill>
+                <a:schemeClr val="tx1"/>
+              </a:solidFill>
+            </a:endParaRPr>
+          </a:p>
+        </p:txBody>
+      </p:sp>
+      <p:sp>
+        <p:nvSpPr>
+          <p:cNvPr id="4" name="標題 1"/>
+          <p:cNvSpPr txBox="1">
+            <a:spLocks/>
+          </p:cNvSpPr>
+          <p:nvPr/>
+        </p:nvSpPr>
+        <p:spPr>
+          <a:xfrm>
+            <a:off x="0" y="764704"/>
+            <a:ext cx="9144000" cy="360040"/>
+          </a:xfrm>
+          <a:prstGeom prst="rect">
+            <a:avLst/>
+          </a:prstGeom>
+          <a:gradFill flip="none" rotWithShape="1">
+            <a:gsLst>
+              <a:gs pos="0">
+                <a:srgbClr val="00B0F0">
+                  <a:shade val="30000"/>
+                  <a:satMod val="115000"/>
+                </a:srgbClr>
+              </a:gs>
+              <a:gs pos="50000">
+                <a:srgbClr val="00B0F0">
+                  <a:shade val="67500"/>
+                  <a:satMod val="115000"/>
+                </a:srgbClr>
+              </a:gs>
+              <a:gs pos="100000">
+                <a:srgbClr val="00B0F0">
+                  <a:shade val="100000"/>
+                  <a:satMod val="115000"/>
+                </a:srgbClr>
+              </a:gs>
+            </a:gsLst>
+            <a:path path="circle">
+              <a:fillToRect t="100000" r="100000"/>
+            </a:path>
+            <a:tileRect l="-100000" b="-100000"/>
+          </a:gradFill>
+        </p:spPr>
+        <p:txBody>
+          <a:bodyPr vert="horz" lIns="91440" tIns="45720" rIns="91440" bIns="45720" rtlCol="0" anchor="ctr">
+            <a:normAutofit/>
+          </a:bodyPr>
+          <a:lstStyle/>
+          <a:p>
+            <a:pPr lvl="0">
+              <a:spcBef>
+                <a:spcPct val="0"/>
+              </a:spcBef>
+            </a:pPr>
+            <a:r>
+              <a:rPr lang="en-US" altLang="zh-TW" sz="1600" dirty="0" smtClean="0">
+                <a:latin typeface="+mj-lt"/>
+                <a:ea typeface="+mj-ea"/>
+                <a:cs typeface="+mj-cs"/>
+              </a:rPr>
+              <a:t>https://github.com/PacktPublishing/Hands-On-Full-Stack-Development-with-Spring-Boot-2.0-and-React</a:t>
+            </a:r>
+            <a:endParaRPr kumimoji="0" lang="zh-TW" altLang="en-US" sz="1600" b="0" i="0" u="none" strike="noStrike" kern="1200" cap="none" spc="0" normalizeH="0" baseline="0" noProof="0" dirty="0" smtClean="0">
+              <a:ln>
+                <a:noFill/>
+              </a:ln>
+              <a:solidFill>
+                <a:schemeClr val="tx1"/>
+              </a:solidFill>
+              <a:effectLst/>
+              <a:uLnTx/>
+              <a:uFillTx/>
+              <a:latin typeface="+mj-lt"/>
+              <a:ea typeface="+mj-ea"/>
+              <a:cs typeface="+mj-cs"/>
+            </a:endParaRPr>
+          </a:p>
+        </p:txBody>
+      </p:sp>
+      <p:sp>
+        <p:nvSpPr>
+          <p:cNvPr id="5" name="日期版面配置區 4"/>
+          <p:cNvSpPr>
+            <a:spLocks noGrp="1"/>
+          </p:cNvSpPr>
+          <p:nvPr>
+            <p:ph type="dt" sz="half" idx="10"/>
+          </p:nvPr>
+        </p:nvSpPr>
+        <p:spPr/>
+        <p:txBody>
+          <a:bodyPr/>
+          <a:lstStyle/>
+          <a:p>
+            <a:fld id="{A4F910E6-8D00-4BAF-8C48-9688E0B449D3}" type="datetime1">
+              <a:rPr lang="zh-TW" altLang="en-US" smtClean="0"/>
+              <a:pPr/>
+              <a:t>2018/10/15</a:t>
+            </a:fld>
+            <a:endParaRPr lang="zh-TW" altLang="en-US"/>
+          </a:p>
+        </p:txBody>
+      </p:sp>
+      <p:sp>
+        <p:nvSpPr>
+          <p:cNvPr id="6" name="投影片編號版面配置區 5"/>
+          <p:cNvSpPr>
+            <a:spLocks noGrp="1"/>
+          </p:cNvSpPr>
+          <p:nvPr>
+            <p:ph type="sldNum" sz="quarter" idx="12"/>
+          </p:nvPr>
+        </p:nvSpPr>
+        <p:spPr/>
+        <p:txBody>
+          <a:bodyPr/>
+          <a:lstStyle/>
+          <a:p>
+            <a:fld id="{E4D7E63D-91F2-4366-A2C4-1B00C9E2590E}" type="slidenum">
+              <a:rPr lang="zh-TW" altLang="en-US" smtClean="0"/>
+              <a:pPr/>
+              <a:t>37</a:t>
+            </a:fld>
+            <a:endParaRPr lang="zh-TW" altLang="en-US"/>
+          </a:p>
+        </p:txBody>
+      </p:sp>
+      <p:pic>
+        <p:nvPicPr>
+          <p:cNvPr id="7170" name="Picture 2"/>
+          <p:cNvPicPr>
+            <a:picLocks noChangeAspect="1" noChangeArrowheads="1"/>
+          </p:cNvPicPr>
+          <p:nvPr/>
+        </p:nvPicPr>
+        <p:blipFill>
+          <a:blip r:embed="rId3" cstate="print"/>
+          <a:srcRect/>
+          <a:stretch>
+            <a:fillRect/>
+          </a:stretch>
+        </p:blipFill>
+        <p:spPr bwMode="auto">
+          <a:xfrm>
+            <a:off x="467544" y="1844824"/>
+            <a:ext cx="3996685" cy="2808312"/>
+          </a:xfrm>
+          <a:prstGeom prst="rect">
+            <a:avLst/>
+          </a:prstGeom>
+          <a:noFill/>
+          <a:ln w="9525">
+            <a:solidFill>
+              <a:srgbClr val="C00000"/>
+            </a:solidFill>
+            <a:miter lim="800000"/>
+            <a:headEnd/>
+            <a:tailEnd/>
+          </a:ln>
+        </p:spPr>
+      </p:pic>
+      <p:sp>
+        <p:nvSpPr>
+          <p:cNvPr id="16" name="副標題 2"/>
+          <p:cNvSpPr txBox="1">
+            <a:spLocks/>
+          </p:cNvSpPr>
+          <p:nvPr/>
+        </p:nvSpPr>
+        <p:spPr>
+          <a:xfrm>
+            <a:off x="4716016" y="1268760"/>
+            <a:ext cx="3960440" cy="360040"/>
+          </a:xfrm>
+          <a:prstGeom prst="rect">
+            <a:avLst/>
+          </a:prstGeom>
+          <a:ln>
+            <a:solidFill>
+              <a:srgbClr val="C00000"/>
+            </a:solidFill>
+          </a:ln>
+        </p:spPr>
+        <p:txBody>
+          <a:bodyPr vert="horz" lIns="91440" tIns="45720" rIns="91440" bIns="45720" rtlCol="0">
+            <a:noAutofit/>
+          </a:bodyPr>
+          <a:lstStyle/>
+          <a:p>
+            <a:pPr marL="342900" marR="0" lvl="0" indent="-342900" algn="l" defTabSz="914400" rtl="0" eaLnBrk="1" fontAlgn="auto" latinLnBrk="0" hangingPunct="1">
+              <a:lnSpc>
+                <a:spcPct val="100000"/>
+              </a:lnSpc>
+              <a:spcBef>
+                <a:spcPct val="20000"/>
+              </a:spcBef>
+              <a:spcAft>
+                <a:spcPts val="0"/>
+              </a:spcAft>
+              <a:buClr>
+                <a:srgbClr val="0070C0"/>
+              </a:buClr>
+              <a:buSzPct val="80000"/>
+              <a:buFont typeface="Wingdings" pitchFamily="2" charset="2"/>
+              <a:buChar char="u"/>
+              <a:tabLst/>
+              <a:defRPr/>
+            </a:pPr>
+            <a:r>
+              <a:rPr kumimoji="0" lang="en-US" altLang="zh-TW" sz="1800" b="0" i="0" u="none" strike="noStrike" kern="1200" cap="none" spc="0" normalizeH="0" baseline="0" noProof="0" dirty="0" smtClean="0">
+                <a:ln>
+                  <a:noFill/>
+                </a:ln>
+                <a:solidFill>
+                  <a:schemeClr val="tx1"/>
+                </a:solidFill>
+                <a:effectLst/>
+                <a:uLnTx/>
+                <a:uFillTx/>
+                <a:latin typeface="+mj-lt"/>
+                <a:ea typeface="+mn-ea"/>
+                <a:cs typeface="+mn-cs"/>
+              </a:rPr>
+              <a:t>Modify </a:t>
+            </a:r>
+            <a:r>
+              <a:rPr kumimoji="0" lang="en-US" altLang="zh-TW" sz="1800" b="0" i="0" u="none" strike="noStrike" kern="1200" cap="none" spc="0" normalizeH="0" baseline="0" noProof="0" dirty="0" err="1" smtClean="0">
+                <a:ln>
+                  <a:noFill/>
+                </a:ln>
+                <a:solidFill>
+                  <a:schemeClr val="tx1"/>
+                </a:solidFill>
+                <a:effectLst/>
+                <a:uLnTx/>
+                <a:uFillTx/>
+                <a:latin typeface="+mj-lt"/>
+                <a:ea typeface="+mn-ea"/>
+                <a:cs typeface="+mn-cs"/>
+              </a:rPr>
+              <a:t>application.properties</a:t>
+            </a:r>
+            <a:r>
+              <a:rPr lang="en-US" altLang="zh-TW" dirty="0" smtClean="0">
+                <a:latin typeface="+mj-lt"/>
+              </a:rPr>
+              <a:t>:</a:t>
+            </a:r>
+            <a:endParaRPr kumimoji="0" lang="en-US" altLang="zh-TW" sz="1800" b="0" i="0" u="none" strike="noStrike" kern="1200" cap="none" spc="0" normalizeH="0" baseline="0" noProof="0" dirty="0" smtClean="0">
+              <a:ln>
+                <a:noFill/>
+              </a:ln>
+              <a:solidFill>
+                <a:schemeClr val="tx1"/>
+              </a:solidFill>
+              <a:effectLst/>
+              <a:uLnTx/>
+              <a:uFillTx/>
+              <a:latin typeface="+mj-lt"/>
+              <a:ea typeface="+mn-ea"/>
+              <a:cs typeface="+mn-cs"/>
+            </a:endParaRPr>
+          </a:p>
+        </p:txBody>
+      </p:sp>
+      <p:sp>
+        <p:nvSpPr>
+          <p:cNvPr id="17" name="矩形 16"/>
+          <p:cNvSpPr/>
+          <p:nvPr/>
+        </p:nvSpPr>
+        <p:spPr>
+          <a:xfrm>
+            <a:off x="1043608" y="3068960"/>
+            <a:ext cx="2592288" cy="432048"/>
+          </a:xfrm>
+          <a:prstGeom prst="rect">
+            <a:avLst/>
+          </a:prstGeom>
+          <a:noFill/>
+          <a:ln>
+            <a:solidFill>
+              <a:srgbClr val="C00000"/>
+            </a:solidFill>
+          </a:ln>
+        </p:spPr>
+        <p:style>
+          <a:lnRef idx="2">
+            <a:schemeClr val="accent1">
+              <a:shade val="50000"/>
+            </a:schemeClr>
+          </a:lnRef>
+          <a:fillRef idx="1">
+            <a:schemeClr val="accent1"/>
+          </a:fillRef>
+          <a:effectRef idx="0">
+            <a:schemeClr val="accent1"/>
+          </a:effectRef>
+          <a:fontRef idx="minor">
+            <a:schemeClr val="lt1"/>
+          </a:fontRef>
+        </p:style>
+        <p:txBody>
+          <a:bodyPr rtlCol="0" anchor="ctr"/>
+          <a:lstStyle/>
+          <a:p>
+            <a:pPr algn="ctr"/>
+            <a:endParaRPr lang="zh-TW" altLang="en-US"/>
+          </a:p>
+        </p:txBody>
+      </p:sp>
+      <p:pic>
+        <p:nvPicPr>
+          <p:cNvPr id="7173" name="Picture 5"/>
+          <p:cNvPicPr>
+            <a:picLocks noChangeAspect="1" noChangeArrowheads="1"/>
+          </p:cNvPicPr>
+          <p:nvPr/>
+        </p:nvPicPr>
+        <p:blipFill>
+          <a:blip r:embed="rId4" cstate="print"/>
+          <a:srcRect/>
+          <a:stretch>
+            <a:fillRect/>
+          </a:stretch>
+        </p:blipFill>
+        <p:spPr bwMode="auto">
+          <a:xfrm>
+            <a:off x="4716016" y="1844824"/>
+            <a:ext cx="4037661" cy="2087885"/>
+          </a:xfrm>
+          <a:prstGeom prst="rect">
+            <a:avLst/>
+          </a:prstGeom>
+          <a:noFill/>
+          <a:ln w="9525">
+            <a:solidFill>
+              <a:srgbClr val="C00000"/>
+            </a:solidFill>
+            <a:miter lim="800000"/>
+            <a:headEnd/>
+            <a:tailEnd/>
+          </a:ln>
+        </p:spPr>
+      </p:pic>
+      <p:sp>
+        <p:nvSpPr>
+          <p:cNvPr id="19" name="矩形 18"/>
+          <p:cNvSpPr/>
+          <p:nvPr/>
+        </p:nvSpPr>
+        <p:spPr>
+          <a:xfrm>
+            <a:off x="4788024" y="2492896"/>
+            <a:ext cx="2952328" cy="936104"/>
+          </a:xfrm>
+          <a:prstGeom prst="rect">
+            <a:avLst/>
+          </a:prstGeom>
+          <a:noFill/>
+          <a:ln>
+            <a:solidFill>
+              <a:srgbClr val="C00000"/>
+            </a:solidFill>
+          </a:ln>
+        </p:spPr>
+        <p:style>
+          <a:lnRef idx="2">
+            <a:schemeClr val="accent1">
+              <a:shade val="50000"/>
+            </a:schemeClr>
+          </a:lnRef>
+          <a:fillRef idx="1">
+            <a:schemeClr val="accent1"/>
+          </a:fillRef>
+          <a:effectRef idx="0">
+            <a:schemeClr val="accent1"/>
+          </a:effectRef>
+          <a:fontRef idx="minor">
+            <a:schemeClr val="lt1"/>
+          </a:fontRef>
+        </p:style>
+        <p:txBody>
+          <a:bodyPr rtlCol="0" anchor="ctr"/>
+          <a:lstStyle/>
+          <a:p>
+            <a:pPr algn="ctr"/>
+            <a:endParaRPr lang="zh-TW" altLang="en-US"/>
+          </a:p>
+        </p:txBody>
+      </p:sp>
+    </p:spTree>
+  </p:cSld>
+  <p:clrMapOvr>
+    <a:masterClrMapping/>
+  </p:clrMapOvr>
+</p:sld>
+</file>
+
+<file path=ppt/slides/slide38.xml><?xml version="1.0" encoding="utf-8"?>
+<p:sld xmlns:a="http://schemas.openxmlformats.org/drawingml/2006/main" xmlns:r="http://schemas.openxmlformats.org/officeDocument/2006/relationships" xmlns:p="http://schemas.openxmlformats.org/presentationml/2006/main">
+  <p:cSld>
+    <p:spTree>
+      <p:nvGrpSpPr>
+        <p:cNvPr id="1" name=""/>
+        <p:cNvGrpSpPr/>
+        <p:nvPr/>
+      </p:nvGrpSpPr>
+      <p:grpSpPr>
+        <a:xfrm>
+          <a:off x="0" y="0"/>
+          <a:ext cx="0" cy="0"/>
+          <a:chOff x="0" y="0"/>
+          <a:chExt cx="0" cy="0"/>
+        </a:xfrm>
+      </p:grpSpPr>
+      <p:sp>
+        <p:nvSpPr>
+          <p:cNvPr id="2" name="標題 1"/>
+          <p:cNvSpPr>
+            <a:spLocks noGrp="1"/>
+          </p:cNvSpPr>
+          <p:nvPr>
+            <p:ph type="ctrTitle"/>
+          </p:nvPr>
+        </p:nvSpPr>
+        <p:spPr>
+          <a:xfrm>
+            <a:off x="0" y="1"/>
+            <a:ext cx="9144000" cy="764704"/>
+          </a:xfrm>
+          <a:gradFill flip="none" rotWithShape="1">
+            <a:gsLst>
+              <a:gs pos="0">
+                <a:srgbClr val="C00000">
+                  <a:shade val="30000"/>
+                  <a:satMod val="115000"/>
+                </a:srgbClr>
+              </a:gs>
+              <a:gs pos="50000">
+                <a:srgbClr val="C00000">
+                  <a:shade val="67500"/>
+                  <a:satMod val="115000"/>
+                </a:srgbClr>
+              </a:gs>
+              <a:gs pos="100000">
+                <a:srgbClr val="C00000">
+                  <a:shade val="100000"/>
+                  <a:satMod val="115000"/>
+                </a:srgbClr>
+              </a:gs>
+            </a:gsLst>
+            <a:path path="circle">
+              <a:fillToRect t="100000" r="100000"/>
+            </a:path>
+            <a:tileRect l="-100000" b="-100000"/>
+          </a:gradFill>
+        </p:spPr>
+        <p:txBody>
+          <a:bodyPr/>
+          <a:lstStyle/>
+          <a:p>
+            <a:pPr algn="l"/>
+            <a:r>
+              <a:rPr lang="en-US" altLang="zh-TW" b="1" dirty="0" smtClean="0">
+                <a:solidFill>
+                  <a:srgbClr val="FFFF00"/>
+                </a:solidFill>
+              </a:rPr>
+              <a:t>2.6 Setup </a:t>
+            </a:r>
+            <a:r>
+              <a:rPr lang="en-US" altLang="zh-TW" b="1" dirty="0" err="1" smtClean="0">
+                <a:solidFill>
+                  <a:srgbClr val="FFFF00"/>
+                </a:solidFill>
+              </a:rPr>
+              <a:t>Mariab</a:t>
+            </a:r>
+            <a:r>
+              <a:rPr lang="en-US" altLang="zh-TW" b="1" dirty="0" err="1" smtClean="0">
+                <a:solidFill>
+                  <a:srgbClr val="FFFF00"/>
+                </a:solidFill>
+              </a:rPr>
+              <a:t>DB</a:t>
+            </a:r>
+            <a:r>
+              <a:rPr lang="en-US" altLang="zh-TW" b="1" dirty="0" smtClean="0">
+                <a:solidFill>
+                  <a:srgbClr val="FFFF00"/>
+                </a:solidFill>
+              </a:rPr>
+              <a:t> Database</a:t>
+            </a:r>
+            <a:endParaRPr lang="zh-TW" altLang="en-US" b="1" dirty="0">
+              <a:solidFill>
+                <a:srgbClr val="FFFF00"/>
+              </a:solidFill>
+            </a:endParaRPr>
+          </a:p>
+        </p:txBody>
+      </p:sp>
+      <p:sp>
+        <p:nvSpPr>
+          <p:cNvPr id="3" name="副標題 2"/>
+          <p:cNvSpPr>
+            <a:spLocks noGrp="1"/>
+          </p:cNvSpPr>
+          <p:nvPr>
+            <p:ph type="subTitle" idx="1"/>
+          </p:nvPr>
+        </p:nvSpPr>
+        <p:spPr>
+          <a:xfrm>
+            <a:off x="467544" y="1268760"/>
+            <a:ext cx="8280920" cy="288032"/>
+          </a:xfrm>
+          <a:ln>
+            <a:solidFill>
+              <a:srgbClr val="C00000"/>
+            </a:solidFill>
+          </a:ln>
+        </p:spPr>
+        <p:txBody>
+          <a:bodyPr>
+            <a:noAutofit/>
+          </a:bodyPr>
+          <a:lstStyle/>
+          <a:p>
+            <a:pPr marL="342900" indent="-342900" algn="l">
+              <a:buClr>
+                <a:srgbClr val="0070C0"/>
+              </a:buClr>
+              <a:buSzPct val="80000"/>
+              <a:buFont typeface="Wingdings" pitchFamily="2" charset="2"/>
+              <a:buChar char="u"/>
+            </a:pPr>
+            <a:r>
+              <a:rPr lang="en-US" altLang="zh-TW" dirty="0" smtClean="0"/>
+              <a:t>Start </a:t>
+            </a:r>
+            <a:r>
+              <a:rPr lang="en-US" altLang="zh-TW" dirty="0" err="1" smtClean="0"/>
+              <a:t>HeidiSQL</a:t>
+            </a:r>
+            <a:endParaRPr lang="en-US" altLang="zh-TW" dirty="0" smtClean="0">
+              <a:solidFill>
+                <a:schemeClr val="tx1"/>
+              </a:solidFill>
+            </a:endParaRPr>
+          </a:p>
+        </p:txBody>
+      </p:sp>
+      <p:sp>
+        <p:nvSpPr>
+          <p:cNvPr id="4" name="標題 1"/>
+          <p:cNvSpPr txBox="1">
+            <a:spLocks/>
+          </p:cNvSpPr>
+          <p:nvPr/>
+        </p:nvSpPr>
+        <p:spPr>
+          <a:xfrm>
+            <a:off x="0" y="764704"/>
+            <a:ext cx="9144000" cy="360040"/>
+          </a:xfrm>
+          <a:prstGeom prst="rect">
+            <a:avLst/>
+          </a:prstGeom>
+          <a:gradFill flip="none" rotWithShape="1">
+            <a:gsLst>
+              <a:gs pos="0">
+                <a:srgbClr val="00B0F0">
+                  <a:shade val="30000"/>
+                  <a:satMod val="115000"/>
+                </a:srgbClr>
+              </a:gs>
+              <a:gs pos="50000">
+                <a:srgbClr val="00B0F0">
+                  <a:shade val="67500"/>
+                  <a:satMod val="115000"/>
+                </a:srgbClr>
+              </a:gs>
+              <a:gs pos="100000">
+                <a:srgbClr val="00B0F0">
+                  <a:shade val="100000"/>
+                  <a:satMod val="115000"/>
+                </a:srgbClr>
+              </a:gs>
+            </a:gsLst>
+            <a:path path="circle">
+              <a:fillToRect t="100000" r="100000"/>
+            </a:path>
+            <a:tileRect l="-100000" b="-100000"/>
+          </a:gradFill>
+        </p:spPr>
+        <p:txBody>
+          <a:bodyPr vert="horz" lIns="91440" tIns="45720" rIns="91440" bIns="45720" rtlCol="0" anchor="ctr">
+            <a:normAutofit/>
+          </a:bodyPr>
+          <a:lstStyle/>
+          <a:p>
+            <a:pPr lvl="0">
+              <a:spcBef>
+                <a:spcPct val="0"/>
+              </a:spcBef>
+            </a:pPr>
+            <a:r>
+              <a:rPr lang="en-US" altLang="zh-TW" sz="1600" dirty="0" smtClean="0">
+                <a:latin typeface="+mj-lt"/>
+                <a:ea typeface="+mj-ea"/>
+                <a:cs typeface="+mj-cs"/>
+              </a:rPr>
+              <a:t>https://github.com/PacktPublishing/Hands-On-Full-Stack-Development-with-Spring-Boot-2.0-and-React</a:t>
+            </a:r>
+            <a:endParaRPr kumimoji="0" lang="zh-TW" altLang="en-US" sz="1600" b="0" i="0" u="none" strike="noStrike" kern="1200" cap="none" spc="0" normalizeH="0" baseline="0" noProof="0" dirty="0" smtClean="0">
+              <a:ln>
+                <a:noFill/>
+              </a:ln>
+              <a:solidFill>
+                <a:schemeClr val="tx1"/>
+              </a:solidFill>
+              <a:effectLst/>
+              <a:uLnTx/>
+              <a:uFillTx/>
+              <a:latin typeface="+mj-lt"/>
+              <a:ea typeface="+mj-ea"/>
+              <a:cs typeface="+mj-cs"/>
+            </a:endParaRPr>
+          </a:p>
+        </p:txBody>
+      </p:sp>
+      <p:sp>
+        <p:nvSpPr>
+          <p:cNvPr id="5" name="日期版面配置區 4"/>
+          <p:cNvSpPr>
+            <a:spLocks noGrp="1"/>
+          </p:cNvSpPr>
+          <p:nvPr>
+            <p:ph type="dt" sz="half" idx="10"/>
+          </p:nvPr>
+        </p:nvSpPr>
+        <p:spPr/>
+        <p:txBody>
+          <a:bodyPr/>
+          <a:lstStyle/>
+          <a:p>
+            <a:fld id="{A4F910E6-8D00-4BAF-8C48-9688E0B449D3}" type="datetime1">
+              <a:rPr lang="zh-TW" altLang="en-US" smtClean="0"/>
+              <a:pPr/>
+              <a:t>2018/10/15</a:t>
+            </a:fld>
+            <a:endParaRPr lang="zh-TW" altLang="en-US"/>
+          </a:p>
+        </p:txBody>
+      </p:sp>
+      <p:sp>
+        <p:nvSpPr>
+          <p:cNvPr id="6" name="投影片編號版面配置區 5"/>
+          <p:cNvSpPr>
+            <a:spLocks noGrp="1"/>
+          </p:cNvSpPr>
+          <p:nvPr>
+            <p:ph type="sldNum" sz="quarter" idx="12"/>
+          </p:nvPr>
+        </p:nvSpPr>
+        <p:spPr/>
+        <p:txBody>
+          <a:bodyPr/>
+          <a:lstStyle/>
+          <a:p>
+            <a:fld id="{E4D7E63D-91F2-4366-A2C4-1B00C9E2590E}" type="slidenum">
+              <a:rPr lang="zh-TW" altLang="en-US" smtClean="0"/>
+              <a:pPr/>
+              <a:t>38</a:t>
+            </a:fld>
+            <a:endParaRPr lang="zh-TW" altLang="en-US"/>
+          </a:p>
+        </p:txBody>
+      </p:sp>
+      <p:pic>
+        <p:nvPicPr>
+          <p:cNvPr id="9218" name="Picture 2"/>
+          <p:cNvPicPr>
+            <a:picLocks noChangeAspect="1" noChangeArrowheads="1"/>
+          </p:cNvPicPr>
+          <p:nvPr/>
+        </p:nvPicPr>
+        <p:blipFill>
+          <a:blip r:embed="rId3" cstate="print"/>
+          <a:srcRect/>
+          <a:stretch>
+            <a:fillRect/>
+          </a:stretch>
+        </p:blipFill>
+        <p:spPr bwMode="auto">
+          <a:xfrm>
+            <a:off x="971600" y="1772816"/>
+            <a:ext cx="771525" cy="638175"/>
+          </a:xfrm>
+          <a:prstGeom prst="rect">
+            <a:avLst/>
+          </a:prstGeom>
+          <a:noFill/>
+          <a:ln w="9525">
+            <a:solidFill>
+              <a:srgbClr val="C00000"/>
+            </a:solidFill>
+            <a:miter lim="800000"/>
+            <a:headEnd/>
+            <a:tailEnd/>
+          </a:ln>
+        </p:spPr>
+      </p:pic>
+      <p:pic>
+        <p:nvPicPr>
+          <p:cNvPr id="9221" name="Picture 5"/>
+          <p:cNvPicPr>
+            <a:picLocks noChangeAspect="1" noChangeArrowheads="1"/>
+          </p:cNvPicPr>
+          <p:nvPr/>
+        </p:nvPicPr>
+        <p:blipFill>
+          <a:blip r:embed="rId4" cstate="print"/>
+          <a:srcRect/>
+          <a:stretch>
+            <a:fillRect/>
+          </a:stretch>
+        </p:blipFill>
+        <p:spPr bwMode="auto">
+          <a:xfrm>
+            <a:off x="2267744" y="1844824"/>
+            <a:ext cx="5345212" cy="3204068"/>
+          </a:xfrm>
+          <a:prstGeom prst="rect">
+            <a:avLst/>
+          </a:prstGeom>
+          <a:noFill/>
+          <a:ln w="9525">
+            <a:solidFill>
+              <a:srgbClr val="C00000"/>
+            </a:solidFill>
+            <a:miter lim="800000"/>
+            <a:headEnd/>
+            <a:tailEnd/>
+          </a:ln>
+        </p:spPr>
+      </p:pic>
+    </p:spTree>
+  </p:cSld>
+  <p:clrMapOvr>
+    <a:masterClrMapping/>
+  </p:clrMapOvr>
+</p:sld>
+</file>
+
+<file path=ppt/slides/slide39.xml><?xml version="1.0" encoding="utf-8"?>
+<p:sld xmlns:a="http://schemas.openxmlformats.org/drawingml/2006/main" xmlns:r="http://schemas.openxmlformats.org/officeDocument/2006/relationships" xmlns:p="http://schemas.openxmlformats.org/presentationml/2006/main">
+  <p:cSld>
+    <p:spTree>
+      <p:nvGrpSpPr>
+        <p:cNvPr id="1" name=""/>
+        <p:cNvGrpSpPr/>
+        <p:nvPr/>
+      </p:nvGrpSpPr>
+      <p:grpSpPr>
+        <a:xfrm>
+          <a:off x="0" y="0"/>
+          <a:ext cx="0" cy="0"/>
+          <a:chOff x="0" y="0"/>
+          <a:chExt cx="0" cy="0"/>
+        </a:xfrm>
+      </p:grpSpPr>
+      <p:sp>
+        <p:nvSpPr>
+          <p:cNvPr id="2" name="標題 1"/>
+          <p:cNvSpPr>
+            <a:spLocks noGrp="1"/>
+          </p:cNvSpPr>
+          <p:nvPr>
+            <p:ph type="ctrTitle"/>
+          </p:nvPr>
+        </p:nvSpPr>
+        <p:spPr>
+          <a:xfrm>
+            <a:off x="0" y="1"/>
+            <a:ext cx="9144000" cy="764704"/>
+          </a:xfrm>
+          <a:gradFill flip="none" rotWithShape="1">
+            <a:gsLst>
+              <a:gs pos="0">
+                <a:srgbClr val="C00000">
+                  <a:shade val="30000"/>
+                  <a:satMod val="115000"/>
+                </a:srgbClr>
+              </a:gs>
+              <a:gs pos="50000">
+                <a:srgbClr val="C00000">
+                  <a:shade val="67500"/>
+                  <a:satMod val="115000"/>
+                </a:srgbClr>
+              </a:gs>
+              <a:gs pos="100000">
+                <a:srgbClr val="C00000">
+                  <a:shade val="100000"/>
+                  <a:satMod val="115000"/>
+                </a:srgbClr>
+              </a:gs>
+            </a:gsLst>
+            <a:path path="circle">
+              <a:fillToRect t="100000" r="100000"/>
+            </a:path>
+            <a:tileRect l="-100000" b="-100000"/>
+          </a:gradFill>
+        </p:spPr>
+        <p:txBody>
+          <a:bodyPr/>
+          <a:lstStyle/>
+          <a:p>
+            <a:pPr algn="l"/>
+            <a:r>
+              <a:rPr lang="en-US" altLang="zh-TW" b="1" dirty="0" smtClean="0">
+                <a:solidFill>
+                  <a:srgbClr val="FFFF00"/>
+                </a:solidFill>
+              </a:rPr>
+              <a:t>2.6 Setup </a:t>
+            </a:r>
+            <a:r>
+              <a:rPr lang="en-US" altLang="zh-TW" b="1" dirty="0" err="1" smtClean="0">
+                <a:solidFill>
+                  <a:srgbClr val="FFFF00"/>
+                </a:solidFill>
+              </a:rPr>
+              <a:t>Mariab</a:t>
+            </a:r>
+            <a:r>
+              <a:rPr lang="en-US" altLang="zh-TW" b="1" dirty="0" err="1" smtClean="0">
+                <a:solidFill>
+                  <a:srgbClr val="FFFF00"/>
+                </a:solidFill>
+              </a:rPr>
+              <a:t>DB</a:t>
+            </a:r>
+            <a:r>
+              <a:rPr lang="en-US" altLang="zh-TW" b="1" dirty="0" smtClean="0">
+                <a:solidFill>
+                  <a:srgbClr val="FFFF00"/>
+                </a:solidFill>
+              </a:rPr>
+              <a:t> Database</a:t>
+            </a:r>
+            <a:endParaRPr lang="zh-TW" altLang="en-US" b="1" dirty="0">
+              <a:solidFill>
+                <a:srgbClr val="FFFF00"/>
+              </a:solidFill>
+            </a:endParaRPr>
+          </a:p>
+        </p:txBody>
+      </p:sp>
+      <p:sp>
+        <p:nvSpPr>
+          <p:cNvPr id="3" name="副標題 2"/>
+          <p:cNvSpPr>
+            <a:spLocks noGrp="1"/>
+          </p:cNvSpPr>
+          <p:nvPr>
+            <p:ph type="subTitle" idx="1"/>
+          </p:nvPr>
+        </p:nvSpPr>
+        <p:spPr>
+          <a:xfrm>
+            <a:off x="467544" y="1268760"/>
+            <a:ext cx="8280920" cy="288032"/>
+          </a:xfrm>
+          <a:ln>
+            <a:solidFill>
+              <a:srgbClr val="C00000"/>
+            </a:solidFill>
+          </a:ln>
+        </p:spPr>
+        <p:txBody>
+          <a:bodyPr>
+            <a:noAutofit/>
+          </a:bodyPr>
+          <a:lstStyle/>
+          <a:p>
+            <a:pPr marL="342900" indent="-342900" algn="l">
+              <a:buClr>
+                <a:srgbClr val="0070C0"/>
+              </a:buClr>
+              <a:buSzPct val="80000"/>
+              <a:buFont typeface="Wingdings" pitchFamily="2" charset="2"/>
+              <a:buChar char="u"/>
+            </a:pPr>
+            <a:r>
+              <a:rPr lang="en-US" altLang="zh-TW" dirty="0" smtClean="0"/>
+              <a:t>Create </a:t>
+            </a:r>
+            <a:r>
+              <a:rPr lang="en-US" altLang="zh-TW" dirty="0" err="1" smtClean="0"/>
+              <a:t>cardb</a:t>
+            </a:r>
+            <a:r>
+              <a:rPr lang="en-US" altLang="zh-TW" dirty="0" smtClean="0"/>
+              <a:t> database:</a:t>
+            </a:r>
+            <a:endParaRPr lang="en-US" altLang="zh-TW" dirty="0" smtClean="0">
+              <a:solidFill>
+                <a:schemeClr val="tx1"/>
+              </a:solidFill>
+            </a:endParaRPr>
+          </a:p>
+        </p:txBody>
+      </p:sp>
+      <p:sp>
+        <p:nvSpPr>
+          <p:cNvPr id="4" name="標題 1"/>
+          <p:cNvSpPr txBox="1">
+            <a:spLocks/>
+          </p:cNvSpPr>
+          <p:nvPr/>
+        </p:nvSpPr>
+        <p:spPr>
+          <a:xfrm>
+            <a:off x="0" y="764704"/>
+            <a:ext cx="9144000" cy="360040"/>
+          </a:xfrm>
+          <a:prstGeom prst="rect">
+            <a:avLst/>
+          </a:prstGeom>
+          <a:gradFill flip="none" rotWithShape="1">
+            <a:gsLst>
+              <a:gs pos="0">
+                <a:srgbClr val="00B0F0">
+                  <a:shade val="30000"/>
+                  <a:satMod val="115000"/>
+                </a:srgbClr>
+              </a:gs>
+              <a:gs pos="50000">
+                <a:srgbClr val="00B0F0">
+                  <a:shade val="67500"/>
+                  <a:satMod val="115000"/>
+                </a:srgbClr>
+              </a:gs>
+              <a:gs pos="100000">
+                <a:srgbClr val="00B0F0">
+                  <a:shade val="100000"/>
+                  <a:satMod val="115000"/>
+                </a:srgbClr>
+              </a:gs>
+            </a:gsLst>
+            <a:path path="circle">
+              <a:fillToRect t="100000" r="100000"/>
+            </a:path>
+            <a:tileRect l="-100000" b="-100000"/>
+          </a:gradFill>
+        </p:spPr>
+        <p:txBody>
+          <a:bodyPr vert="horz" lIns="91440" tIns="45720" rIns="91440" bIns="45720" rtlCol="0" anchor="ctr">
+            <a:normAutofit/>
+          </a:bodyPr>
+          <a:lstStyle/>
+          <a:p>
+            <a:pPr lvl="0">
+              <a:spcBef>
+                <a:spcPct val="0"/>
+              </a:spcBef>
+            </a:pPr>
+            <a:r>
+              <a:rPr lang="en-US" altLang="zh-TW" sz="1600" dirty="0" smtClean="0">
+                <a:latin typeface="+mj-lt"/>
+                <a:ea typeface="+mj-ea"/>
+                <a:cs typeface="+mj-cs"/>
+              </a:rPr>
+              <a:t>https://github.com/PacktPublishing/Hands-On-Full-Stack-Development-with-Spring-Boot-2.0-and-React</a:t>
+            </a:r>
+            <a:endParaRPr kumimoji="0" lang="zh-TW" altLang="en-US" sz="1600" b="0" i="0" u="none" strike="noStrike" kern="1200" cap="none" spc="0" normalizeH="0" baseline="0" noProof="0" dirty="0" smtClean="0">
+              <a:ln>
+                <a:noFill/>
+              </a:ln>
+              <a:solidFill>
+                <a:schemeClr val="tx1"/>
+              </a:solidFill>
+              <a:effectLst/>
+              <a:uLnTx/>
+              <a:uFillTx/>
+              <a:latin typeface="+mj-lt"/>
+              <a:ea typeface="+mj-ea"/>
+              <a:cs typeface="+mj-cs"/>
+            </a:endParaRPr>
+          </a:p>
+        </p:txBody>
+      </p:sp>
+      <p:sp>
+        <p:nvSpPr>
+          <p:cNvPr id="5" name="日期版面配置區 4"/>
+          <p:cNvSpPr>
+            <a:spLocks noGrp="1"/>
+          </p:cNvSpPr>
+          <p:nvPr>
+            <p:ph type="dt" sz="half" idx="10"/>
+          </p:nvPr>
+        </p:nvSpPr>
+        <p:spPr/>
+        <p:txBody>
+          <a:bodyPr/>
+          <a:lstStyle/>
+          <a:p>
+            <a:fld id="{A4F910E6-8D00-4BAF-8C48-9688E0B449D3}" type="datetime1">
+              <a:rPr lang="zh-TW" altLang="en-US" smtClean="0"/>
+              <a:pPr/>
+              <a:t>2018/10/15</a:t>
+            </a:fld>
+            <a:endParaRPr lang="zh-TW" altLang="en-US"/>
+          </a:p>
+        </p:txBody>
+      </p:sp>
+      <p:sp>
+        <p:nvSpPr>
+          <p:cNvPr id="6" name="投影片編號版面配置區 5"/>
+          <p:cNvSpPr>
+            <a:spLocks noGrp="1"/>
+          </p:cNvSpPr>
+          <p:nvPr>
+            <p:ph type="sldNum" sz="quarter" idx="12"/>
+          </p:nvPr>
+        </p:nvSpPr>
+        <p:spPr/>
+        <p:txBody>
+          <a:bodyPr/>
+          <a:lstStyle/>
+          <a:p>
+            <a:fld id="{E4D7E63D-91F2-4366-A2C4-1B00C9E2590E}" type="slidenum">
+              <a:rPr lang="zh-TW" altLang="en-US" smtClean="0"/>
+              <a:pPr/>
+              <a:t>39</a:t>
+            </a:fld>
+            <a:endParaRPr lang="zh-TW" altLang="en-US"/>
+          </a:p>
+        </p:txBody>
+      </p:sp>
+      <p:pic>
+        <p:nvPicPr>
+          <p:cNvPr id="9219" name="Picture 3"/>
+          <p:cNvPicPr>
+            <a:picLocks noChangeAspect="1" noChangeArrowheads="1"/>
+          </p:cNvPicPr>
+          <p:nvPr/>
+        </p:nvPicPr>
+        <p:blipFill>
+          <a:blip r:embed="rId3" cstate="print"/>
+          <a:srcRect/>
+          <a:stretch>
+            <a:fillRect/>
+          </a:stretch>
+        </p:blipFill>
+        <p:spPr bwMode="auto">
+          <a:xfrm>
+            <a:off x="4211960" y="1772816"/>
+            <a:ext cx="3190875" cy="2524125"/>
+          </a:xfrm>
+          <a:prstGeom prst="rect">
+            <a:avLst/>
+          </a:prstGeom>
+          <a:noFill/>
+          <a:ln w="9525">
+            <a:solidFill>
+              <a:srgbClr val="C00000"/>
+            </a:solidFill>
+            <a:miter lim="800000"/>
+            <a:headEnd/>
+            <a:tailEnd/>
+          </a:ln>
+        </p:spPr>
+      </p:pic>
+      <p:pic>
+        <p:nvPicPr>
+          <p:cNvPr id="9220" name="Picture 4"/>
+          <p:cNvPicPr>
+            <a:picLocks noChangeAspect="1" noChangeArrowheads="1"/>
+          </p:cNvPicPr>
+          <p:nvPr/>
+        </p:nvPicPr>
+        <p:blipFill>
+          <a:blip r:embed="rId4" cstate="print"/>
+          <a:srcRect/>
+          <a:stretch>
+            <a:fillRect/>
+          </a:stretch>
+        </p:blipFill>
+        <p:spPr bwMode="auto">
+          <a:xfrm>
+            <a:off x="611560" y="1700808"/>
+            <a:ext cx="3161960" cy="2783979"/>
+          </a:xfrm>
+          <a:prstGeom prst="rect">
+            <a:avLst/>
+          </a:prstGeom>
+          <a:noFill/>
+          <a:ln w="9525">
+            <a:solidFill>
+              <a:srgbClr val="C00000"/>
+            </a:solidFill>
             <a:miter lim="800000"/>
             <a:headEnd/>
             <a:tailEnd/>
@@ -12453,6 +19235,883 @@
           </a:fontRef>
         </p:style>
       </p:cxnSp>
+    </p:spTree>
+  </p:cSld>
+  <p:clrMapOvr>
+    <a:masterClrMapping/>
+  </p:clrMapOvr>
+</p:sld>
+</file>
+
+<file path=ppt/slides/slide40.xml><?xml version="1.0" encoding="utf-8"?>
+<p:sld xmlns:a="http://schemas.openxmlformats.org/drawingml/2006/main" xmlns:r="http://schemas.openxmlformats.org/officeDocument/2006/relationships" xmlns:p="http://schemas.openxmlformats.org/presentationml/2006/main">
+  <p:cSld>
+    <p:spTree>
+      <p:nvGrpSpPr>
+        <p:cNvPr id="1" name=""/>
+        <p:cNvGrpSpPr/>
+        <p:nvPr/>
+      </p:nvGrpSpPr>
+      <p:grpSpPr>
+        <a:xfrm>
+          <a:off x="0" y="0"/>
+          <a:ext cx="0" cy="0"/>
+          <a:chOff x="0" y="0"/>
+          <a:chExt cx="0" cy="0"/>
+        </a:xfrm>
+      </p:grpSpPr>
+      <p:sp>
+        <p:nvSpPr>
+          <p:cNvPr id="2" name="標題 1"/>
+          <p:cNvSpPr>
+            <a:spLocks noGrp="1"/>
+          </p:cNvSpPr>
+          <p:nvPr>
+            <p:ph type="ctrTitle"/>
+          </p:nvPr>
+        </p:nvSpPr>
+        <p:spPr>
+          <a:xfrm>
+            <a:off x="0" y="1"/>
+            <a:ext cx="9144000" cy="764704"/>
+          </a:xfrm>
+          <a:gradFill flip="none" rotWithShape="1">
+            <a:gsLst>
+              <a:gs pos="0">
+                <a:srgbClr val="C00000">
+                  <a:shade val="30000"/>
+                  <a:satMod val="115000"/>
+                </a:srgbClr>
+              </a:gs>
+              <a:gs pos="50000">
+                <a:srgbClr val="C00000">
+                  <a:shade val="67500"/>
+                  <a:satMod val="115000"/>
+                </a:srgbClr>
+              </a:gs>
+              <a:gs pos="100000">
+                <a:srgbClr val="C00000">
+                  <a:shade val="100000"/>
+                  <a:satMod val="115000"/>
+                </a:srgbClr>
+              </a:gs>
+            </a:gsLst>
+            <a:path path="circle">
+              <a:fillToRect t="100000" r="100000"/>
+            </a:path>
+            <a:tileRect l="-100000" b="-100000"/>
+          </a:gradFill>
+        </p:spPr>
+        <p:txBody>
+          <a:bodyPr/>
+          <a:lstStyle/>
+          <a:p>
+            <a:pPr algn="l"/>
+            <a:r>
+              <a:rPr lang="en-US" altLang="zh-TW" b="1" dirty="0" smtClean="0">
+                <a:solidFill>
+                  <a:srgbClr val="FFFF00"/>
+                </a:solidFill>
+              </a:rPr>
+              <a:t>2.6 Setup </a:t>
+            </a:r>
+            <a:r>
+              <a:rPr lang="en-US" altLang="zh-TW" b="1" dirty="0" err="1" smtClean="0">
+                <a:solidFill>
+                  <a:srgbClr val="FFFF00"/>
+                </a:solidFill>
+              </a:rPr>
+              <a:t>Mariab</a:t>
+            </a:r>
+            <a:r>
+              <a:rPr lang="en-US" altLang="zh-TW" b="1" dirty="0" err="1" smtClean="0">
+                <a:solidFill>
+                  <a:srgbClr val="FFFF00"/>
+                </a:solidFill>
+              </a:rPr>
+              <a:t>DB</a:t>
+            </a:r>
+            <a:r>
+              <a:rPr lang="en-US" altLang="zh-TW" b="1" dirty="0" smtClean="0">
+                <a:solidFill>
+                  <a:srgbClr val="FFFF00"/>
+                </a:solidFill>
+              </a:rPr>
+              <a:t> Database</a:t>
+            </a:r>
+            <a:endParaRPr lang="zh-TW" altLang="en-US" b="1" dirty="0">
+              <a:solidFill>
+                <a:srgbClr val="FFFF00"/>
+              </a:solidFill>
+            </a:endParaRPr>
+          </a:p>
+        </p:txBody>
+      </p:sp>
+      <p:sp>
+        <p:nvSpPr>
+          <p:cNvPr id="3" name="副標題 2"/>
+          <p:cNvSpPr>
+            <a:spLocks noGrp="1"/>
+          </p:cNvSpPr>
+          <p:nvPr>
+            <p:ph type="subTitle" idx="1"/>
+          </p:nvPr>
+        </p:nvSpPr>
+        <p:spPr>
+          <a:xfrm>
+            <a:off x="467544" y="1268760"/>
+            <a:ext cx="8280920" cy="288032"/>
+          </a:xfrm>
+          <a:ln>
+            <a:solidFill>
+              <a:srgbClr val="C00000"/>
+            </a:solidFill>
+          </a:ln>
+        </p:spPr>
+        <p:txBody>
+          <a:bodyPr>
+            <a:noAutofit/>
+          </a:bodyPr>
+          <a:lstStyle/>
+          <a:p>
+            <a:pPr marL="342900" indent="-342900" algn="l">
+              <a:buClr>
+                <a:srgbClr val="0070C0"/>
+              </a:buClr>
+              <a:buSzPct val="80000"/>
+              <a:buFont typeface="Wingdings" pitchFamily="2" charset="2"/>
+              <a:buChar char="u"/>
+            </a:pPr>
+            <a:r>
+              <a:rPr lang="en-US" altLang="zh-TW" dirty="0" smtClean="0"/>
+              <a:t>Create </a:t>
+            </a:r>
+            <a:r>
+              <a:rPr lang="en-US" altLang="zh-TW" dirty="0" err="1" smtClean="0"/>
+              <a:t>cardb</a:t>
+            </a:r>
+            <a:endParaRPr lang="en-US" altLang="zh-TW" dirty="0" smtClean="0">
+              <a:solidFill>
+                <a:schemeClr val="tx1"/>
+              </a:solidFill>
+            </a:endParaRPr>
+          </a:p>
+        </p:txBody>
+      </p:sp>
+      <p:sp>
+        <p:nvSpPr>
+          <p:cNvPr id="4" name="標題 1"/>
+          <p:cNvSpPr txBox="1">
+            <a:spLocks/>
+          </p:cNvSpPr>
+          <p:nvPr/>
+        </p:nvSpPr>
+        <p:spPr>
+          <a:xfrm>
+            <a:off x="0" y="764704"/>
+            <a:ext cx="9144000" cy="360040"/>
+          </a:xfrm>
+          <a:prstGeom prst="rect">
+            <a:avLst/>
+          </a:prstGeom>
+          <a:gradFill flip="none" rotWithShape="1">
+            <a:gsLst>
+              <a:gs pos="0">
+                <a:srgbClr val="00B0F0">
+                  <a:shade val="30000"/>
+                  <a:satMod val="115000"/>
+                </a:srgbClr>
+              </a:gs>
+              <a:gs pos="50000">
+                <a:srgbClr val="00B0F0">
+                  <a:shade val="67500"/>
+                  <a:satMod val="115000"/>
+                </a:srgbClr>
+              </a:gs>
+              <a:gs pos="100000">
+                <a:srgbClr val="00B0F0">
+                  <a:shade val="100000"/>
+                  <a:satMod val="115000"/>
+                </a:srgbClr>
+              </a:gs>
+            </a:gsLst>
+            <a:path path="circle">
+              <a:fillToRect t="100000" r="100000"/>
+            </a:path>
+            <a:tileRect l="-100000" b="-100000"/>
+          </a:gradFill>
+        </p:spPr>
+        <p:txBody>
+          <a:bodyPr vert="horz" lIns="91440" tIns="45720" rIns="91440" bIns="45720" rtlCol="0" anchor="ctr">
+            <a:normAutofit/>
+          </a:bodyPr>
+          <a:lstStyle/>
+          <a:p>
+            <a:pPr lvl="0">
+              <a:spcBef>
+                <a:spcPct val="0"/>
+              </a:spcBef>
+            </a:pPr>
+            <a:r>
+              <a:rPr lang="en-US" altLang="zh-TW" sz="1600" dirty="0" smtClean="0">
+                <a:latin typeface="+mj-lt"/>
+                <a:ea typeface="+mj-ea"/>
+                <a:cs typeface="+mj-cs"/>
+              </a:rPr>
+              <a:t>https://github.com/PacktPublishing/Hands-On-Full-Stack-Development-with-Spring-Boot-2.0-and-React</a:t>
+            </a:r>
+            <a:endParaRPr kumimoji="0" lang="zh-TW" altLang="en-US" sz="1600" b="0" i="0" u="none" strike="noStrike" kern="1200" cap="none" spc="0" normalizeH="0" baseline="0" noProof="0" dirty="0" smtClean="0">
+              <a:ln>
+                <a:noFill/>
+              </a:ln>
+              <a:solidFill>
+                <a:schemeClr val="tx1"/>
+              </a:solidFill>
+              <a:effectLst/>
+              <a:uLnTx/>
+              <a:uFillTx/>
+              <a:latin typeface="+mj-lt"/>
+              <a:ea typeface="+mj-ea"/>
+              <a:cs typeface="+mj-cs"/>
+            </a:endParaRPr>
+          </a:p>
+        </p:txBody>
+      </p:sp>
+      <p:sp>
+        <p:nvSpPr>
+          <p:cNvPr id="5" name="日期版面配置區 4"/>
+          <p:cNvSpPr>
+            <a:spLocks noGrp="1"/>
+          </p:cNvSpPr>
+          <p:nvPr>
+            <p:ph type="dt" sz="half" idx="10"/>
+          </p:nvPr>
+        </p:nvSpPr>
+        <p:spPr/>
+        <p:txBody>
+          <a:bodyPr/>
+          <a:lstStyle/>
+          <a:p>
+            <a:fld id="{A4F910E6-8D00-4BAF-8C48-9688E0B449D3}" type="datetime1">
+              <a:rPr lang="zh-TW" altLang="en-US" smtClean="0"/>
+              <a:pPr/>
+              <a:t>2018/10/15</a:t>
+            </a:fld>
+            <a:endParaRPr lang="zh-TW" altLang="en-US"/>
+          </a:p>
+        </p:txBody>
+      </p:sp>
+      <p:sp>
+        <p:nvSpPr>
+          <p:cNvPr id="6" name="投影片編號版面配置區 5"/>
+          <p:cNvSpPr>
+            <a:spLocks noGrp="1"/>
+          </p:cNvSpPr>
+          <p:nvPr>
+            <p:ph type="sldNum" sz="quarter" idx="12"/>
+          </p:nvPr>
+        </p:nvSpPr>
+        <p:spPr/>
+        <p:txBody>
+          <a:bodyPr/>
+          <a:lstStyle/>
+          <a:p>
+            <a:fld id="{E4D7E63D-91F2-4366-A2C4-1B00C9E2590E}" type="slidenum">
+              <a:rPr lang="zh-TW" altLang="en-US" smtClean="0"/>
+              <a:pPr/>
+              <a:t>40</a:t>
+            </a:fld>
+            <a:endParaRPr lang="zh-TW" altLang="en-US"/>
+          </a:p>
+        </p:txBody>
+      </p:sp>
+      <p:pic>
+        <p:nvPicPr>
+          <p:cNvPr id="10243" name="Picture 3"/>
+          <p:cNvPicPr>
+            <a:picLocks noChangeAspect="1" noChangeArrowheads="1"/>
+          </p:cNvPicPr>
+          <p:nvPr/>
+        </p:nvPicPr>
+        <p:blipFill>
+          <a:blip r:embed="rId3" cstate="print"/>
+          <a:srcRect/>
+          <a:stretch>
+            <a:fillRect/>
+          </a:stretch>
+        </p:blipFill>
+        <p:spPr bwMode="auto">
+          <a:xfrm>
+            <a:off x="971600" y="1700808"/>
+            <a:ext cx="6643911" cy="4104210"/>
+          </a:xfrm>
+          <a:prstGeom prst="rect">
+            <a:avLst/>
+          </a:prstGeom>
+          <a:noFill/>
+          <a:ln w="9525">
+            <a:solidFill>
+              <a:srgbClr val="C00000"/>
+            </a:solidFill>
+            <a:miter lim="800000"/>
+            <a:headEnd/>
+            <a:tailEnd/>
+          </a:ln>
+        </p:spPr>
+      </p:pic>
+    </p:spTree>
+  </p:cSld>
+  <p:clrMapOvr>
+    <a:masterClrMapping/>
+  </p:clrMapOvr>
+</p:sld>
+</file>
+
+<file path=ppt/slides/slide41.xml><?xml version="1.0" encoding="utf-8"?>
+<p:sld xmlns:a="http://schemas.openxmlformats.org/drawingml/2006/main" xmlns:r="http://schemas.openxmlformats.org/officeDocument/2006/relationships" xmlns:p="http://schemas.openxmlformats.org/presentationml/2006/main">
+  <p:cSld>
+    <p:spTree>
+      <p:nvGrpSpPr>
+        <p:cNvPr id="1" name=""/>
+        <p:cNvGrpSpPr/>
+        <p:nvPr/>
+      </p:nvGrpSpPr>
+      <p:grpSpPr>
+        <a:xfrm>
+          <a:off x="0" y="0"/>
+          <a:ext cx="0" cy="0"/>
+          <a:chOff x="0" y="0"/>
+          <a:chExt cx="0" cy="0"/>
+        </a:xfrm>
+      </p:grpSpPr>
+      <p:sp>
+        <p:nvSpPr>
+          <p:cNvPr id="2" name="標題 1"/>
+          <p:cNvSpPr>
+            <a:spLocks noGrp="1"/>
+          </p:cNvSpPr>
+          <p:nvPr>
+            <p:ph type="ctrTitle"/>
+          </p:nvPr>
+        </p:nvSpPr>
+        <p:spPr>
+          <a:xfrm>
+            <a:off x="0" y="1"/>
+            <a:ext cx="9144000" cy="764704"/>
+          </a:xfrm>
+          <a:gradFill flip="none" rotWithShape="1">
+            <a:gsLst>
+              <a:gs pos="0">
+                <a:srgbClr val="C00000">
+                  <a:shade val="30000"/>
+                  <a:satMod val="115000"/>
+                </a:srgbClr>
+              </a:gs>
+              <a:gs pos="50000">
+                <a:srgbClr val="C00000">
+                  <a:shade val="67500"/>
+                  <a:satMod val="115000"/>
+                </a:srgbClr>
+              </a:gs>
+              <a:gs pos="100000">
+                <a:srgbClr val="C00000">
+                  <a:shade val="100000"/>
+                  <a:satMod val="115000"/>
+                </a:srgbClr>
+              </a:gs>
+            </a:gsLst>
+            <a:path path="circle">
+              <a:fillToRect t="100000" r="100000"/>
+            </a:path>
+            <a:tileRect l="-100000" b="-100000"/>
+          </a:gradFill>
+        </p:spPr>
+        <p:txBody>
+          <a:bodyPr/>
+          <a:lstStyle/>
+          <a:p>
+            <a:pPr algn="l"/>
+            <a:r>
+              <a:rPr lang="en-US" altLang="zh-TW" b="1" dirty="0" smtClean="0">
+                <a:solidFill>
+                  <a:srgbClr val="FFFF00"/>
+                </a:solidFill>
+              </a:rPr>
+              <a:t>2.6 Setup </a:t>
+            </a:r>
+            <a:r>
+              <a:rPr lang="en-US" altLang="zh-TW" b="1" dirty="0" err="1" smtClean="0">
+                <a:solidFill>
+                  <a:srgbClr val="FFFF00"/>
+                </a:solidFill>
+              </a:rPr>
+              <a:t>Mariab</a:t>
+            </a:r>
+            <a:r>
+              <a:rPr lang="en-US" altLang="zh-TW" b="1" dirty="0" err="1" smtClean="0">
+                <a:solidFill>
+                  <a:srgbClr val="FFFF00"/>
+                </a:solidFill>
+              </a:rPr>
+              <a:t>DB</a:t>
+            </a:r>
+            <a:r>
+              <a:rPr lang="en-US" altLang="zh-TW" b="1" dirty="0" smtClean="0">
+                <a:solidFill>
+                  <a:srgbClr val="FFFF00"/>
+                </a:solidFill>
+              </a:rPr>
+              <a:t> Database</a:t>
+            </a:r>
+            <a:endParaRPr lang="zh-TW" altLang="en-US" b="1" dirty="0">
+              <a:solidFill>
+                <a:srgbClr val="FFFF00"/>
+              </a:solidFill>
+            </a:endParaRPr>
+          </a:p>
+        </p:txBody>
+      </p:sp>
+      <p:sp>
+        <p:nvSpPr>
+          <p:cNvPr id="3" name="副標題 2"/>
+          <p:cNvSpPr>
+            <a:spLocks noGrp="1"/>
+          </p:cNvSpPr>
+          <p:nvPr>
+            <p:ph type="subTitle" idx="1"/>
+          </p:nvPr>
+        </p:nvSpPr>
+        <p:spPr>
+          <a:xfrm>
+            <a:off x="467544" y="1268760"/>
+            <a:ext cx="8280920" cy="648072"/>
+          </a:xfrm>
+          <a:ln>
+            <a:solidFill>
+              <a:srgbClr val="C00000"/>
+            </a:solidFill>
+          </a:ln>
+        </p:spPr>
+        <p:txBody>
+          <a:bodyPr>
+            <a:noAutofit/>
+          </a:bodyPr>
+          <a:lstStyle/>
+          <a:p>
+            <a:pPr marL="342900" indent="-342900" algn="l">
+              <a:buClr>
+                <a:srgbClr val="0070C0"/>
+              </a:buClr>
+              <a:buSzPct val="80000"/>
+              <a:buFont typeface="Wingdings" pitchFamily="2" charset="2"/>
+              <a:buChar char="u"/>
+            </a:pPr>
+            <a:r>
+              <a:rPr lang="en-US" altLang="zh-TW" dirty="0" smtClean="0"/>
+              <a:t>Run As &gt; Java Application</a:t>
+            </a:r>
+          </a:p>
+          <a:p>
+            <a:pPr marL="342900" indent="-342900" algn="l">
+              <a:buClr>
+                <a:srgbClr val="0070C0"/>
+              </a:buClr>
+              <a:buSzPct val="80000"/>
+              <a:buFont typeface="Wingdings" pitchFamily="2" charset="2"/>
+              <a:buChar char="u"/>
+            </a:pPr>
+            <a:r>
+              <a:rPr lang="en-US" altLang="zh-TW" dirty="0" smtClean="0">
+                <a:solidFill>
+                  <a:schemeClr val="tx1"/>
+                </a:solidFill>
+              </a:rPr>
+              <a:t>Ru</a:t>
+            </a:r>
+            <a:r>
+              <a:rPr lang="en-US" altLang="zh-TW" dirty="0" smtClean="0"/>
+              <a:t>n </a:t>
+            </a:r>
+            <a:r>
+              <a:rPr lang="en-US" altLang="zh-TW" dirty="0" smtClean="0">
+                <a:solidFill>
+                  <a:schemeClr val="tx1"/>
+                </a:solidFill>
+              </a:rPr>
+              <a:t>Hibernate  for </a:t>
+            </a:r>
+            <a:r>
+              <a:rPr lang="en-US" altLang="zh-TW" dirty="0" err="1" smtClean="0">
+                <a:solidFill>
+                  <a:schemeClr val="tx1"/>
+                </a:solidFill>
+              </a:rPr>
+              <a:t>MariaDB</a:t>
+            </a:r>
+            <a:r>
+              <a:rPr lang="en-US" altLang="zh-TW" dirty="0" smtClean="0">
+                <a:solidFill>
+                  <a:schemeClr val="tx1"/>
+                </a:solidFill>
+              </a:rPr>
+              <a:t> Database insertion </a:t>
+            </a:r>
+            <a:r>
+              <a:rPr lang="en-US" altLang="zh-TW" smtClean="0">
+                <a:solidFill>
+                  <a:schemeClr val="tx1"/>
+                </a:solidFill>
+              </a:rPr>
+              <a:t>and drop</a:t>
+            </a:r>
+            <a:endParaRPr lang="en-US" altLang="zh-TW" dirty="0" smtClean="0">
+              <a:solidFill>
+                <a:schemeClr val="tx1"/>
+              </a:solidFill>
+            </a:endParaRPr>
+          </a:p>
+        </p:txBody>
+      </p:sp>
+      <p:sp>
+        <p:nvSpPr>
+          <p:cNvPr id="4" name="標題 1"/>
+          <p:cNvSpPr txBox="1">
+            <a:spLocks/>
+          </p:cNvSpPr>
+          <p:nvPr/>
+        </p:nvSpPr>
+        <p:spPr>
+          <a:xfrm>
+            <a:off x="0" y="764704"/>
+            <a:ext cx="9144000" cy="360040"/>
+          </a:xfrm>
+          <a:prstGeom prst="rect">
+            <a:avLst/>
+          </a:prstGeom>
+          <a:gradFill flip="none" rotWithShape="1">
+            <a:gsLst>
+              <a:gs pos="0">
+                <a:srgbClr val="00B0F0">
+                  <a:shade val="30000"/>
+                  <a:satMod val="115000"/>
+                </a:srgbClr>
+              </a:gs>
+              <a:gs pos="50000">
+                <a:srgbClr val="00B0F0">
+                  <a:shade val="67500"/>
+                  <a:satMod val="115000"/>
+                </a:srgbClr>
+              </a:gs>
+              <a:gs pos="100000">
+                <a:srgbClr val="00B0F0">
+                  <a:shade val="100000"/>
+                  <a:satMod val="115000"/>
+                </a:srgbClr>
+              </a:gs>
+            </a:gsLst>
+            <a:path path="circle">
+              <a:fillToRect t="100000" r="100000"/>
+            </a:path>
+            <a:tileRect l="-100000" b="-100000"/>
+          </a:gradFill>
+        </p:spPr>
+        <p:txBody>
+          <a:bodyPr vert="horz" lIns="91440" tIns="45720" rIns="91440" bIns="45720" rtlCol="0" anchor="ctr">
+            <a:normAutofit/>
+          </a:bodyPr>
+          <a:lstStyle/>
+          <a:p>
+            <a:pPr lvl="0">
+              <a:spcBef>
+                <a:spcPct val="0"/>
+              </a:spcBef>
+            </a:pPr>
+            <a:r>
+              <a:rPr lang="en-US" altLang="zh-TW" sz="1600" dirty="0" smtClean="0">
+                <a:latin typeface="+mj-lt"/>
+                <a:ea typeface="+mj-ea"/>
+                <a:cs typeface="+mj-cs"/>
+              </a:rPr>
+              <a:t>https://github.com/PacktPublishing/Hands-On-Full-Stack-Development-with-Spring-Boot-2.0-and-React</a:t>
+            </a:r>
+            <a:endParaRPr kumimoji="0" lang="zh-TW" altLang="en-US" sz="1600" b="0" i="0" u="none" strike="noStrike" kern="1200" cap="none" spc="0" normalizeH="0" baseline="0" noProof="0" dirty="0" smtClean="0">
+              <a:ln>
+                <a:noFill/>
+              </a:ln>
+              <a:solidFill>
+                <a:schemeClr val="tx1"/>
+              </a:solidFill>
+              <a:effectLst/>
+              <a:uLnTx/>
+              <a:uFillTx/>
+              <a:latin typeface="+mj-lt"/>
+              <a:ea typeface="+mj-ea"/>
+              <a:cs typeface="+mj-cs"/>
+            </a:endParaRPr>
+          </a:p>
+        </p:txBody>
+      </p:sp>
+      <p:sp>
+        <p:nvSpPr>
+          <p:cNvPr id="5" name="日期版面配置區 4"/>
+          <p:cNvSpPr>
+            <a:spLocks noGrp="1"/>
+          </p:cNvSpPr>
+          <p:nvPr>
+            <p:ph type="dt" sz="half" idx="10"/>
+          </p:nvPr>
+        </p:nvSpPr>
+        <p:spPr/>
+        <p:txBody>
+          <a:bodyPr/>
+          <a:lstStyle/>
+          <a:p>
+            <a:fld id="{A4F910E6-8D00-4BAF-8C48-9688E0B449D3}" type="datetime1">
+              <a:rPr lang="zh-TW" altLang="en-US" smtClean="0"/>
+              <a:pPr/>
+              <a:t>2018/10/15</a:t>
+            </a:fld>
+            <a:endParaRPr lang="zh-TW" altLang="en-US"/>
+          </a:p>
+        </p:txBody>
+      </p:sp>
+      <p:sp>
+        <p:nvSpPr>
+          <p:cNvPr id="6" name="投影片編號版面配置區 5"/>
+          <p:cNvSpPr>
+            <a:spLocks noGrp="1"/>
+          </p:cNvSpPr>
+          <p:nvPr>
+            <p:ph type="sldNum" sz="quarter" idx="12"/>
+          </p:nvPr>
+        </p:nvSpPr>
+        <p:spPr/>
+        <p:txBody>
+          <a:bodyPr/>
+          <a:lstStyle/>
+          <a:p>
+            <a:fld id="{E4D7E63D-91F2-4366-A2C4-1B00C9E2590E}" type="slidenum">
+              <a:rPr lang="zh-TW" altLang="en-US" smtClean="0"/>
+              <a:pPr/>
+              <a:t>41</a:t>
+            </a:fld>
+            <a:endParaRPr lang="zh-TW" altLang="en-US"/>
+          </a:p>
+        </p:txBody>
+      </p:sp>
+      <p:pic>
+        <p:nvPicPr>
+          <p:cNvPr id="8194" name="Picture 2"/>
+          <p:cNvPicPr>
+            <a:picLocks noChangeAspect="1" noChangeArrowheads="1"/>
+          </p:cNvPicPr>
+          <p:nvPr/>
+        </p:nvPicPr>
+        <p:blipFill>
+          <a:blip r:embed="rId3" cstate="print"/>
+          <a:srcRect/>
+          <a:stretch>
+            <a:fillRect/>
+          </a:stretch>
+        </p:blipFill>
+        <p:spPr bwMode="auto">
+          <a:xfrm>
+            <a:off x="1259632" y="2060848"/>
+            <a:ext cx="6330355" cy="4209326"/>
+          </a:xfrm>
+          <a:prstGeom prst="rect">
+            <a:avLst/>
+          </a:prstGeom>
+          <a:noFill/>
+          <a:ln w="9525">
+            <a:solidFill>
+              <a:srgbClr val="C00000"/>
+            </a:solidFill>
+            <a:miter lim="800000"/>
+            <a:headEnd/>
+            <a:tailEnd/>
+          </a:ln>
+        </p:spPr>
+      </p:pic>
+      <p:sp>
+        <p:nvSpPr>
+          <p:cNvPr id="13" name="矩形 12"/>
+          <p:cNvSpPr/>
+          <p:nvPr/>
+        </p:nvSpPr>
+        <p:spPr>
+          <a:xfrm>
+            <a:off x="2771800" y="4077072"/>
+            <a:ext cx="4680520" cy="1224136"/>
+          </a:xfrm>
+          <a:prstGeom prst="rect">
+            <a:avLst/>
+          </a:prstGeom>
+          <a:noFill/>
+          <a:ln>
+            <a:solidFill>
+              <a:srgbClr val="C00000"/>
+            </a:solidFill>
+          </a:ln>
+        </p:spPr>
+        <p:style>
+          <a:lnRef idx="2">
+            <a:schemeClr val="accent1">
+              <a:shade val="50000"/>
+            </a:schemeClr>
+          </a:lnRef>
+          <a:fillRef idx="1">
+            <a:schemeClr val="accent1"/>
+          </a:fillRef>
+          <a:effectRef idx="0">
+            <a:schemeClr val="accent1"/>
+          </a:effectRef>
+          <a:fontRef idx="minor">
+            <a:schemeClr val="lt1"/>
+          </a:fontRef>
+        </p:style>
+        <p:txBody>
+          <a:bodyPr rtlCol="0" anchor="ctr"/>
+          <a:lstStyle/>
+          <a:p>
+            <a:pPr algn="ctr"/>
+            <a:endParaRPr lang="zh-TW" altLang="en-US"/>
+          </a:p>
+        </p:txBody>
+      </p:sp>
+    </p:spTree>
+  </p:cSld>
+  <p:clrMapOvr>
+    <a:masterClrMapping/>
+  </p:clrMapOvr>
+</p:sld>
+</file>
+
+<file path=ppt/slides/slide42.xml><?xml version="1.0" encoding="utf-8"?>
+<p:sld xmlns:a="http://schemas.openxmlformats.org/drawingml/2006/main" xmlns:r="http://schemas.openxmlformats.org/officeDocument/2006/relationships" xmlns:p="http://schemas.openxmlformats.org/presentationml/2006/main">
+  <p:cSld>
+    <p:spTree>
+      <p:nvGrpSpPr>
+        <p:cNvPr id="1" name=""/>
+        <p:cNvGrpSpPr/>
+        <p:nvPr/>
+      </p:nvGrpSpPr>
+      <p:grpSpPr>
+        <a:xfrm>
+          <a:off x="0" y="0"/>
+          <a:ext cx="0" cy="0"/>
+          <a:chOff x="0" y="0"/>
+          <a:chExt cx="0" cy="0"/>
+        </a:xfrm>
+      </p:grpSpPr>
+      <p:sp>
+        <p:nvSpPr>
+          <p:cNvPr id="2" name="標題 1"/>
+          <p:cNvSpPr>
+            <a:spLocks noGrp="1"/>
+          </p:cNvSpPr>
+          <p:nvPr>
+            <p:ph type="ctrTitle"/>
+          </p:nvPr>
+        </p:nvSpPr>
+        <p:spPr>
+          <a:gradFill flip="none" rotWithShape="1">
+            <a:gsLst>
+              <a:gs pos="0">
+                <a:srgbClr val="00B0F0">
+                  <a:shade val="30000"/>
+                  <a:satMod val="115000"/>
+                </a:srgbClr>
+              </a:gs>
+              <a:gs pos="50000">
+                <a:srgbClr val="00B0F0">
+                  <a:shade val="67500"/>
+                  <a:satMod val="115000"/>
+                </a:srgbClr>
+              </a:gs>
+              <a:gs pos="100000">
+                <a:srgbClr val="00B0F0">
+                  <a:shade val="100000"/>
+                  <a:satMod val="115000"/>
+                </a:srgbClr>
+              </a:gs>
+            </a:gsLst>
+            <a:path path="circle">
+              <a:fillToRect t="100000" r="100000"/>
+            </a:path>
+            <a:tileRect l="-100000" b="-100000"/>
+          </a:gradFill>
+        </p:spPr>
+        <p:txBody>
+          <a:bodyPr>
+            <a:normAutofit/>
+          </a:bodyPr>
+          <a:lstStyle/>
+          <a:p>
+            <a:r>
+              <a:rPr lang="en-US" altLang="zh-TW" sz="6000" b="1" dirty="0" smtClean="0">
+                <a:solidFill>
+                  <a:srgbClr val="FFFF00"/>
+                </a:solidFill>
+              </a:rPr>
+              <a:t>End of Chapter</a:t>
+            </a:r>
+            <a:endParaRPr lang="zh-TW" altLang="en-US" sz="6000" b="1" dirty="0">
+              <a:solidFill>
+                <a:srgbClr val="FFFF00"/>
+              </a:solidFill>
+            </a:endParaRPr>
+          </a:p>
+        </p:txBody>
+      </p:sp>
+      <p:sp>
+        <p:nvSpPr>
+          <p:cNvPr id="5" name="日期版面配置區 4"/>
+          <p:cNvSpPr>
+            <a:spLocks noGrp="1"/>
+          </p:cNvSpPr>
+          <p:nvPr>
+            <p:ph type="dt" sz="half" idx="10"/>
+          </p:nvPr>
+        </p:nvSpPr>
+        <p:spPr/>
+        <p:txBody>
+          <a:bodyPr/>
+          <a:lstStyle/>
+          <a:p>
+            <a:fld id="{4E46BE27-E923-4EC2-B046-3272AE2A3E5C}" type="datetime1">
+              <a:rPr lang="zh-TW" altLang="en-US" smtClean="0"/>
+              <a:pPr/>
+              <a:t>2018/10/15</a:t>
+            </a:fld>
+            <a:endParaRPr lang="zh-TW" altLang="en-US"/>
+          </a:p>
+        </p:txBody>
+      </p:sp>
+      <p:sp>
+        <p:nvSpPr>
+          <p:cNvPr id="6" name="投影片編號版面配置區 5"/>
+          <p:cNvSpPr>
+            <a:spLocks noGrp="1"/>
+          </p:cNvSpPr>
+          <p:nvPr>
+            <p:ph type="sldNum" sz="quarter" idx="12"/>
+          </p:nvPr>
+        </p:nvSpPr>
+        <p:spPr/>
+        <p:txBody>
+          <a:bodyPr/>
+          <a:lstStyle/>
+          <a:p>
+            <a:fld id="{E4D7E63D-91F2-4366-A2C4-1B00C9E2590E}" type="slidenum">
+              <a:rPr lang="zh-TW" altLang="en-US" smtClean="0"/>
+              <a:pPr/>
+              <a:t>42</a:t>
+            </a:fld>
+            <a:endParaRPr lang="zh-TW" altLang="en-US"/>
+          </a:p>
+        </p:txBody>
+      </p:sp>
     </p:spTree>
   </p:cSld>
   <p:clrMapOvr>
